--- a/Documentation/GuideVisitBandBot_SmartOffice.pptx
+++ b/Documentation/GuideVisitBandBot_SmartOffice.pptx
@@ -2,10 +2,10 @@
 <file path=ppt/presentation.xml><?xml version="1.0" encoding="utf-8"?>
 <p:presentation xmlns:a="http://schemas.openxmlformats.org/drawingml/2006/main" xmlns:r="http://schemas.openxmlformats.org/officeDocument/2006/relationships" xmlns:p="http://schemas.openxmlformats.org/presentationml/2006/main" saveSubsetFonts="1">
   <p:sldMasterIdLst>
-    <p:sldMasterId id="2147483648" r:id="rId5"/>
+    <p:sldMasterId id="2147483648" r:id="rId9"/>
   </p:sldMasterIdLst>
   <p:sldIdLst>
-    <p:sldId id="256" r:id="rId6"/>
+    <p:sldId id="257" r:id="rId10"/>
   </p:sldIdLst>
   <p:sldSz cx="12192000" cy="6858000"/>
   <p:notesSz cx="6858000" cy="9144000"/>
@@ -104,6 +104,11 @@
       </a:defRPr>
     </a:lvl9pPr>
   </p:defaultTextStyle>
+  <p:extLst>
+    <p:ext uri="{EFAFB233-063F-42B5-8137-9DF3F51BA10A}">
+      <p15:sldGuideLst xmlns:p15="http://schemas.microsoft.com/office/powerpoint/2012/main"/>
+    </p:ext>
+  </p:extLst>
 </p:presentation>
 </file>
 
@@ -238,7 +243,7 @@
           <a:p>
             <a:fld id="{F81F548A-ADA4-4F61-B39E-5DDE81F69D9C}" type="datetimeFigureOut">
               <a:rPr lang="cs-CZ" smtClean="0"/>
-              <a:t>29.07.2016</a:t>
+              <a:t>30.07.2016</a:t>
             </a:fld>
             <a:endParaRPr lang="cs-CZ"/>
           </a:p>
@@ -408,7 +413,7 @@
           <a:p>
             <a:fld id="{F81F548A-ADA4-4F61-B39E-5DDE81F69D9C}" type="datetimeFigureOut">
               <a:rPr lang="cs-CZ" smtClean="0"/>
-              <a:t>29.07.2016</a:t>
+              <a:t>30.07.2016</a:t>
             </a:fld>
             <a:endParaRPr lang="cs-CZ"/>
           </a:p>
@@ -588,7 +593,7 @@
           <a:p>
             <a:fld id="{F81F548A-ADA4-4F61-B39E-5DDE81F69D9C}" type="datetimeFigureOut">
               <a:rPr lang="cs-CZ" smtClean="0"/>
-              <a:t>29.07.2016</a:t>
+              <a:t>30.07.2016</a:t>
             </a:fld>
             <a:endParaRPr lang="cs-CZ"/>
           </a:p>
@@ -758,7 +763,7 @@
           <a:p>
             <a:fld id="{F81F548A-ADA4-4F61-B39E-5DDE81F69D9C}" type="datetimeFigureOut">
               <a:rPr lang="cs-CZ" smtClean="0"/>
-              <a:t>29.07.2016</a:t>
+              <a:t>30.07.2016</a:t>
             </a:fld>
             <a:endParaRPr lang="cs-CZ"/>
           </a:p>
@@ -1004,7 +1009,7 @@
           <a:p>
             <a:fld id="{F81F548A-ADA4-4F61-B39E-5DDE81F69D9C}" type="datetimeFigureOut">
               <a:rPr lang="cs-CZ" smtClean="0"/>
-              <a:t>29.07.2016</a:t>
+              <a:t>30.07.2016</a:t>
             </a:fld>
             <a:endParaRPr lang="cs-CZ"/>
           </a:p>
@@ -1236,7 +1241,7 @@
           <a:p>
             <a:fld id="{F81F548A-ADA4-4F61-B39E-5DDE81F69D9C}" type="datetimeFigureOut">
               <a:rPr lang="cs-CZ" smtClean="0"/>
-              <a:t>29.07.2016</a:t>
+              <a:t>30.07.2016</a:t>
             </a:fld>
             <a:endParaRPr lang="cs-CZ"/>
           </a:p>
@@ -1603,7 +1608,7 @@
           <a:p>
             <a:fld id="{F81F548A-ADA4-4F61-B39E-5DDE81F69D9C}" type="datetimeFigureOut">
               <a:rPr lang="cs-CZ" smtClean="0"/>
-              <a:t>29.07.2016</a:t>
+              <a:t>30.07.2016</a:t>
             </a:fld>
             <a:endParaRPr lang="cs-CZ"/>
           </a:p>
@@ -1721,7 +1726,7 @@
           <a:p>
             <a:fld id="{F81F548A-ADA4-4F61-B39E-5DDE81F69D9C}" type="datetimeFigureOut">
               <a:rPr lang="cs-CZ" smtClean="0"/>
-              <a:t>29.07.2016</a:t>
+              <a:t>30.07.2016</a:t>
             </a:fld>
             <a:endParaRPr lang="cs-CZ"/>
           </a:p>
@@ -1816,7 +1821,7 @@
           <a:p>
             <a:fld id="{F81F548A-ADA4-4F61-B39E-5DDE81F69D9C}" type="datetimeFigureOut">
               <a:rPr lang="cs-CZ" smtClean="0"/>
-              <a:t>29.07.2016</a:t>
+              <a:t>30.07.2016</a:t>
             </a:fld>
             <a:endParaRPr lang="cs-CZ"/>
           </a:p>
@@ -2093,7 +2098,7 @@
           <a:p>
             <a:fld id="{F81F548A-ADA4-4F61-B39E-5DDE81F69D9C}" type="datetimeFigureOut">
               <a:rPr lang="cs-CZ" smtClean="0"/>
-              <a:t>29.07.2016</a:t>
+              <a:t>30.07.2016</a:t>
             </a:fld>
             <a:endParaRPr lang="cs-CZ"/>
           </a:p>
@@ -2346,7 +2351,7 @@
           <a:p>
             <a:fld id="{F81F548A-ADA4-4F61-B39E-5DDE81F69D9C}" type="datetimeFigureOut">
               <a:rPr lang="cs-CZ" smtClean="0"/>
-              <a:t>29.07.2016</a:t>
+              <a:t>30.07.2016</a:t>
             </a:fld>
             <a:endParaRPr lang="cs-CZ"/>
           </a:p>
@@ -2559,7 +2564,7 @@
           <a:p>
             <a:fld id="{F81F548A-ADA4-4F61-B39E-5DDE81F69D9C}" type="datetimeFigureOut">
               <a:rPr lang="cs-CZ" smtClean="0"/>
-              <a:t>29.07.2016</a:t>
+              <a:t>30.07.2016</a:t>
             </a:fld>
             <a:endParaRPr lang="cs-CZ"/>
           </a:p>
@@ -2964,1389 +2969,1446 @@
           <a:chExt cx="0" cy="0"/>
         </a:xfrm>
       </p:grpSpPr>
-      <p:pic>
-        <p:nvPicPr>
-          <p:cNvPr id="9" name="Picture 8"/>
-          <p:cNvPicPr>
-            <a:picLocks noChangeAspect="1"/>
-          </p:cNvPicPr>
+      <p:grpSp>
+        <p:nvGrpSpPr>
+          <p:cNvPr id="3" name="Group 2"/>
+          <p:cNvGrpSpPr/>
           <p:nvPr/>
-        </p:nvPicPr>
-        <p:blipFill>
-          <a:blip r:embed="rId6">
-            <a:extLst>
-              <a:ext uri="{28A0092B-C50C-407E-A947-70E740481C1C}">
-                <a14:useLocalDpi xmlns:a14="http://schemas.microsoft.com/office/drawing/2010/main" val="0"/>
-              </a:ext>
-            </a:extLst>
-          </a:blip>
-          <a:stretch>
-            <a:fillRect/>
-          </a:stretch>
-        </p:blipFill>
-        <p:spPr>
+        </p:nvGrpSpPr>
+        <p:grpSpPr>
           <a:xfrm>
-            <a:off x="409797" y="1517325"/>
-            <a:ext cx="942646" cy="530675"/>
+            <a:off x="409797" y="475113"/>
+            <a:ext cx="11404130" cy="6181975"/>
+            <a:chOff x="409797" y="475113"/>
+            <a:chExt cx="11404130" cy="6181975"/>
           </a:xfrm>
-          <a:prstGeom prst="rect">
-            <a:avLst/>
-          </a:prstGeom>
-        </p:spPr>
-      </p:pic>
-      <p:pic>
-        <p:nvPicPr>
-          <p:cNvPr id="11" name="Picture 10"/>
-          <p:cNvPicPr>
-            <a:picLocks noChangeAspect="1"/>
-          </p:cNvPicPr>
-          <p:nvPr/>
-        </p:nvPicPr>
-        <p:blipFill>
-          <a:blip r:embed="rId6">
-            <a:extLst>
-              <a:ext uri="{28A0092B-C50C-407E-A947-70E740481C1C}">
-                <a14:useLocalDpi xmlns:a14="http://schemas.microsoft.com/office/drawing/2010/main" val="0"/>
-              </a:ext>
-            </a:extLst>
-          </a:blip>
-          <a:stretch>
-            <a:fillRect/>
-          </a:stretch>
-        </p:blipFill>
-        <p:spPr>
-          <a:xfrm>
-            <a:off x="1334613" y="1239557"/>
-            <a:ext cx="942646" cy="530675"/>
-          </a:xfrm>
-          <a:prstGeom prst="rect">
-            <a:avLst/>
-          </a:prstGeom>
-        </p:spPr>
-      </p:pic>
-      <p:pic>
-        <p:nvPicPr>
-          <p:cNvPr id="12" name="Picture 2" descr="C:\Users\t-dantay\Documents\Placeholders\user.png"/>
-          <p:cNvPicPr>
-            <a:picLocks noChangeAspect="1" noChangeArrowheads="1"/>
-          </p:cNvPicPr>
-          <p:nvPr>
-            <p:custDataLst>
-              <p:custData r:id="rId1"/>
-            </p:custDataLst>
-          </p:nvPr>
-        </p:nvPicPr>
-        <p:blipFill>
-          <a:blip r:embed="rId7" cstate="print">
-            <a:extLst>
-              <a:ext uri="{28A0092B-C50C-407E-A947-70E740481C1C}">
-                <a14:useLocalDpi xmlns:a14="http://schemas.microsoft.com/office/drawing/2010/main" val="0"/>
-              </a:ext>
-            </a:extLst>
-          </a:blip>
-          <a:srcRect/>
-          <a:stretch>
-            <a:fillRect/>
-          </a:stretch>
-        </p:blipFill>
-        <p:spPr bwMode="auto">
-          <a:xfrm>
-            <a:off x="1060925" y="737946"/>
-            <a:ext cx="410924" cy="518615"/>
-          </a:xfrm>
-          <a:prstGeom prst="rect">
-            <a:avLst/>
-          </a:prstGeom>
-          <a:noFill/>
-          <a:extLst>
-            <a:ext uri="{909E8E84-426E-40DD-AFC4-6F175D3DCCD1}">
-              <a14:hiddenFill xmlns:a14="http://schemas.microsoft.com/office/drawing/2010/main">
-                <a:solidFill>
-                  <a:srgbClr val="FFFFFF"/>
-                </a:solidFill>
-              </a14:hiddenFill>
-            </a:ext>
-          </a:extLst>
-        </p:spPr>
-      </p:pic>
-      <p:pic>
-        <p:nvPicPr>
-          <p:cNvPr id="13" name="Picture 2" descr="C:\Users\t-dantay\Documents\Placeholders\user.png"/>
-          <p:cNvPicPr>
-            <a:picLocks noChangeAspect="1" noChangeArrowheads="1"/>
-          </p:cNvPicPr>
-          <p:nvPr>
-            <p:custDataLst>
-              <p:custData r:id="rId2"/>
-            </p:custDataLst>
-          </p:nvPr>
-        </p:nvPicPr>
-        <p:blipFill>
-          <a:blip r:embed="rId7" cstate="print">
-            <a:extLst>
-              <a:ext uri="{28A0092B-C50C-407E-A947-70E740481C1C}">
-                <a14:useLocalDpi xmlns:a14="http://schemas.microsoft.com/office/drawing/2010/main" val="0"/>
-              </a:ext>
-            </a:extLst>
-          </a:blip>
-          <a:srcRect/>
-          <a:stretch>
-            <a:fillRect/>
-          </a:stretch>
-        </p:blipFill>
-        <p:spPr bwMode="auto">
-          <a:xfrm>
-            <a:off x="589235" y="905576"/>
-            <a:ext cx="410002" cy="517451"/>
-          </a:xfrm>
-          <a:prstGeom prst="rect">
-            <a:avLst/>
-          </a:prstGeom>
-          <a:noFill/>
-          <a:extLst>
-            <a:ext uri="{909E8E84-426E-40DD-AFC4-6F175D3DCCD1}">
-              <a14:hiddenFill xmlns:a14="http://schemas.microsoft.com/office/drawing/2010/main">
-                <a:solidFill>
-                  <a:srgbClr val="FFFFFF"/>
-                </a:solidFill>
-              </a14:hiddenFill>
-            </a:ext>
-          </a:extLst>
-        </p:spPr>
-      </p:pic>
-      <p:sp>
-        <p:nvSpPr>
-          <p:cNvPr id="16" name="TextBox 15"/>
-          <p:cNvSpPr txBox="1"/>
-          <p:nvPr/>
-        </p:nvSpPr>
-        <p:spPr>
-          <a:xfrm>
-            <a:off x="607460" y="2030811"/>
-            <a:ext cx="1573636" cy="1015663"/>
-          </a:xfrm>
-          <a:prstGeom prst="rect">
-            <a:avLst/>
-          </a:prstGeom>
-          <a:noFill/>
-        </p:spPr>
-        <p:txBody>
-          <a:bodyPr wrap="none" rtlCol="0">
-            <a:spAutoFit/>
-          </a:bodyPr>
-          <a:lstStyle/>
-          <a:p>
-            <a:pPr algn="ctr"/>
-            <a:r>
-              <a:rPr lang="en-US" sz="2000" b="1" dirty="0">
-                <a:solidFill>
-                  <a:srgbClr val="7030A0"/>
-                </a:solidFill>
-              </a:rPr>
-              <a:t>Visitors with </a:t>
-            </a:r>
-            <a:br>
-              <a:rPr lang="en-US" sz="2000" b="1" dirty="0">
-                <a:solidFill>
-                  <a:srgbClr val="7030A0"/>
-                </a:solidFill>
-              </a:rPr>
-            </a:br>
-            <a:r>
-              <a:rPr lang="en-US" sz="2000" b="1" dirty="0">
-                <a:solidFill>
-                  <a:srgbClr val="7030A0"/>
-                </a:solidFill>
-              </a:rPr>
-              <a:t>borrowed</a:t>
-            </a:r>
-          </a:p>
-          <a:p>
-            <a:pPr algn="ctr"/>
-            <a:r>
-              <a:rPr lang="en-US" sz="2000" b="1" dirty="0">
-                <a:solidFill>
-                  <a:srgbClr val="7030A0"/>
-                </a:solidFill>
-              </a:rPr>
-              <a:t>MS Band</a:t>
-            </a:r>
-          </a:p>
-        </p:txBody>
-      </p:sp>
-      <p:cxnSp>
-        <p:nvCxnSpPr>
-          <p:cNvPr id="18" name="Straight Arrow Connector 17"/>
-          <p:cNvCxnSpPr/>
-          <p:nvPr/>
-        </p:nvCxnSpPr>
-        <p:spPr>
-          <a:xfrm>
-            <a:off x="2367764" y="2626532"/>
-            <a:ext cx="2073306" cy="0"/>
-          </a:xfrm>
-          <a:prstGeom prst="straightConnector1">
-            <a:avLst/>
-          </a:prstGeom>
-          <a:ln w="38100">
-            <a:headEnd type="triangle"/>
-            <a:tailEnd type="triangle"/>
-          </a:ln>
-        </p:spPr>
-        <p:style>
-          <a:lnRef idx="1">
-            <a:schemeClr val="accent1"/>
-          </a:lnRef>
-          <a:fillRef idx="0">
-            <a:schemeClr val="accent1"/>
-          </a:fillRef>
-          <a:effectRef idx="0">
-            <a:schemeClr val="accent1"/>
-          </a:effectRef>
-          <a:fontRef idx="minor">
-            <a:schemeClr val="tx1"/>
-          </a:fontRef>
-        </p:style>
-      </p:cxnSp>
-      <p:sp>
-        <p:nvSpPr>
-          <p:cNvPr id="19" name="TextBox 18"/>
-          <p:cNvSpPr txBox="1"/>
-          <p:nvPr/>
-        </p:nvSpPr>
-        <p:spPr>
-          <a:xfrm>
-            <a:off x="4220124" y="567938"/>
-            <a:ext cx="1903981" cy="1323439"/>
-          </a:xfrm>
-          <a:prstGeom prst="rect">
-            <a:avLst/>
-          </a:prstGeom>
-          <a:noFill/>
-        </p:spPr>
-        <p:txBody>
-          <a:bodyPr wrap="square" rtlCol="0">
-            <a:spAutoFit/>
-          </a:bodyPr>
-          <a:lstStyle/>
-          <a:p>
-            <a:r>
-              <a:rPr lang="en-US" sz="2000" b="1" dirty="0">
-                <a:solidFill>
-                  <a:srgbClr val="7030A0"/>
-                </a:solidFill>
-              </a:rPr>
-              <a:t>Event owner or visitor guide with mobile phone app.</a:t>
-            </a:r>
-          </a:p>
-        </p:txBody>
-      </p:sp>
-      <p:pic>
-        <p:nvPicPr>
-          <p:cNvPr id="20" name="Picture 2" descr="C:\Users\t-dantay\Documents\Placeholders\user.png"/>
-          <p:cNvPicPr>
-            <a:picLocks noChangeAspect="1" noChangeArrowheads="1"/>
-          </p:cNvPicPr>
-          <p:nvPr>
-            <p:custDataLst>
-              <p:custData r:id="rId3"/>
-            </p:custDataLst>
-          </p:nvPr>
-        </p:nvPicPr>
-        <p:blipFill>
-          <a:blip r:embed="rId7" cstate="print">
-            <a:extLst>
-              <a:ext uri="{28A0092B-C50C-407E-A947-70E740481C1C}">
-                <a14:useLocalDpi xmlns:a14="http://schemas.microsoft.com/office/drawing/2010/main" val="0"/>
-              </a:ext>
-            </a:extLst>
-          </a:blip>
-          <a:srcRect/>
-          <a:stretch>
-            <a:fillRect/>
-          </a:stretch>
-        </p:blipFill>
-        <p:spPr bwMode="auto">
-          <a:xfrm>
-            <a:off x="4801320" y="1875255"/>
-            <a:ext cx="402800" cy="508362"/>
-          </a:xfrm>
-          <a:prstGeom prst="rect">
-            <a:avLst/>
-          </a:prstGeom>
-          <a:noFill/>
-          <a:extLst>
-            <a:ext uri="{909E8E84-426E-40DD-AFC4-6F175D3DCCD1}">
-              <a14:hiddenFill xmlns:a14="http://schemas.microsoft.com/office/drawing/2010/main">
-                <a:solidFill>
-                  <a:srgbClr val="FFFFFF"/>
-                </a:solidFill>
-              </a14:hiddenFill>
-            </a:ext>
-          </a:extLst>
-        </p:spPr>
-      </p:pic>
-      <p:sp>
-        <p:nvSpPr>
-          <p:cNvPr id="22" name="TextBox 21"/>
-          <p:cNvSpPr txBox="1"/>
-          <p:nvPr/>
-        </p:nvSpPr>
-        <p:spPr>
-          <a:xfrm>
-            <a:off x="2846539" y="2157411"/>
-            <a:ext cx="1115755" cy="369332"/>
-          </a:xfrm>
-          <a:prstGeom prst="rect">
-            <a:avLst/>
-          </a:prstGeom>
-          <a:noFill/>
-        </p:spPr>
-        <p:txBody>
-          <a:bodyPr wrap="none" rtlCol="0">
-            <a:spAutoFit/>
-          </a:bodyPr>
-          <a:lstStyle/>
-          <a:p>
-            <a:r>
-              <a:rPr lang="en-US" dirty="0"/>
-              <a:t>Bluetooth</a:t>
-            </a:r>
-          </a:p>
-        </p:txBody>
-      </p:sp>
-      <p:pic>
-        <p:nvPicPr>
-          <p:cNvPr id="23" name="Picture 22"/>
-          <p:cNvPicPr>
-            <a:picLocks noChangeAspect="1"/>
-          </p:cNvPicPr>
-          <p:nvPr/>
-        </p:nvPicPr>
-        <p:blipFill>
-          <a:blip r:embed="rId8"/>
-          <a:stretch>
-            <a:fillRect/>
-          </a:stretch>
-        </p:blipFill>
-        <p:spPr>
-          <a:xfrm>
-            <a:off x="5686280" y="1151675"/>
-            <a:ext cx="785666" cy="1284079"/>
-          </a:xfrm>
-          <a:prstGeom prst="rect">
-            <a:avLst/>
-          </a:prstGeom>
-        </p:spPr>
-      </p:pic>
-      <p:sp>
-        <p:nvSpPr>
-          <p:cNvPr id="27" name="TextBox 26"/>
-          <p:cNvSpPr txBox="1"/>
-          <p:nvPr/>
-        </p:nvSpPr>
-        <p:spPr>
-          <a:xfrm>
-            <a:off x="9596175" y="2664751"/>
-            <a:ext cx="2028266" cy="400110"/>
-          </a:xfrm>
-          <a:prstGeom prst="rect">
-            <a:avLst/>
-          </a:prstGeom>
-          <a:noFill/>
-        </p:spPr>
-        <p:txBody>
-          <a:bodyPr wrap="square" rtlCol="0">
-            <a:spAutoFit/>
-          </a:bodyPr>
-          <a:lstStyle/>
-          <a:p>
-            <a:r>
-              <a:rPr lang="en-US" sz="2000" b="1" dirty="0">
-                <a:solidFill>
-                  <a:srgbClr val="7030A0"/>
-                </a:solidFill>
-              </a:rPr>
-              <a:t>Azure Event Hub</a:t>
-            </a:r>
-          </a:p>
-        </p:txBody>
-      </p:sp>
-      <p:pic>
-        <p:nvPicPr>
-          <p:cNvPr id="26" name="Picture 25"/>
-          <p:cNvPicPr>
-            <a:picLocks noChangeAspect="1"/>
-          </p:cNvPicPr>
-          <p:nvPr/>
-        </p:nvPicPr>
-        <p:blipFill>
-          <a:blip r:embed="rId9">
-            <a:extLst>
-              <a:ext uri="{28A0092B-C50C-407E-A947-70E740481C1C}">
-                <a14:useLocalDpi xmlns:a14="http://schemas.microsoft.com/office/drawing/2010/main" val="0"/>
-              </a:ext>
-            </a:extLst>
-          </a:blip>
-          <a:stretch>
-            <a:fillRect/>
-          </a:stretch>
-        </p:blipFill>
-        <p:spPr>
-          <a:xfrm>
-            <a:off x="10006204" y="1277887"/>
-            <a:ext cx="1208207" cy="1208207"/>
-          </a:xfrm>
-          <a:prstGeom prst="rect">
-            <a:avLst/>
-          </a:prstGeom>
-        </p:spPr>
-      </p:pic>
-      <p:pic>
-        <p:nvPicPr>
-          <p:cNvPr id="28" name="Picture 27"/>
-          <p:cNvPicPr>
-            <a:picLocks noChangeAspect="1"/>
-          </p:cNvPicPr>
-          <p:nvPr/>
-        </p:nvPicPr>
-        <p:blipFill>
-          <a:blip r:embed="rId10">
-            <a:extLst>
-              <a:ext uri="{28A0092B-C50C-407E-A947-70E740481C1C}">
-                <a14:useLocalDpi xmlns:a14="http://schemas.microsoft.com/office/drawing/2010/main" val="0"/>
-              </a:ext>
-            </a:extLst>
-          </a:blip>
-          <a:stretch>
-            <a:fillRect/>
-          </a:stretch>
-        </p:blipFill>
-        <p:spPr>
-          <a:xfrm>
-            <a:off x="8621786" y="829056"/>
-            <a:ext cx="917313" cy="722140"/>
-          </a:xfrm>
-          <a:prstGeom prst="rect">
-            <a:avLst/>
-          </a:prstGeom>
-        </p:spPr>
-      </p:pic>
-      <p:sp>
-        <p:nvSpPr>
-          <p:cNvPr id="30" name="TextBox 29"/>
-          <p:cNvSpPr txBox="1"/>
-          <p:nvPr/>
-        </p:nvSpPr>
-        <p:spPr>
-          <a:xfrm>
-            <a:off x="7258513" y="475113"/>
-            <a:ext cx="2185340" cy="707886"/>
-          </a:xfrm>
-          <a:prstGeom prst="rect">
-            <a:avLst/>
-          </a:prstGeom>
-          <a:noFill/>
-        </p:spPr>
-        <p:txBody>
-          <a:bodyPr wrap="square" rtlCol="0">
-            <a:spAutoFit/>
-          </a:bodyPr>
-          <a:lstStyle/>
-          <a:p>
-            <a:r>
-              <a:rPr lang="en-US" sz="2000" b="1" dirty="0">
+        </p:grpSpPr>
+        <p:grpSp>
+          <p:nvGrpSpPr>
+            <p:cNvPr id="2" name="Group 1"/>
+            <p:cNvGrpSpPr/>
+            <p:nvPr/>
+          </p:nvGrpSpPr>
+          <p:grpSpPr>
+            <a:xfrm>
+              <a:off x="409797" y="475113"/>
+              <a:ext cx="11404130" cy="6181975"/>
+              <a:chOff x="409797" y="475113"/>
+              <a:chExt cx="11404130" cy="6181975"/>
+            </a:xfrm>
+          </p:grpSpPr>
+          <p:pic>
+            <p:nvPicPr>
+              <p:cNvPr id="9" name="Picture 8"/>
+              <p:cNvPicPr>
+                <a:picLocks noChangeAspect="1"/>
+              </p:cNvPicPr>
+              <p:nvPr/>
+            </p:nvPicPr>
+            <p:blipFill>
+              <a:blip r:embed="rId6">
+                <a:extLst>
+                  <a:ext uri="{28A0092B-C50C-407E-A947-70E740481C1C}">
+                    <a14:useLocalDpi xmlns:a14="http://schemas.microsoft.com/office/drawing/2010/main" val="0"/>
+                  </a:ext>
+                </a:extLst>
+              </a:blip>
+              <a:stretch>
+                <a:fillRect/>
+              </a:stretch>
+            </p:blipFill>
+            <p:spPr>
+              <a:xfrm>
+                <a:off x="409797" y="1517325"/>
+                <a:ext cx="942646" cy="530675"/>
+              </a:xfrm>
+              <a:prstGeom prst="rect">
+                <a:avLst/>
+              </a:prstGeom>
+            </p:spPr>
+          </p:pic>
+          <p:pic>
+            <p:nvPicPr>
+              <p:cNvPr id="11" name="Picture 10"/>
+              <p:cNvPicPr>
+                <a:picLocks noChangeAspect="1"/>
+              </p:cNvPicPr>
+              <p:nvPr/>
+            </p:nvPicPr>
+            <p:blipFill>
+              <a:blip r:embed="rId6">
+                <a:extLst>
+                  <a:ext uri="{28A0092B-C50C-407E-A947-70E740481C1C}">
+                    <a14:useLocalDpi xmlns:a14="http://schemas.microsoft.com/office/drawing/2010/main" val="0"/>
+                  </a:ext>
+                </a:extLst>
+              </a:blip>
+              <a:stretch>
+                <a:fillRect/>
+              </a:stretch>
+            </p:blipFill>
+            <p:spPr>
+              <a:xfrm>
+                <a:off x="1334613" y="1239557"/>
+                <a:ext cx="942646" cy="530675"/>
+              </a:xfrm>
+              <a:prstGeom prst="rect">
+                <a:avLst/>
+              </a:prstGeom>
+            </p:spPr>
+          </p:pic>
+          <p:pic>
+            <p:nvPicPr>
+              <p:cNvPr id="12" name="Picture 2" descr="C:\Users\t-dantay\Documents\Placeholders\user.png"/>
+              <p:cNvPicPr>
+                <a:picLocks noChangeAspect="1" noChangeArrowheads="1"/>
+              </p:cNvPicPr>
+              <p:nvPr>
+                <p:custDataLst>
+                  <p:custData r:id="rId1"/>
+                </p:custDataLst>
+              </p:nvPr>
+            </p:nvPicPr>
+            <p:blipFill>
+              <a:blip r:embed="rId7" cstate="print">
+                <a:extLst>
+                  <a:ext uri="{28A0092B-C50C-407E-A947-70E740481C1C}">
+                    <a14:useLocalDpi xmlns:a14="http://schemas.microsoft.com/office/drawing/2010/main" val="0"/>
+                  </a:ext>
+                </a:extLst>
+              </a:blip>
+              <a:srcRect/>
+              <a:stretch>
+                <a:fillRect/>
+              </a:stretch>
+            </p:blipFill>
+            <p:spPr bwMode="auto">
+              <a:xfrm>
+                <a:off x="1060925" y="737946"/>
+                <a:ext cx="410924" cy="518615"/>
+              </a:xfrm>
+              <a:prstGeom prst="rect">
+                <a:avLst/>
+              </a:prstGeom>
+              <a:noFill/>
+              <a:extLst>
+                <a:ext uri="{909E8E84-426E-40DD-AFC4-6F175D3DCCD1}">
+                  <a14:hiddenFill xmlns:a14="http://schemas.microsoft.com/office/drawing/2010/main">
+                    <a:solidFill>
+                      <a:srgbClr val="FFFFFF"/>
+                    </a:solidFill>
+                  </a14:hiddenFill>
+                </a:ext>
+              </a:extLst>
+            </p:spPr>
+          </p:pic>
+          <p:pic>
+            <p:nvPicPr>
+              <p:cNvPr id="13" name="Picture 2" descr="C:\Users\t-dantay\Documents\Placeholders\user.png"/>
+              <p:cNvPicPr>
+                <a:picLocks noChangeAspect="1" noChangeArrowheads="1"/>
+              </p:cNvPicPr>
+              <p:nvPr>
+                <p:custDataLst>
+                  <p:custData r:id="rId2"/>
+                </p:custDataLst>
+              </p:nvPr>
+            </p:nvPicPr>
+            <p:blipFill>
+              <a:blip r:embed="rId7" cstate="print">
+                <a:extLst>
+                  <a:ext uri="{28A0092B-C50C-407E-A947-70E740481C1C}">
+                    <a14:useLocalDpi xmlns:a14="http://schemas.microsoft.com/office/drawing/2010/main" val="0"/>
+                  </a:ext>
+                </a:extLst>
+              </a:blip>
+              <a:srcRect/>
+              <a:stretch>
+                <a:fillRect/>
+              </a:stretch>
+            </p:blipFill>
+            <p:spPr bwMode="auto">
+              <a:xfrm>
+                <a:off x="589235" y="905576"/>
+                <a:ext cx="410002" cy="517451"/>
+              </a:xfrm>
+              <a:prstGeom prst="rect">
+                <a:avLst/>
+              </a:prstGeom>
+              <a:noFill/>
+              <a:extLst>
+                <a:ext uri="{909E8E84-426E-40DD-AFC4-6F175D3DCCD1}">
+                  <a14:hiddenFill xmlns:a14="http://schemas.microsoft.com/office/drawing/2010/main">
+                    <a:solidFill>
+                      <a:srgbClr val="FFFFFF"/>
+                    </a:solidFill>
+                  </a14:hiddenFill>
+                </a:ext>
+              </a:extLst>
+            </p:spPr>
+          </p:pic>
+          <p:sp>
+            <p:nvSpPr>
+              <p:cNvPr id="16" name="TextBox 15"/>
+              <p:cNvSpPr txBox="1"/>
+              <p:nvPr/>
+            </p:nvSpPr>
+            <p:spPr>
+              <a:xfrm>
+                <a:off x="607460" y="2030811"/>
+                <a:ext cx="1573636" cy="1015663"/>
+              </a:xfrm>
+              <a:prstGeom prst="rect">
+                <a:avLst/>
+              </a:prstGeom>
+              <a:noFill/>
+            </p:spPr>
+            <p:txBody>
+              <a:bodyPr wrap="none" rtlCol="0">
+                <a:spAutoFit/>
+              </a:bodyPr>
+              <a:lstStyle/>
+              <a:p>
+                <a:pPr algn="ctr"/>
+                <a:r>
+                  <a:rPr lang="en-US" sz="2000" b="1" dirty="0">
+                    <a:solidFill>
+                      <a:srgbClr val="7030A0"/>
+                    </a:solidFill>
+                  </a:rPr>
+                  <a:t>Visitors with </a:t>
+                </a:r>
+                <a:br>
+                  <a:rPr lang="en-US" sz="2000" b="1" dirty="0">
+                    <a:solidFill>
+                      <a:srgbClr val="7030A0"/>
+                    </a:solidFill>
+                  </a:rPr>
+                </a:br>
+                <a:r>
+                  <a:rPr lang="en-US" sz="2000" b="1" dirty="0">
+                    <a:solidFill>
+                      <a:srgbClr val="7030A0"/>
+                    </a:solidFill>
+                  </a:rPr>
+                  <a:t>borrowed</a:t>
+                </a:r>
+              </a:p>
+              <a:p>
+                <a:pPr algn="ctr"/>
+                <a:r>
+                  <a:rPr lang="en-US" sz="2000" b="1" dirty="0">
+                    <a:solidFill>
+                      <a:srgbClr val="7030A0"/>
+                    </a:solidFill>
+                  </a:rPr>
+                  <a:t>MS Band</a:t>
+                </a:r>
+              </a:p>
+            </p:txBody>
+          </p:sp>
+          <p:cxnSp>
+            <p:nvCxnSpPr>
+              <p:cNvPr id="18" name="Straight Arrow Connector 17"/>
+              <p:cNvCxnSpPr/>
+              <p:nvPr/>
+            </p:nvCxnSpPr>
+            <p:spPr>
+              <a:xfrm>
+                <a:off x="2367764" y="2626532"/>
+                <a:ext cx="2073306" cy="0"/>
+              </a:xfrm>
+              <a:prstGeom prst="straightConnector1">
+                <a:avLst/>
+              </a:prstGeom>
+              <a:ln w="38100">
+                <a:headEnd type="triangle"/>
+                <a:tailEnd type="triangle"/>
+              </a:ln>
+            </p:spPr>
+            <p:style>
+              <a:lnRef idx="1">
+                <a:schemeClr val="accent1"/>
+              </a:lnRef>
+              <a:fillRef idx="0">
+                <a:schemeClr val="accent1"/>
+              </a:fillRef>
+              <a:effectRef idx="0">
+                <a:schemeClr val="accent1"/>
+              </a:effectRef>
+              <a:fontRef idx="minor">
+                <a:schemeClr val="tx1"/>
+              </a:fontRef>
+            </p:style>
+          </p:cxnSp>
+          <p:sp>
+            <p:nvSpPr>
+              <p:cNvPr id="19" name="TextBox 18"/>
+              <p:cNvSpPr txBox="1"/>
+              <p:nvPr/>
+            </p:nvSpPr>
+            <p:spPr>
+              <a:xfrm>
+                <a:off x="4220124" y="567938"/>
+                <a:ext cx="1903981" cy="1323439"/>
+              </a:xfrm>
+              <a:prstGeom prst="rect">
+                <a:avLst/>
+              </a:prstGeom>
+              <a:noFill/>
+            </p:spPr>
+            <p:txBody>
+              <a:bodyPr wrap="square" rtlCol="0">
+                <a:spAutoFit/>
+              </a:bodyPr>
+              <a:lstStyle/>
+              <a:p>
+                <a:r>
+                  <a:rPr lang="en-US" sz="2000" b="1" dirty="0">
+                    <a:solidFill>
+                      <a:srgbClr val="7030A0"/>
+                    </a:solidFill>
+                  </a:rPr>
+                  <a:t>Event owner or visitor guide with mobile phone app.</a:t>
+                </a:r>
+              </a:p>
+            </p:txBody>
+          </p:sp>
+          <p:pic>
+            <p:nvPicPr>
+              <p:cNvPr id="20" name="Picture 2" descr="C:\Users\t-dantay\Documents\Placeholders\user.png"/>
+              <p:cNvPicPr>
+                <a:picLocks noChangeAspect="1" noChangeArrowheads="1"/>
+              </p:cNvPicPr>
+              <p:nvPr>
+                <p:custDataLst>
+                  <p:custData r:id="rId3"/>
+                </p:custDataLst>
+              </p:nvPr>
+            </p:nvPicPr>
+            <p:blipFill>
+              <a:blip r:embed="rId7" cstate="print">
+                <a:extLst>
+                  <a:ext uri="{28A0092B-C50C-407E-A947-70E740481C1C}">
+                    <a14:useLocalDpi xmlns:a14="http://schemas.microsoft.com/office/drawing/2010/main" val="0"/>
+                  </a:ext>
+                </a:extLst>
+              </a:blip>
+              <a:srcRect/>
+              <a:stretch>
+                <a:fillRect/>
+              </a:stretch>
+            </p:blipFill>
+            <p:spPr bwMode="auto">
+              <a:xfrm>
+                <a:off x="4801320" y="1875255"/>
+                <a:ext cx="402800" cy="508362"/>
+              </a:xfrm>
+              <a:prstGeom prst="rect">
+                <a:avLst/>
+              </a:prstGeom>
+              <a:noFill/>
+              <a:extLst>
+                <a:ext uri="{909E8E84-426E-40DD-AFC4-6F175D3DCCD1}">
+                  <a14:hiddenFill xmlns:a14="http://schemas.microsoft.com/office/drawing/2010/main">
+                    <a:solidFill>
+                      <a:srgbClr val="FFFFFF"/>
+                    </a:solidFill>
+                  </a14:hiddenFill>
+                </a:ext>
+              </a:extLst>
+            </p:spPr>
+          </p:pic>
+          <p:sp>
+            <p:nvSpPr>
+              <p:cNvPr id="22" name="TextBox 21"/>
+              <p:cNvSpPr txBox="1"/>
+              <p:nvPr/>
+            </p:nvSpPr>
+            <p:spPr>
+              <a:xfrm>
+                <a:off x="2846539" y="2157411"/>
+                <a:ext cx="1115755" cy="369332"/>
+              </a:xfrm>
+              <a:prstGeom prst="rect">
+                <a:avLst/>
+              </a:prstGeom>
+              <a:noFill/>
+            </p:spPr>
+            <p:txBody>
+              <a:bodyPr wrap="none" rtlCol="0">
+                <a:spAutoFit/>
+              </a:bodyPr>
+              <a:lstStyle/>
+              <a:p>
+                <a:r>
+                  <a:rPr lang="en-US" dirty="0"/>
+                  <a:t>Bluetooth</a:t>
+                </a:r>
+              </a:p>
+            </p:txBody>
+          </p:sp>
+          <p:pic>
+            <p:nvPicPr>
+              <p:cNvPr id="23" name="Picture 22"/>
+              <p:cNvPicPr>
+                <a:picLocks noChangeAspect="1"/>
+              </p:cNvPicPr>
+              <p:nvPr/>
+            </p:nvPicPr>
+            <p:blipFill>
+              <a:blip r:embed="rId8"/>
+              <a:stretch>
+                <a:fillRect/>
+              </a:stretch>
+            </p:blipFill>
+            <p:spPr>
+              <a:xfrm>
+                <a:off x="5686280" y="1151675"/>
+                <a:ext cx="785666" cy="1284079"/>
+              </a:xfrm>
+              <a:prstGeom prst="rect">
+                <a:avLst/>
+              </a:prstGeom>
+            </p:spPr>
+          </p:pic>
+          <p:sp>
+            <p:nvSpPr>
+              <p:cNvPr id="27" name="TextBox 26"/>
+              <p:cNvSpPr txBox="1"/>
+              <p:nvPr/>
+            </p:nvSpPr>
+            <p:spPr>
+              <a:xfrm>
+                <a:off x="9785661" y="2635915"/>
+                <a:ext cx="2028266" cy="400110"/>
+              </a:xfrm>
+              <a:prstGeom prst="rect">
+                <a:avLst/>
+              </a:prstGeom>
+              <a:noFill/>
+            </p:spPr>
+            <p:txBody>
+              <a:bodyPr wrap="square" rtlCol="0">
+                <a:spAutoFit/>
+              </a:bodyPr>
+              <a:lstStyle/>
+              <a:p>
+                <a:r>
+                  <a:rPr lang="en-US" sz="2000" b="1" dirty="0">
+                    <a:solidFill>
+                      <a:srgbClr val="7030A0"/>
+                    </a:solidFill>
+                  </a:rPr>
+                  <a:t>Azure </a:t>
+                </a:r>
+                <a:r>
+                  <a:rPr lang="cs-CZ" sz="2000" b="1" dirty="0">
+                    <a:solidFill>
+                      <a:srgbClr val="7030A0"/>
+                    </a:solidFill>
+                  </a:rPr>
+                  <a:t>IOT</a:t>
+                </a:r>
+                <a:r>
+                  <a:rPr lang="en-US" sz="2000" b="1" dirty="0">
+                    <a:solidFill>
+                      <a:srgbClr val="7030A0"/>
+                    </a:solidFill>
+                  </a:rPr>
+                  <a:t> Hub</a:t>
+                </a:r>
+              </a:p>
+            </p:txBody>
+          </p:sp>
+          <p:pic>
+            <p:nvPicPr>
+              <p:cNvPr id="28" name="Picture 27"/>
+              <p:cNvPicPr>
+                <a:picLocks noChangeAspect="1"/>
+              </p:cNvPicPr>
+              <p:nvPr/>
+            </p:nvPicPr>
+            <p:blipFill>
+              <a:blip r:embed="rId9">
+                <a:extLst>
+                  <a:ext uri="{28A0092B-C50C-407E-A947-70E740481C1C}">
+                    <a14:useLocalDpi xmlns:a14="http://schemas.microsoft.com/office/drawing/2010/main" val="0"/>
+                  </a:ext>
+                </a:extLst>
+              </a:blip>
+              <a:stretch>
+                <a:fillRect/>
+              </a:stretch>
+            </p:blipFill>
+            <p:spPr>
+              <a:xfrm>
+                <a:off x="8621786" y="829056"/>
+                <a:ext cx="917313" cy="722140"/>
+              </a:xfrm>
+              <a:prstGeom prst="rect">
+                <a:avLst/>
+              </a:prstGeom>
+            </p:spPr>
+          </p:pic>
+          <p:sp>
+            <p:nvSpPr>
+              <p:cNvPr id="30" name="TextBox 29"/>
+              <p:cNvSpPr txBox="1"/>
+              <p:nvPr/>
+            </p:nvSpPr>
+            <p:spPr>
+              <a:xfrm>
+                <a:off x="7258513" y="475113"/>
+                <a:ext cx="2185340" cy="707886"/>
+              </a:xfrm>
+              <a:prstGeom prst="rect">
+                <a:avLst/>
+              </a:prstGeom>
+              <a:noFill/>
+            </p:spPr>
+            <p:txBody>
+              <a:bodyPr wrap="square" rtlCol="0">
+                <a:spAutoFit/>
+              </a:bodyPr>
+              <a:lstStyle/>
+              <a:p>
+                <a:r>
+                  <a:rPr lang="en-US" sz="2000" b="1" dirty="0">
+                    <a:solidFill>
+                      <a:schemeClr val="bg1">
+                        <a:lumMod val="75000"/>
+                      </a:schemeClr>
+                    </a:solidFill>
+                  </a:rPr>
+                  <a:t>Other sensors (optional)</a:t>
+                </a:r>
+              </a:p>
+            </p:txBody>
+          </p:sp>
+          <p:cxnSp>
+            <p:nvCxnSpPr>
+              <p:cNvPr id="31" name="Straight Arrow Connector 30"/>
+              <p:cNvCxnSpPr/>
+              <p:nvPr/>
+            </p:nvCxnSpPr>
+            <p:spPr>
+              <a:xfrm>
+                <a:off x="9513120" y="1492217"/>
+                <a:ext cx="545082" cy="310143"/>
+              </a:xfrm>
+              <a:prstGeom prst="straightConnector1">
+                <a:avLst/>
+              </a:prstGeom>
+              <a:ln w="38100">
                 <a:solidFill>
                   <a:schemeClr val="bg1">
                     <a:lumMod val="75000"/>
                   </a:schemeClr>
                 </a:solidFill>
-              </a:rPr>
-              <a:t>Other sensors (optional)</a:t>
-            </a:r>
-          </a:p>
-        </p:txBody>
-      </p:sp>
-      <p:cxnSp>
-        <p:nvCxnSpPr>
-          <p:cNvPr id="31" name="Straight Arrow Connector 30"/>
-          <p:cNvCxnSpPr/>
-          <p:nvPr/>
-        </p:nvCxnSpPr>
-        <p:spPr>
-          <a:xfrm>
-            <a:off x="9513120" y="1492217"/>
-            <a:ext cx="545082" cy="310143"/>
-          </a:xfrm>
-          <a:prstGeom prst="straightConnector1">
-            <a:avLst/>
-          </a:prstGeom>
-          <a:ln w="38100">
-            <a:solidFill>
-              <a:schemeClr val="bg1">
-                <a:lumMod val="75000"/>
-              </a:schemeClr>
-            </a:solidFill>
-            <a:headEnd type="none"/>
-            <a:tailEnd type="triangle"/>
-          </a:ln>
-        </p:spPr>
-        <p:style>
-          <a:lnRef idx="1">
-            <a:schemeClr val="accent1"/>
-          </a:lnRef>
-          <a:fillRef idx="0">
-            <a:schemeClr val="accent1"/>
-          </a:fillRef>
-          <a:effectRef idx="0">
-            <a:schemeClr val="accent1"/>
-          </a:effectRef>
-          <a:fontRef idx="minor">
-            <a:schemeClr val="tx1"/>
-          </a:fontRef>
-        </p:style>
-      </p:cxnSp>
-      <p:cxnSp>
-        <p:nvCxnSpPr>
-          <p:cNvPr id="35" name="Straight Arrow Connector 34"/>
-          <p:cNvCxnSpPr/>
-          <p:nvPr/>
-        </p:nvCxnSpPr>
-        <p:spPr>
-          <a:xfrm flipV="1">
-            <a:off x="7043520" y="2679436"/>
-            <a:ext cx="2248800" cy="19827"/>
-          </a:xfrm>
-          <a:prstGeom prst="straightConnector1">
-            <a:avLst/>
-          </a:prstGeom>
-          <a:ln w="38100">
-            <a:headEnd type="none"/>
-            <a:tailEnd type="triangle"/>
-          </a:ln>
-        </p:spPr>
-        <p:style>
-          <a:lnRef idx="1">
-            <a:schemeClr val="accent1"/>
-          </a:lnRef>
-          <a:fillRef idx="0">
-            <a:schemeClr val="accent1"/>
-          </a:fillRef>
-          <a:effectRef idx="0">
-            <a:schemeClr val="accent1"/>
-          </a:effectRef>
-          <a:fontRef idx="minor">
-            <a:schemeClr val="tx1"/>
-          </a:fontRef>
-        </p:style>
-      </p:cxnSp>
-      <p:cxnSp>
-        <p:nvCxnSpPr>
-          <p:cNvPr id="39" name="Straight Arrow Connector 38"/>
-          <p:cNvCxnSpPr/>
-          <p:nvPr/>
-        </p:nvCxnSpPr>
-        <p:spPr>
-          <a:xfrm>
-            <a:off x="10610307" y="3243518"/>
-            <a:ext cx="0" cy="667001"/>
-          </a:xfrm>
-          <a:prstGeom prst="straightConnector1">
-            <a:avLst/>
-          </a:prstGeom>
-          <a:ln w="38100">
-            <a:headEnd type="none"/>
-            <a:tailEnd type="triangle"/>
-          </a:ln>
-        </p:spPr>
-        <p:style>
-          <a:lnRef idx="1">
-            <a:schemeClr val="accent1"/>
-          </a:lnRef>
-          <a:fillRef idx="0">
-            <a:schemeClr val="accent1"/>
-          </a:fillRef>
-          <a:effectRef idx="0">
-            <a:schemeClr val="accent1"/>
-          </a:effectRef>
-          <a:fontRef idx="minor">
-            <a:schemeClr val="tx1"/>
-          </a:fontRef>
-        </p:style>
-      </p:cxnSp>
-      <p:pic>
-        <p:nvPicPr>
-          <p:cNvPr id="46" name="Picture 45"/>
-          <p:cNvPicPr>
-            <a:picLocks noChangeAspect="1"/>
-          </p:cNvPicPr>
-          <p:nvPr/>
-        </p:nvPicPr>
-        <p:blipFill>
-          <a:blip r:embed="rId11">
-            <a:extLst>
-              <a:ext uri="{28A0092B-C50C-407E-A947-70E740481C1C}">
-                <a14:useLocalDpi xmlns:a14="http://schemas.microsoft.com/office/drawing/2010/main" val="0"/>
-              </a:ext>
-            </a:extLst>
-          </a:blip>
-          <a:stretch>
-            <a:fillRect/>
-          </a:stretch>
-        </p:blipFill>
-        <p:spPr>
-          <a:xfrm>
-            <a:off x="9785661" y="3910519"/>
-            <a:ext cx="1428750" cy="1428750"/>
-          </a:xfrm>
-          <a:prstGeom prst="rect">
-            <a:avLst/>
-          </a:prstGeom>
-        </p:spPr>
-      </p:pic>
-      <p:sp>
-        <p:nvSpPr>
-          <p:cNvPr id="48" name="TextBox 47"/>
-          <p:cNvSpPr txBox="1"/>
-          <p:nvPr/>
-        </p:nvSpPr>
-        <p:spPr>
-          <a:xfrm>
-            <a:off x="9596175" y="5249066"/>
-            <a:ext cx="2028266" cy="707886"/>
-          </a:xfrm>
-          <a:prstGeom prst="rect">
-            <a:avLst/>
-          </a:prstGeom>
-          <a:noFill/>
-        </p:spPr>
-        <p:txBody>
-          <a:bodyPr wrap="square" rtlCol="0">
-            <a:spAutoFit/>
-          </a:bodyPr>
-          <a:lstStyle/>
-          <a:p>
-            <a:pPr algn="ctr"/>
-            <a:r>
-              <a:rPr lang="en-US" sz="2000" b="1" dirty="0">
-                <a:solidFill>
-                  <a:srgbClr val="7030A0"/>
-                </a:solidFill>
-              </a:rPr>
-              <a:t>Azure Stream Analytics</a:t>
-            </a:r>
-          </a:p>
-        </p:txBody>
-      </p:sp>
-      <p:cxnSp>
-        <p:nvCxnSpPr>
-          <p:cNvPr id="49" name="Straight Arrow Connector 48"/>
-          <p:cNvCxnSpPr/>
-          <p:nvPr/>
-        </p:nvCxnSpPr>
-        <p:spPr>
-          <a:xfrm flipH="1">
-            <a:off x="8540669" y="4383845"/>
-            <a:ext cx="1244992" cy="2555"/>
-          </a:xfrm>
-          <a:prstGeom prst="straightConnector1">
-            <a:avLst/>
-          </a:prstGeom>
-          <a:ln w="38100">
-            <a:headEnd type="none"/>
-            <a:tailEnd type="triangle"/>
-          </a:ln>
-        </p:spPr>
-        <p:style>
-          <a:lnRef idx="1">
-            <a:schemeClr val="accent1"/>
-          </a:lnRef>
-          <a:fillRef idx="0">
-            <a:schemeClr val="accent1"/>
-          </a:fillRef>
-          <a:effectRef idx="0">
-            <a:schemeClr val="accent1"/>
-          </a:effectRef>
-          <a:fontRef idx="minor">
-            <a:schemeClr val="tx1"/>
-          </a:fontRef>
-        </p:style>
-      </p:cxnSp>
-      <p:pic>
-        <p:nvPicPr>
-          <p:cNvPr id="51" name="Picture 50"/>
-          <p:cNvPicPr>
-            <a:picLocks noChangeAspect="1"/>
-          </p:cNvPicPr>
-          <p:nvPr/>
-        </p:nvPicPr>
-        <p:blipFill>
-          <a:blip r:embed="rId12">
-            <a:extLst>
-              <a:ext uri="{28A0092B-C50C-407E-A947-70E740481C1C}">
-                <a14:useLocalDpi xmlns:a14="http://schemas.microsoft.com/office/drawing/2010/main" val="0"/>
-              </a:ext>
-            </a:extLst>
-          </a:blip>
-          <a:stretch>
-            <a:fillRect/>
-          </a:stretch>
-        </p:blipFill>
-        <p:spPr>
-          <a:xfrm>
-            <a:off x="7196039" y="3703384"/>
-            <a:ext cx="1189948" cy="1189948"/>
-          </a:xfrm>
-          <a:prstGeom prst="rect">
-            <a:avLst/>
-          </a:prstGeom>
-        </p:spPr>
-      </p:pic>
-      <p:sp>
-        <p:nvSpPr>
-          <p:cNvPr id="53" name="TextBox 52"/>
-          <p:cNvSpPr txBox="1"/>
-          <p:nvPr/>
-        </p:nvSpPr>
-        <p:spPr>
-          <a:xfrm>
-            <a:off x="6550170" y="5556842"/>
-            <a:ext cx="2028266" cy="400110"/>
-          </a:xfrm>
-          <a:prstGeom prst="rect">
-            <a:avLst/>
-          </a:prstGeom>
-          <a:noFill/>
-        </p:spPr>
-        <p:txBody>
-          <a:bodyPr wrap="square" rtlCol="0">
-            <a:spAutoFit/>
-          </a:bodyPr>
-          <a:lstStyle/>
-          <a:p>
-            <a:pPr algn="ctr"/>
-            <a:r>
-              <a:rPr lang="en-US" sz="2000" b="1" dirty="0">
-                <a:solidFill>
-                  <a:srgbClr val="7030A0"/>
-                </a:solidFill>
-              </a:rPr>
-              <a:t>PowerBi</a:t>
-            </a:r>
-          </a:p>
-        </p:txBody>
-      </p:sp>
-      <p:cxnSp>
-        <p:nvCxnSpPr>
-          <p:cNvPr id="54" name="Straight Arrow Connector 53"/>
-          <p:cNvCxnSpPr/>
-          <p:nvPr/>
-        </p:nvCxnSpPr>
-        <p:spPr>
-          <a:xfrm flipH="1" flipV="1">
-            <a:off x="6335035" y="4425916"/>
-            <a:ext cx="710531" cy="21194"/>
-          </a:xfrm>
-          <a:prstGeom prst="straightConnector1">
-            <a:avLst/>
-          </a:prstGeom>
-          <a:ln w="38100">
-            <a:headEnd type="none"/>
-            <a:tailEnd type="triangle"/>
-          </a:ln>
-        </p:spPr>
-        <p:style>
-          <a:lnRef idx="1">
-            <a:schemeClr val="accent1"/>
-          </a:lnRef>
-          <a:fillRef idx="0">
-            <a:schemeClr val="accent1"/>
-          </a:fillRef>
-          <a:effectRef idx="0">
-            <a:schemeClr val="accent1"/>
-          </a:effectRef>
-          <a:fontRef idx="minor">
-            <a:schemeClr val="tx1"/>
-          </a:fontRef>
-        </p:style>
-      </p:cxnSp>
-      <p:pic>
-        <p:nvPicPr>
-          <p:cNvPr id="63" name="Picture 62"/>
-          <p:cNvPicPr>
-            <a:picLocks noChangeAspect="1"/>
-          </p:cNvPicPr>
-          <p:nvPr/>
-        </p:nvPicPr>
-        <p:blipFill>
-          <a:blip r:embed="rId13"/>
-          <a:stretch>
-            <a:fillRect/>
-          </a:stretch>
-        </p:blipFill>
-        <p:spPr>
-          <a:xfrm>
-            <a:off x="3827485" y="3312295"/>
-            <a:ext cx="2334183" cy="1312599"/>
-          </a:xfrm>
-          <a:prstGeom prst="rect">
-            <a:avLst/>
-          </a:prstGeom>
-          <a:solidFill>
-            <a:srgbClr val="FFFFFF">
-              <a:shade val="85000"/>
-            </a:srgbClr>
-          </a:solidFill>
-          <a:ln w="88900" cap="sq">
-            <a:solidFill>
-              <a:srgbClr val="FFFFFF"/>
-            </a:solidFill>
-            <a:miter lim="800000"/>
-          </a:ln>
-          <a:effectLst>
-            <a:outerShdw blurRad="55000" dist="18000" dir="5400000" algn="tl" rotWithShape="0">
-              <a:srgbClr val="000000">
-                <a:alpha val="40000"/>
-              </a:srgbClr>
-            </a:outerShdw>
-          </a:effectLst>
-          <a:scene3d>
-            <a:camera prst="orthographicFront"/>
-            <a:lightRig rig="twoPt" dir="t">
-              <a:rot lat="0" lon="0" rev="7200000"/>
-            </a:lightRig>
-          </a:scene3d>
-          <a:sp3d>
-            <a:bevelT w="25400" h="19050"/>
-            <a:contourClr>
-              <a:srgbClr val="FFFFFF"/>
-            </a:contourClr>
-          </a:sp3d>
-        </p:spPr>
-      </p:pic>
-      <p:pic>
-        <p:nvPicPr>
-          <p:cNvPr id="1028" name="Picture 1027"/>
-          <p:cNvPicPr>
-            <a:picLocks noChangeAspect="1"/>
-          </p:cNvPicPr>
-          <p:nvPr/>
-        </p:nvPicPr>
-        <p:blipFill>
-          <a:blip r:embed="rId14">
-            <a:extLst>
-              <a:ext uri="{28A0092B-C50C-407E-A947-70E740481C1C}">
-                <a14:useLocalDpi xmlns:a14="http://schemas.microsoft.com/office/drawing/2010/main" val="0"/>
-              </a:ext>
-            </a:extLst>
-          </a:blip>
-          <a:stretch>
-            <a:fillRect/>
-          </a:stretch>
-        </p:blipFill>
-        <p:spPr>
-          <a:xfrm>
-            <a:off x="8689073" y="5643325"/>
-            <a:ext cx="1013763" cy="1013763"/>
-          </a:xfrm>
-          <a:prstGeom prst="rect">
-            <a:avLst/>
-          </a:prstGeom>
-        </p:spPr>
-      </p:pic>
-      <p:cxnSp>
-        <p:nvCxnSpPr>
-          <p:cNvPr id="69" name="Straight Arrow Connector 68"/>
-          <p:cNvCxnSpPr/>
-          <p:nvPr/>
-        </p:nvCxnSpPr>
-        <p:spPr>
-          <a:xfrm flipH="1">
-            <a:off x="9785661" y="6027006"/>
-            <a:ext cx="892590" cy="348674"/>
-          </a:xfrm>
-          <a:prstGeom prst="straightConnector1">
-            <a:avLst/>
-          </a:prstGeom>
-          <a:ln w="38100">
-            <a:solidFill>
-              <a:schemeClr val="bg1">
-                <a:lumMod val="75000"/>
-              </a:schemeClr>
-            </a:solidFill>
-            <a:headEnd type="none"/>
-            <a:tailEnd type="triangle"/>
-          </a:ln>
-        </p:spPr>
-        <p:style>
-          <a:lnRef idx="1">
-            <a:schemeClr val="accent1"/>
-          </a:lnRef>
-          <a:fillRef idx="0">
-            <a:schemeClr val="accent1"/>
-          </a:fillRef>
-          <a:effectRef idx="0">
-            <a:schemeClr val="accent1"/>
-          </a:effectRef>
-          <a:fontRef idx="minor">
-            <a:schemeClr val="tx1"/>
-          </a:fontRef>
-        </p:style>
-      </p:cxnSp>
-      <p:cxnSp>
-        <p:nvCxnSpPr>
-          <p:cNvPr id="71" name="Straight Arrow Connector 70"/>
-          <p:cNvCxnSpPr/>
-          <p:nvPr/>
-        </p:nvCxnSpPr>
-        <p:spPr>
-          <a:xfrm flipH="1" flipV="1">
-            <a:off x="8167920" y="5390521"/>
-            <a:ext cx="460901" cy="474910"/>
-          </a:xfrm>
-          <a:prstGeom prst="straightConnector1">
-            <a:avLst/>
-          </a:prstGeom>
-          <a:ln w="38100">
-            <a:solidFill>
-              <a:schemeClr val="bg1">
-                <a:lumMod val="75000"/>
-              </a:schemeClr>
-            </a:solidFill>
-            <a:headEnd type="none"/>
-            <a:tailEnd type="triangle"/>
-          </a:ln>
-        </p:spPr>
-        <p:style>
-          <a:lnRef idx="1">
-            <a:schemeClr val="accent1"/>
-          </a:lnRef>
-          <a:fillRef idx="0">
-            <a:schemeClr val="accent1"/>
-          </a:fillRef>
-          <a:effectRef idx="0">
-            <a:schemeClr val="accent1"/>
-          </a:effectRef>
-          <a:fontRef idx="minor">
-            <a:schemeClr val="tx1"/>
-          </a:fontRef>
-        </p:style>
-      </p:cxnSp>
-      <p:cxnSp>
-        <p:nvCxnSpPr>
-          <p:cNvPr id="73" name="Straight Arrow Connector 72"/>
-          <p:cNvCxnSpPr/>
-          <p:nvPr/>
-        </p:nvCxnSpPr>
-        <p:spPr>
-          <a:xfrm flipH="1">
-            <a:off x="6528818" y="5390521"/>
-            <a:ext cx="514702" cy="474909"/>
-          </a:xfrm>
-          <a:prstGeom prst="straightConnector1">
-            <a:avLst/>
-          </a:prstGeom>
-          <a:ln w="38100">
-            <a:solidFill>
-              <a:schemeClr val="bg1">
-                <a:lumMod val="75000"/>
-              </a:schemeClr>
-            </a:solidFill>
-            <a:headEnd type="none"/>
-            <a:tailEnd type="triangle"/>
-          </a:ln>
-        </p:spPr>
-        <p:style>
-          <a:lnRef idx="1">
-            <a:schemeClr val="accent1"/>
-          </a:lnRef>
-          <a:fillRef idx="0">
-            <a:schemeClr val="accent1"/>
-          </a:fillRef>
-          <a:effectRef idx="0">
-            <a:schemeClr val="accent1"/>
-          </a:effectRef>
-          <a:fontRef idx="minor">
-            <a:schemeClr val="tx1"/>
-          </a:fontRef>
-        </p:style>
-      </p:cxnSp>
-      <p:cxnSp>
-        <p:nvCxnSpPr>
-          <p:cNvPr id="75" name="Straight Arrow Connector 74"/>
-          <p:cNvCxnSpPr/>
-          <p:nvPr/>
-        </p:nvCxnSpPr>
-        <p:spPr>
-          <a:xfrm flipH="1" flipV="1">
-            <a:off x="2177089" y="3198165"/>
-            <a:ext cx="1460910" cy="515397"/>
-          </a:xfrm>
-          <a:prstGeom prst="straightConnector1">
-            <a:avLst/>
-          </a:prstGeom>
-          <a:ln w="38100">
-            <a:headEnd type="none"/>
-            <a:tailEnd type="triangle"/>
-          </a:ln>
-        </p:spPr>
-        <p:style>
-          <a:lnRef idx="1">
-            <a:schemeClr val="accent1"/>
-          </a:lnRef>
-          <a:fillRef idx="0">
-            <a:schemeClr val="accent1"/>
-          </a:fillRef>
-          <a:effectRef idx="0">
-            <a:schemeClr val="accent1"/>
-          </a:effectRef>
-          <a:fontRef idx="minor">
-            <a:schemeClr val="tx1"/>
-          </a:fontRef>
-        </p:style>
-      </p:cxnSp>
-      <p:pic>
-        <p:nvPicPr>
-          <p:cNvPr id="77" name="Picture 2" descr="C:\Users\t-dantay\Documents\Placeholders\user.png"/>
-          <p:cNvPicPr>
-            <a:picLocks noChangeAspect="1" noChangeArrowheads="1"/>
-          </p:cNvPicPr>
-          <p:nvPr>
-            <p:custDataLst>
-              <p:custData r:id="rId4"/>
-            </p:custDataLst>
-          </p:nvPr>
-        </p:nvPicPr>
-        <p:blipFill>
-          <a:blip r:embed="rId7" cstate="print">
-            <a:extLst>
-              <a:ext uri="{28A0092B-C50C-407E-A947-70E740481C1C}">
-                <a14:useLocalDpi xmlns:a14="http://schemas.microsoft.com/office/drawing/2010/main" val="0"/>
-              </a:ext>
-            </a:extLst>
-          </a:blip>
-          <a:srcRect/>
-          <a:stretch>
-            <a:fillRect/>
-          </a:stretch>
-        </p:blipFill>
-        <p:spPr bwMode="auto">
-          <a:xfrm>
-            <a:off x="1568114" y="612358"/>
-            <a:ext cx="410924" cy="518615"/>
-          </a:xfrm>
-          <a:prstGeom prst="rect">
-            <a:avLst/>
-          </a:prstGeom>
-          <a:noFill/>
-          <a:extLst>
-            <a:ext uri="{909E8E84-426E-40DD-AFC4-6F175D3DCCD1}">
-              <a14:hiddenFill xmlns:a14="http://schemas.microsoft.com/office/drawing/2010/main">
+                <a:headEnd type="none"/>
+                <a:tailEnd type="triangle"/>
+              </a:ln>
+            </p:spPr>
+            <p:style>
+              <a:lnRef idx="1">
+                <a:schemeClr val="accent1"/>
+              </a:lnRef>
+              <a:fillRef idx="0">
+                <a:schemeClr val="accent1"/>
+              </a:fillRef>
+              <a:effectRef idx="0">
+                <a:schemeClr val="accent1"/>
+              </a:effectRef>
+              <a:fontRef idx="minor">
+                <a:schemeClr val="tx1"/>
+              </a:fontRef>
+            </p:style>
+          </p:cxnSp>
+          <p:cxnSp>
+            <p:nvCxnSpPr>
+              <p:cNvPr id="35" name="Straight Arrow Connector 34"/>
+              <p:cNvCxnSpPr/>
+              <p:nvPr/>
+            </p:nvCxnSpPr>
+            <p:spPr>
+              <a:xfrm flipV="1">
+                <a:off x="7043520" y="2679436"/>
+                <a:ext cx="2248800" cy="19827"/>
+              </a:xfrm>
+              <a:prstGeom prst="straightConnector1">
+                <a:avLst/>
+              </a:prstGeom>
+              <a:ln w="38100">
+                <a:headEnd type="none"/>
+                <a:tailEnd type="triangle"/>
+              </a:ln>
+            </p:spPr>
+            <p:style>
+              <a:lnRef idx="1">
+                <a:schemeClr val="accent1"/>
+              </a:lnRef>
+              <a:fillRef idx="0">
+                <a:schemeClr val="accent1"/>
+              </a:fillRef>
+              <a:effectRef idx="0">
+                <a:schemeClr val="accent1"/>
+              </a:effectRef>
+              <a:fontRef idx="minor">
+                <a:schemeClr val="tx1"/>
+              </a:fontRef>
+            </p:style>
+          </p:cxnSp>
+          <p:cxnSp>
+            <p:nvCxnSpPr>
+              <p:cNvPr id="39" name="Straight Arrow Connector 38"/>
+              <p:cNvCxnSpPr/>
+              <p:nvPr/>
+            </p:nvCxnSpPr>
+            <p:spPr>
+              <a:xfrm>
+                <a:off x="10610307" y="3243518"/>
+                <a:ext cx="0" cy="667001"/>
+              </a:xfrm>
+              <a:prstGeom prst="straightConnector1">
+                <a:avLst/>
+              </a:prstGeom>
+              <a:ln w="38100">
+                <a:headEnd type="none"/>
+                <a:tailEnd type="triangle"/>
+              </a:ln>
+            </p:spPr>
+            <p:style>
+              <a:lnRef idx="1">
+                <a:schemeClr val="accent1"/>
+              </a:lnRef>
+              <a:fillRef idx="0">
+                <a:schemeClr val="accent1"/>
+              </a:fillRef>
+              <a:effectRef idx="0">
+                <a:schemeClr val="accent1"/>
+              </a:effectRef>
+              <a:fontRef idx="minor">
+                <a:schemeClr val="tx1"/>
+              </a:fontRef>
+            </p:style>
+          </p:cxnSp>
+          <p:pic>
+            <p:nvPicPr>
+              <p:cNvPr id="46" name="Picture 45"/>
+              <p:cNvPicPr>
+                <a:picLocks noChangeAspect="1"/>
+              </p:cNvPicPr>
+              <p:nvPr/>
+            </p:nvPicPr>
+            <p:blipFill>
+              <a:blip r:embed="rId10">
+                <a:extLst>
+                  <a:ext uri="{28A0092B-C50C-407E-A947-70E740481C1C}">
+                    <a14:useLocalDpi xmlns:a14="http://schemas.microsoft.com/office/drawing/2010/main" val="0"/>
+                  </a:ext>
+                </a:extLst>
+              </a:blip>
+              <a:stretch>
+                <a:fillRect/>
+              </a:stretch>
+            </p:blipFill>
+            <p:spPr>
+              <a:xfrm>
+                <a:off x="9785661" y="3910519"/>
+                <a:ext cx="1428750" cy="1428750"/>
+              </a:xfrm>
+              <a:prstGeom prst="rect">
+                <a:avLst/>
+              </a:prstGeom>
+            </p:spPr>
+          </p:pic>
+          <p:sp>
+            <p:nvSpPr>
+              <p:cNvPr id="48" name="TextBox 47"/>
+              <p:cNvSpPr txBox="1"/>
+              <p:nvPr/>
+            </p:nvSpPr>
+            <p:spPr>
+              <a:xfrm>
+                <a:off x="9596175" y="5249066"/>
+                <a:ext cx="2028266" cy="707886"/>
+              </a:xfrm>
+              <a:prstGeom prst="rect">
+                <a:avLst/>
+              </a:prstGeom>
+              <a:noFill/>
+            </p:spPr>
+            <p:txBody>
+              <a:bodyPr wrap="square" rtlCol="0">
+                <a:spAutoFit/>
+              </a:bodyPr>
+              <a:lstStyle/>
+              <a:p>
+                <a:pPr algn="ctr"/>
+                <a:r>
+                  <a:rPr lang="en-US" sz="2000" b="1" dirty="0">
+                    <a:solidFill>
+                      <a:srgbClr val="7030A0"/>
+                    </a:solidFill>
+                  </a:rPr>
+                  <a:t>Azure Stream Analytics</a:t>
+                </a:r>
+              </a:p>
+            </p:txBody>
+          </p:sp>
+          <p:cxnSp>
+            <p:nvCxnSpPr>
+              <p:cNvPr id="49" name="Straight Arrow Connector 48"/>
+              <p:cNvCxnSpPr/>
+              <p:nvPr/>
+            </p:nvCxnSpPr>
+            <p:spPr>
+              <a:xfrm flipH="1">
+                <a:off x="8540669" y="4383845"/>
+                <a:ext cx="1244992" cy="2555"/>
+              </a:xfrm>
+              <a:prstGeom prst="straightConnector1">
+                <a:avLst/>
+              </a:prstGeom>
+              <a:ln w="38100">
+                <a:headEnd type="none"/>
+                <a:tailEnd type="triangle"/>
+              </a:ln>
+            </p:spPr>
+            <p:style>
+              <a:lnRef idx="1">
+                <a:schemeClr val="accent1"/>
+              </a:lnRef>
+              <a:fillRef idx="0">
+                <a:schemeClr val="accent1"/>
+              </a:fillRef>
+              <a:effectRef idx="0">
+                <a:schemeClr val="accent1"/>
+              </a:effectRef>
+              <a:fontRef idx="minor">
+                <a:schemeClr val="tx1"/>
+              </a:fontRef>
+            </p:style>
+          </p:cxnSp>
+          <p:pic>
+            <p:nvPicPr>
+              <p:cNvPr id="51" name="Picture 50"/>
+              <p:cNvPicPr>
+                <a:picLocks noChangeAspect="1"/>
+              </p:cNvPicPr>
+              <p:nvPr/>
+            </p:nvPicPr>
+            <p:blipFill>
+              <a:blip r:embed="rId11">
+                <a:extLst>
+                  <a:ext uri="{28A0092B-C50C-407E-A947-70E740481C1C}">
+                    <a14:useLocalDpi xmlns:a14="http://schemas.microsoft.com/office/drawing/2010/main" val="0"/>
+                  </a:ext>
+                </a:extLst>
+              </a:blip>
+              <a:stretch>
+                <a:fillRect/>
+              </a:stretch>
+            </p:blipFill>
+            <p:spPr>
+              <a:xfrm>
+                <a:off x="7196039" y="3703384"/>
+                <a:ext cx="1189948" cy="1189948"/>
+              </a:xfrm>
+              <a:prstGeom prst="rect">
+                <a:avLst/>
+              </a:prstGeom>
+            </p:spPr>
+          </p:pic>
+          <p:sp>
+            <p:nvSpPr>
+              <p:cNvPr id="53" name="TextBox 52"/>
+              <p:cNvSpPr txBox="1"/>
+              <p:nvPr/>
+            </p:nvSpPr>
+            <p:spPr>
+              <a:xfrm>
+                <a:off x="6550170" y="5556842"/>
+                <a:ext cx="2028266" cy="400110"/>
+              </a:xfrm>
+              <a:prstGeom prst="rect">
+                <a:avLst/>
+              </a:prstGeom>
+              <a:noFill/>
+            </p:spPr>
+            <p:txBody>
+              <a:bodyPr wrap="square" rtlCol="0">
+                <a:spAutoFit/>
+              </a:bodyPr>
+              <a:lstStyle/>
+              <a:p>
+                <a:pPr algn="ctr"/>
+                <a:r>
+                  <a:rPr lang="en-US" sz="2000" b="1" dirty="0">
+                    <a:solidFill>
+                      <a:srgbClr val="7030A0"/>
+                    </a:solidFill>
+                  </a:rPr>
+                  <a:t>PowerBi</a:t>
+                </a:r>
+              </a:p>
+            </p:txBody>
+          </p:sp>
+          <p:cxnSp>
+            <p:nvCxnSpPr>
+              <p:cNvPr id="54" name="Straight Arrow Connector 53"/>
+              <p:cNvCxnSpPr/>
+              <p:nvPr/>
+            </p:nvCxnSpPr>
+            <p:spPr>
+              <a:xfrm flipH="1" flipV="1">
+                <a:off x="6335035" y="4425916"/>
+                <a:ext cx="710531" cy="21194"/>
+              </a:xfrm>
+              <a:prstGeom prst="straightConnector1">
+                <a:avLst/>
+              </a:prstGeom>
+              <a:ln w="38100">
+                <a:headEnd type="none"/>
+                <a:tailEnd type="triangle"/>
+              </a:ln>
+            </p:spPr>
+            <p:style>
+              <a:lnRef idx="1">
+                <a:schemeClr val="accent1"/>
+              </a:lnRef>
+              <a:fillRef idx="0">
+                <a:schemeClr val="accent1"/>
+              </a:fillRef>
+              <a:effectRef idx="0">
+                <a:schemeClr val="accent1"/>
+              </a:effectRef>
+              <a:fontRef idx="minor">
+                <a:schemeClr val="tx1"/>
+              </a:fontRef>
+            </p:style>
+          </p:cxnSp>
+          <p:pic>
+            <p:nvPicPr>
+              <p:cNvPr id="63" name="Picture 62"/>
+              <p:cNvPicPr>
+                <a:picLocks noChangeAspect="1"/>
+              </p:cNvPicPr>
+              <p:nvPr/>
+            </p:nvPicPr>
+            <p:blipFill>
+              <a:blip r:embed="rId12"/>
+              <a:stretch>
+                <a:fillRect/>
+              </a:stretch>
+            </p:blipFill>
+            <p:spPr>
+              <a:xfrm>
+                <a:off x="3827485" y="3312295"/>
+                <a:ext cx="2334183" cy="1312599"/>
+              </a:xfrm>
+              <a:prstGeom prst="rect">
+                <a:avLst/>
+              </a:prstGeom>
+              <a:solidFill>
+                <a:srgbClr val="FFFFFF">
+                  <a:shade val="85000"/>
+                </a:srgbClr>
+              </a:solidFill>
+              <a:ln w="88900" cap="sq">
                 <a:solidFill>
                   <a:srgbClr val="FFFFFF"/>
                 </a:solidFill>
-              </a14:hiddenFill>
-            </a:ext>
-          </a:extLst>
-        </p:spPr>
-      </p:pic>
-      <p:pic>
-        <p:nvPicPr>
-          <p:cNvPr id="81" name="Content Placeholder 3"/>
-          <p:cNvPicPr>
-            <a:picLocks noChangeAspect="1"/>
-          </p:cNvPicPr>
-          <p:nvPr/>
-        </p:nvPicPr>
-        <p:blipFill>
-          <a:blip r:embed="rId15">
+                <a:miter lim="800000"/>
+              </a:ln>
+              <a:effectLst>
+                <a:outerShdw blurRad="55000" dist="18000" dir="5400000" algn="tl" rotWithShape="0">
+                  <a:srgbClr val="000000">
+                    <a:alpha val="40000"/>
+                  </a:srgbClr>
+                </a:outerShdw>
+              </a:effectLst>
+              <a:scene3d>
+                <a:camera prst="orthographicFront"/>
+                <a:lightRig rig="twoPt" dir="t">
+                  <a:rot lat="0" lon="0" rev="7200000"/>
+                </a:lightRig>
+              </a:scene3d>
+              <a:sp3d>
+                <a:bevelT w="25400" h="19050"/>
+                <a:contourClr>
+                  <a:srgbClr val="FFFFFF"/>
+                </a:contourClr>
+              </a:sp3d>
+            </p:spPr>
+          </p:pic>
+          <p:pic>
+            <p:nvPicPr>
+              <p:cNvPr id="1028" name="Picture 1027"/>
+              <p:cNvPicPr>
+                <a:picLocks noChangeAspect="1"/>
+              </p:cNvPicPr>
+              <p:nvPr/>
+            </p:nvPicPr>
+            <p:blipFill>
+              <a:blip r:embed="rId13">
+                <a:extLst>
+                  <a:ext uri="{28A0092B-C50C-407E-A947-70E740481C1C}">
+                    <a14:useLocalDpi xmlns:a14="http://schemas.microsoft.com/office/drawing/2010/main" val="0"/>
+                  </a:ext>
+                </a:extLst>
+              </a:blip>
+              <a:stretch>
+                <a:fillRect/>
+              </a:stretch>
+            </p:blipFill>
+            <p:spPr>
+              <a:xfrm>
+                <a:off x="8689073" y="5643325"/>
+                <a:ext cx="1013763" cy="1013763"/>
+              </a:xfrm>
+              <a:prstGeom prst="rect">
+                <a:avLst/>
+              </a:prstGeom>
+            </p:spPr>
+          </p:pic>
+          <p:cxnSp>
+            <p:nvCxnSpPr>
+              <p:cNvPr id="69" name="Straight Arrow Connector 68"/>
+              <p:cNvCxnSpPr/>
+              <p:nvPr/>
+            </p:nvCxnSpPr>
+            <p:spPr>
+              <a:xfrm flipH="1">
+                <a:off x="9785661" y="6027006"/>
+                <a:ext cx="892590" cy="348674"/>
+              </a:xfrm>
+              <a:prstGeom prst="straightConnector1">
+                <a:avLst/>
+              </a:prstGeom>
+              <a:ln w="38100">
+                <a:solidFill>
+                  <a:schemeClr val="bg1">
+                    <a:lumMod val="75000"/>
+                  </a:schemeClr>
+                </a:solidFill>
+                <a:headEnd type="none"/>
+                <a:tailEnd type="triangle"/>
+              </a:ln>
+            </p:spPr>
+            <p:style>
+              <a:lnRef idx="1">
+                <a:schemeClr val="accent1"/>
+              </a:lnRef>
+              <a:fillRef idx="0">
+                <a:schemeClr val="accent1"/>
+              </a:fillRef>
+              <a:effectRef idx="0">
+                <a:schemeClr val="accent1"/>
+              </a:effectRef>
+              <a:fontRef idx="minor">
+                <a:schemeClr val="tx1"/>
+              </a:fontRef>
+            </p:style>
+          </p:cxnSp>
+          <p:cxnSp>
+            <p:nvCxnSpPr>
+              <p:cNvPr id="71" name="Straight Arrow Connector 70"/>
+              <p:cNvCxnSpPr/>
+              <p:nvPr/>
+            </p:nvCxnSpPr>
+            <p:spPr>
+              <a:xfrm flipH="1" flipV="1">
+                <a:off x="8167920" y="5390521"/>
+                <a:ext cx="460901" cy="474910"/>
+              </a:xfrm>
+              <a:prstGeom prst="straightConnector1">
+                <a:avLst/>
+              </a:prstGeom>
+              <a:ln w="38100">
+                <a:solidFill>
+                  <a:schemeClr val="bg1">
+                    <a:lumMod val="75000"/>
+                  </a:schemeClr>
+                </a:solidFill>
+                <a:headEnd type="none"/>
+                <a:tailEnd type="triangle"/>
+              </a:ln>
+            </p:spPr>
+            <p:style>
+              <a:lnRef idx="1">
+                <a:schemeClr val="accent1"/>
+              </a:lnRef>
+              <a:fillRef idx="0">
+                <a:schemeClr val="accent1"/>
+              </a:fillRef>
+              <a:effectRef idx="0">
+                <a:schemeClr val="accent1"/>
+              </a:effectRef>
+              <a:fontRef idx="minor">
+                <a:schemeClr val="tx1"/>
+              </a:fontRef>
+            </p:style>
+          </p:cxnSp>
+          <p:cxnSp>
+            <p:nvCxnSpPr>
+              <p:cNvPr id="73" name="Straight Arrow Connector 72"/>
+              <p:cNvCxnSpPr/>
+              <p:nvPr/>
+            </p:nvCxnSpPr>
+            <p:spPr>
+              <a:xfrm flipH="1">
+                <a:off x="6528818" y="5390521"/>
+                <a:ext cx="514702" cy="474909"/>
+              </a:xfrm>
+              <a:prstGeom prst="straightConnector1">
+                <a:avLst/>
+              </a:prstGeom>
+              <a:ln w="38100">
+                <a:solidFill>
+                  <a:schemeClr val="bg1">
+                    <a:lumMod val="75000"/>
+                  </a:schemeClr>
+                </a:solidFill>
+                <a:headEnd type="none"/>
+                <a:tailEnd type="triangle"/>
+              </a:ln>
+            </p:spPr>
+            <p:style>
+              <a:lnRef idx="1">
+                <a:schemeClr val="accent1"/>
+              </a:lnRef>
+              <a:fillRef idx="0">
+                <a:schemeClr val="accent1"/>
+              </a:fillRef>
+              <a:effectRef idx="0">
+                <a:schemeClr val="accent1"/>
+              </a:effectRef>
+              <a:fontRef idx="minor">
+                <a:schemeClr val="tx1"/>
+              </a:fontRef>
+            </p:style>
+          </p:cxnSp>
+          <p:cxnSp>
+            <p:nvCxnSpPr>
+              <p:cNvPr id="75" name="Straight Arrow Connector 74"/>
+              <p:cNvCxnSpPr/>
+              <p:nvPr/>
+            </p:nvCxnSpPr>
+            <p:spPr>
+              <a:xfrm flipH="1" flipV="1">
+                <a:off x="2177089" y="3198165"/>
+                <a:ext cx="1460910" cy="515397"/>
+              </a:xfrm>
+              <a:prstGeom prst="straightConnector1">
+                <a:avLst/>
+              </a:prstGeom>
+              <a:ln w="38100">
+                <a:headEnd type="none"/>
+                <a:tailEnd type="triangle"/>
+              </a:ln>
+            </p:spPr>
+            <p:style>
+              <a:lnRef idx="1">
+                <a:schemeClr val="accent1"/>
+              </a:lnRef>
+              <a:fillRef idx="0">
+                <a:schemeClr val="accent1"/>
+              </a:fillRef>
+              <a:effectRef idx="0">
+                <a:schemeClr val="accent1"/>
+              </a:effectRef>
+              <a:fontRef idx="minor">
+                <a:schemeClr val="tx1"/>
+              </a:fontRef>
+            </p:style>
+          </p:cxnSp>
+          <p:pic>
+            <p:nvPicPr>
+              <p:cNvPr id="77" name="Picture 2" descr="C:\Users\t-dantay\Documents\Placeholders\user.png"/>
+              <p:cNvPicPr>
+                <a:picLocks noChangeAspect="1" noChangeArrowheads="1"/>
+              </p:cNvPicPr>
+              <p:nvPr>
+                <p:custDataLst>
+                  <p:custData r:id="rId4"/>
+                </p:custDataLst>
+              </p:nvPr>
+            </p:nvPicPr>
+            <p:blipFill>
+              <a:blip r:embed="rId7" cstate="print">
+                <a:extLst>
+                  <a:ext uri="{28A0092B-C50C-407E-A947-70E740481C1C}">
+                    <a14:useLocalDpi xmlns:a14="http://schemas.microsoft.com/office/drawing/2010/main" val="0"/>
+                  </a:ext>
+                </a:extLst>
+              </a:blip>
+              <a:srcRect/>
+              <a:stretch>
+                <a:fillRect/>
+              </a:stretch>
+            </p:blipFill>
+            <p:spPr bwMode="auto">
+              <a:xfrm>
+                <a:off x="1568114" y="612358"/>
+                <a:ext cx="410924" cy="518615"/>
+              </a:xfrm>
+              <a:prstGeom prst="rect">
+                <a:avLst/>
+              </a:prstGeom>
+              <a:noFill/>
+              <a:extLst>
+                <a:ext uri="{909E8E84-426E-40DD-AFC4-6F175D3DCCD1}">
+                  <a14:hiddenFill xmlns:a14="http://schemas.microsoft.com/office/drawing/2010/main">
+                    <a:solidFill>
+                      <a:srgbClr val="FFFFFF"/>
+                    </a:solidFill>
+                  </a14:hiddenFill>
+                </a:ext>
+              </a:extLst>
+            </p:spPr>
+          </p:pic>
+          <p:pic>
+            <p:nvPicPr>
+              <p:cNvPr id="81" name="Content Placeholder 3"/>
+              <p:cNvPicPr>
+                <a:picLocks noChangeAspect="1"/>
+              </p:cNvPicPr>
+              <p:nvPr/>
+            </p:nvPicPr>
+            <p:blipFill>
+              <a:blip r:embed="rId14">
+                <a:extLst>
+                  <a:ext uri="{28A0092B-C50C-407E-A947-70E740481C1C}">
+                    <a14:useLocalDpi xmlns:a14="http://schemas.microsoft.com/office/drawing/2010/main" val="0"/>
+                  </a:ext>
+                </a:extLst>
+              </a:blip>
+              <a:stretch>
+                <a:fillRect/>
+              </a:stretch>
+            </p:blipFill>
+            <p:spPr>
+              <a:xfrm>
+                <a:off x="4727250" y="5410322"/>
+                <a:ext cx="1518120" cy="717549"/>
+              </a:xfrm>
+              <a:prstGeom prst="rect">
+                <a:avLst/>
+              </a:prstGeom>
+              <a:solidFill>
+                <a:srgbClr val="FFFFFF">
+                  <a:shade val="85000"/>
+                </a:srgbClr>
+              </a:solidFill>
+              <a:ln w="88900" cap="sq">
+                <a:solidFill>
+                  <a:srgbClr val="FFFFFF"/>
+                </a:solidFill>
+                <a:miter lim="800000"/>
+              </a:ln>
+              <a:effectLst>
+                <a:outerShdw blurRad="55000" dist="18000" dir="5400000" algn="tl" rotWithShape="0">
+                  <a:srgbClr val="000000">
+                    <a:alpha val="40000"/>
+                  </a:srgbClr>
+                </a:outerShdw>
+              </a:effectLst>
+              <a:scene3d>
+                <a:camera prst="orthographicFront"/>
+                <a:lightRig rig="twoPt" dir="t">
+                  <a:rot lat="0" lon="0" rev="7200000"/>
+                </a:lightRig>
+              </a:scene3d>
+              <a:sp3d>
+                <a:bevelT w="25400" h="19050"/>
+                <a:contourClr>
+                  <a:srgbClr val="FFFFFF"/>
+                </a:contourClr>
+              </a:sp3d>
+            </p:spPr>
+          </p:pic>
+          <p:sp>
+            <p:nvSpPr>
+              <p:cNvPr id="82" name="TextBox 81"/>
+              <p:cNvSpPr txBox="1"/>
+              <p:nvPr/>
+            </p:nvSpPr>
+            <p:spPr>
+              <a:xfrm>
+                <a:off x="2451155" y="5486340"/>
+                <a:ext cx="2185340" cy="707886"/>
+              </a:xfrm>
+              <a:prstGeom prst="rect">
+                <a:avLst/>
+              </a:prstGeom>
+              <a:noFill/>
+            </p:spPr>
+            <p:txBody>
+              <a:bodyPr wrap="square" rtlCol="0">
+                <a:spAutoFit/>
+              </a:bodyPr>
+              <a:lstStyle/>
+              <a:p>
+                <a:pPr algn="r"/>
+                <a:r>
+                  <a:rPr lang="en-US" sz="2000" b="1" dirty="0">
+                    <a:solidFill>
+                      <a:srgbClr val="7030A0"/>
+                    </a:solidFill>
+                  </a:rPr>
+                  <a:t>Post event BI for internal marketers</a:t>
+                </a:r>
+              </a:p>
+            </p:txBody>
+          </p:sp>
+          <p:sp>
+            <p:nvSpPr>
+              <p:cNvPr id="83" name="TextBox 82"/>
+              <p:cNvSpPr txBox="1"/>
+              <p:nvPr/>
+            </p:nvSpPr>
+            <p:spPr>
+              <a:xfrm>
+                <a:off x="2744656" y="4824473"/>
+                <a:ext cx="3910198" cy="369332"/>
+              </a:xfrm>
+              <a:prstGeom prst="rect">
+                <a:avLst/>
+              </a:prstGeom>
+              <a:noFill/>
+            </p:spPr>
+            <p:txBody>
+              <a:bodyPr wrap="square" rtlCol="0">
+                <a:spAutoFit/>
+              </a:bodyPr>
+              <a:lstStyle/>
+              <a:p>
+                <a:r>
+                  <a:rPr lang="en-US" dirty="0"/>
+                  <a:t>Big screens with real time dashboards</a:t>
+                </a:r>
+              </a:p>
+            </p:txBody>
+          </p:sp>
+          <p:cxnSp>
+            <p:nvCxnSpPr>
+              <p:cNvPr id="84" name="Straight Arrow Connector 83"/>
+              <p:cNvCxnSpPr/>
+              <p:nvPr/>
+            </p:nvCxnSpPr>
+            <p:spPr>
+              <a:xfrm flipH="1">
+                <a:off x="450419" y="3708453"/>
+                <a:ext cx="2597" cy="2212157"/>
+              </a:xfrm>
+              <a:prstGeom prst="straightConnector1">
+                <a:avLst/>
+              </a:prstGeom>
+              <a:ln w="38100">
+                <a:solidFill>
+                  <a:schemeClr val="accent6">
+                    <a:lumMod val="75000"/>
+                  </a:schemeClr>
+                </a:solidFill>
+                <a:headEnd type="none"/>
+                <a:tailEnd type="triangle"/>
+              </a:ln>
+            </p:spPr>
+            <p:style>
+              <a:lnRef idx="1">
+                <a:schemeClr val="accent1"/>
+              </a:lnRef>
+              <a:fillRef idx="0">
+                <a:schemeClr val="accent1"/>
+              </a:fillRef>
+              <a:effectRef idx="0">
+                <a:schemeClr val="accent1"/>
+              </a:effectRef>
+              <a:fontRef idx="minor">
+                <a:schemeClr val="tx1"/>
+              </a:fontRef>
+            </p:style>
+          </p:cxnSp>
+          <p:sp>
+            <p:nvSpPr>
+              <p:cNvPr id="86" name="TextBox 85"/>
+              <p:cNvSpPr txBox="1"/>
+              <p:nvPr/>
+            </p:nvSpPr>
+            <p:spPr>
+              <a:xfrm>
+                <a:off x="589235" y="3876793"/>
+                <a:ext cx="1641299" cy="1015663"/>
+              </a:xfrm>
+              <a:prstGeom prst="rect">
+                <a:avLst/>
+              </a:prstGeom>
+              <a:noFill/>
+            </p:spPr>
+            <p:txBody>
+              <a:bodyPr wrap="square" rtlCol="0">
+                <a:spAutoFit/>
+              </a:bodyPr>
+              <a:lstStyle/>
+              <a:p>
+                <a:r>
+                  <a:rPr lang="en-US" sz="2000" b="1" dirty="0">
+                    <a:solidFill>
+                      <a:srgbClr val="7030A0"/>
+                    </a:solidFill>
+                  </a:rPr>
+                  <a:t>Post-visit feedback: Chat with bot</a:t>
+                </a:r>
+              </a:p>
+            </p:txBody>
+          </p:sp>
+          <p:pic>
+            <p:nvPicPr>
+              <p:cNvPr id="1045" name="Picture 1044"/>
+              <p:cNvPicPr>
+                <a:picLocks noChangeAspect="1"/>
+              </p:cNvPicPr>
+              <p:nvPr/>
+            </p:nvPicPr>
+            <p:blipFill>
+              <a:blip r:embed="rId15"/>
+              <a:stretch>
+                <a:fillRect/>
+              </a:stretch>
+            </p:blipFill>
+            <p:spPr>
+              <a:xfrm>
+                <a:off x="682075" y="5150395"/>
+                <a:ext cx="1007274" cy="1012071"/>
+              </a:xfrm>
+              <a:prstGeom prst="rect">
+                <a:avLst/>
+              </a:prstGeom>
+            </p:spPr>
+          </p:pic>
+          <p:cxnSp>
+            <p:nvCxnSpPr>
+              <p:cNvPr id="97" name="Straight Arrow Connector 96"/>
+              <p:cNvCxnSpPr/>
+              <p:nvPr/>
+            </p:nvCxnSpPr>
+            <p:spPr>
+              <a:xfrm>
+                <a:off x="604417" y="6420406"/>
+                <a:ext cx="7953113" cy="29582"/>
+              </a:xfrm>
+              <a:prstGeom prst="straightConnector1">
+                <a:avLst/>
+              </a:prstGeom>
+              <a:ln w="38100">
+                <a:solidFill>
+                  <a:schemeClr val="accent6">
+                    <a:lumMod val="75000"/>
+                  </a:schemeClr>
+                </a:solidFill>
+                <a:headEnd type="triangle"/>
+                <a:tailEnd type="triangle"/>
+              </a:ln>
+            </p:spPr>
+            <p:style>
+              <a:lnRef idx="1">
+                <a:schemeClr val="accent1"/>
+              </a:lnRef>
+              <a:fillRef idx="0">
+                <a:schemeClr val="accent1"/>
+              </a:fillRef>
+              <a:effectRef idx="0">
+                <a:schemeClr val="accent1"/>
+              </a:effectRef>
+              <a:fontRef idx="minor">
+                <a:schemeClr val="tx1"/>
+              </a:fontRef>
+            </p:style>
+          </p:cxnSp>
+          <p:sp>
+            <p:nvSpPr>
+              <p:cNvPr id="104" name="TextBox 103"/>
+              <p:cNvSpPr txBox="1"/>
+              <p:nvPr/>
+            </p:nvSpPr>
+            <p:spPr>
+              <a:xfrm>
+                <a:off x="6939051" y="1910390"/>
+                <a:ext cx="2507418" cy="646331"/>
+              </a:xfrm>
+              <a:prstGeom prst="rect">
+                <a:avLst/>
+              </a:prstGeom>
+              <a:noFill/>
+            </p:spPr>
+            <p:txBody>
+              <a:bodyPr wrap="none" rtlCol="0">
+                <a:spAutoFit/>
+              </a:bodyPr>
+              <a:lstStyle/>
+              <a:p>
+                <a:r>
+                  <a:rPr lang="en-US" dirty="0"/>
+                  <a:t>Real time sensor data</a:t>
+                </a:r>
+              </a:p>
+              <a:p>
+                <a:r>
+                  <a:rPr lang="en-US" dirty="0"/>
+                  <a:t>Real time questionnaires</a:t>
+                </a:r>
+              </a:p>
+            </p:txBody>
+          </p:sp>
+        </p:grpSp>
+        <p:pic>
+          <p:nvPicPr>
+            <p:cNvPr id="1026" name="Picture 2" descr="https://azure.microsoft.com/svghandler/iot-hub?width=600&amp;height=315"/>
+            <p:cNvPicPr>
+              <a:picLocks noChangeAspect="1" noChangeArrowheads="1"/>
+            </p:cNvPicPr>
+            <p:nvPr/>
+          </p:nvPicPr>
+          <p:blipFill>
+            <a:blip r:embed="rId16">
+              <a:extLst>
+                <a:ext uri="{28A0092B-C50C-407E-A947-70E740481C1C}">
+                  <a14:useLocalDpi xmlns:a14="http://schemas.microsoft.com/office/drawing/2010/main" val="0"/>
+                </a:ext>
+              </a:extLst>
+            </a:blip>
+            <a:srcRect/>
+            <a:stretch>
+              <a:fillRect/>
+            </a:stretch>
+          </p:blipFill>
+          <p:spPr bwMode="auto">
+            <a:xfrm>
+              <a:off x="9483616" y="1369059"/>
+              <a:ext cx="2253381" cy="1183025"/>
+            </a:xfrm>
+            <a:prstGeom prst="rect">
+              <a:avLst/>
+            </a:prstGeom>
+            <a:noFill/>
             <a:extLst>
-              <a:ext uri="{28A0092B-C50C-407E-A947-70E740481C1C}">
-                <a14:useLocalDpi xmlns:a14="http://schemas.microsoft.com/office/drawing/2010/main" val="0"/>
+              <a:ext uri="{909E8E84-426E-40DD-AFC4-6F175D3DCCD1}">
+                <a14:hiddenFill xmlns:a14="http://schemas.microsoft.com/office/drawing/2010/main">
+                  <a:solidFill>
+                    <a:srgbClr val="FFFFFF"/>
+                  </a:solidFill>
+                </a14:hiddenFill>
               </a:ext>
             </a:extLst>
-          </a:blip>
-          <a:stretch>
-            <a:fillRect/>
-          </a:stretch>
-        </p:blipFill>
-        <p:spPr>
-          <a:xfrm>
-            <a:off x="4727250" y="5410322"/>
-            <a:ext cx="1518120" cy="717549"/>
-          </a:xfrm>
-          <a:prstGeom prst="rect">
-            <a:avLst/>
-          </a:prstGeom>
-          <a:solidFill>
-            <a:srgbClr val="FFFFFF">
-              <a:shade val="85000"/>
-            </a:srgbClr>
-          </a:solidFill>
-          <a:ln w="88900" cap="sq">
-            <a:solidFill>
-              <a:srgbClr val="FFFFFF"/>
-            </a:solidFill>
-            <a:miter lim="800000"/>
-          </a:ln>
-          <a:effectLst>
-            <a:outerShdw blurRad="55000" dist="18000" dir="5400000" algn="tl" rotWithShape="0">
-              <a:srgbClr val="000000">
-                <a:alpha val="40000"/>
-              </a:srgbClr>
-            </a:outerShdw>
-          </a:effectLst>
-          <a:scene3d>
-            <a:camera prst="orthographicFront"/>
-            <a:lightRig rig="twoPt" dir="t">
-              <a:rot lat="0" lon="0" rev="7200000"/>
-            </a:lightRig>
-          </a:scene3d>
-          <a:sp3d>
-            <a:bevelT w="25400" h="19050"/>
-            <a:contourClr>
-              <a:srgbClr val="FFFFFF"/>
-            </a:contourClr>
-          </a:sp3d>
-        </p:spPr>
-      </p:pic>
-      <p:sp>
-        <p:nvSpPr>
-          <p:cNvPr id="82" name="TextBox 81"/>
-          <p:cNvSpPr txBox="1"/>
-          <p:nvPr/>
-        </p:nvSpPr>
-        <p:spPr>
-          <a:xfrm>
-            <a:off x="2451155" y="5486340"/>
-            <a:ext cx="2185340" cy="707886"/>
-          </a:xfrm>
-          <a:prstGeom prst="rect">
-            <a:avLst/>
-          </a:prstGeom>
-          <a:noFill/>
-        </p:spPr>
-        <p:txBody>
-          <a:bodyPr wrap="square" rtlCol="0">
-            <a:spAutoFit/>
-          </a:bodyPr>
-          <a:lstStyle/>
-          <a:p>
-            <a:pPr algn="r"/>
-            <a:r>
-              <a:rPr lang="en-US" sz="2000" b="1" dirty="0">
-                <a:solidFill>
-                  <a:srgbClr val="7030A0"/>
-                </a:solidFill>
-              </a:rPr>
-              <a:t>Post event BI for internal marketers</a:t>
-            </a:r>
-          </a:p>
-        </p:txBody>
-      </p:sp>
-      <p:sp>
-        <p:nvSpPr>
-          <p:cNvPr id="83" name="TextBox 82"/>
-          <p:cNvSpPr txBox="1"/>
-          <p:nvPr/>
-        </p:nvSpPr>
-        <p:spPr>
-          <a:xfrm>
-            <a:off x="2744656" y="4824473"/>
-            <a:ext cx="3910198" cy="369332"/>
-          </a:xfrm>
-          <a:prstGeom prst="rect">
-            <a:avLst/>
-          </a:prstGeom>
-          <a:noFill/>
-        </p:spPr>
-        <p:txBody>
-          <a:bodyPr wrap="square" rtlCol="0">
-            <a:spAutoFit/>
-          </a:bodyPr>
-          <a:lstStyle/>
-          <a:p>
-            <a:r>
-              <a:rPr lang="en-US" dirty="0"/>
-              <a:t>Big screens with real time dashboards</a:t>
-            </a:r>
-          </a:p>
-        </p:txBody>
-      </p:sp>
-      <p:cxnSp>
-        <p:nvCxnSpPr>
-          <p:cNvPr id="84" name="Straight Arrow Connector 83"/>
-          <p:cNvCxnSpPr/>
-          <p:nvPr/>
-        </p:nvCxnSpPr>
-        <p:spPr>
-          <a:xfrm flipH="1">
-            <a:off x="450419" y="3708453"/>
-            <a:ext cx="2597" cy="2212157"/>
-          </a:xfrm>
-          <a:prstGeom prst="straightConnector1">
-            <a:avLst/>
-          </a:prstGeom>
-          <a:ln w="38100">
-            <a:solidFill>
-              <a:schemeClr val="accent6">
-                <a:lumMod val="75000"/>
-              </a:schemeClr>
-            </a:solidFill>
-            <a:headEnd type="none"/>
-            <a:tailEnd type="triangle"/>
-          </a:ln>
-        </p:spPr>
-        <p:style>
-          <a:lnRef idx="1">
-            <a:schemeClr val="accent1"/>
-          </a:lnRef>
-          <a:fillRef idx="0">
-            <a:schemeClr val="accent1"/>
-          </a:fillRef>
-          <a:effectRef idx="0">
-            <a:schemeClr val="accent1"/>
-          </a:effectRef>
-          <a:fontRef idx="minor">
-            <a:schemeClr val="tx1"/>
-          </a:fontRef>
-        </p:style>
-      </p:cxnSp>
-      <p:sp>
-        <p:nvSpPr>
-          <p:cNvPr id="86" name="TextBox 85"/>
-          <p:cNvSpPr txBox="1"/>
-          <p:nvPr/>
-        </p:nvSpPr>
-        <p:spPr>
-          <a:xfrm>
-            <a:off x="589235" y="3876793"/>
-            <a:ext cx="1641299" cy="1015663"/>
-          </a:xfrm>
-          <a:prstGeom prst="rect">
-            <a:avLst/>
-          </a:prstGeom>
-          <a:noFill/>
-        </p:spPr>
-        <p:txBody>
-          <a:bodyPr wrap="square" rtlCol="0">
-            <a:spAutoFit/>
-          </a:bodyPr>
-          <a:lstStyle/>
-          <a:p>
-            <a:r>
-              <a:rPr lang="en-US" sz="2000" b="1" dirty="0">
-                <a:solidFill>
-                  <a:srgbClr val="7030A0"/>
-                </a:solidFill>
-              </a:rPr>
-              <a:t>Post-visit feedback: Chat with bot</a:t>
-            </a:r>
-          </a:p>
-        </p:txBody>
-      </p:sp>
-      <p:pic>
-        <p:nvPicPr>
-          <p:cNvPr id="1045" name="Picture 1044"/>
-          <p:cNvPicPr>
-            <a:picLocks noChangeAspect="1"/>
-          </p:cNvPicPr>
-          <p:nvPr/>
-        </p:nvPicPr>
-        <p:blipFill>
-          <a:blip r:embed="rId16"/>
-          <a:stretch>
-            <a:fillRect/>
-          </a:stretch>
-        </p:blipFill>
-        <p:spPr>
-          <a:xfrm>
-            <a:off x="682075" y="5150395"/>
-            <a:ext cx="1007274" cy="1012071"/>
-          </a:xfrm>
-          <a:prstGeom prst="rect">
-            <a:avLst/>
-          </a:prstGeom>
-        </p:spPr>
-      </p:pic>
-      <p:cxnSp>
-        <p:nvCxnSpPr>
-          <p:cNvPr id="97" name="Straight Arrow Connector 96"/>
-          <p:cNvCxnSpPr/>
-          <p:nvPr/>
-        </p:nvCxnSpPr>
-        <p:spPr>
-          <a:xfrm>
-            <a:off x="604417" y="6420406"/>
-            <a:ext cx="7953113" cy="29582"/>
-          </a:xfrm>
-          <a:prstGeom prst="straightConnector1">
-            <a:avLst/>
-          </a:prstGeom>
-          <a:ln w="38100">
-            <a:solidFill>
-              <a:schemeClr val="accent6">
-                <a:lumMod val="75000"/>
-              </a:schemeClr>
-            </a:solidFill>
-            <a:headEnd type="triangle"/>
-            <a:tailEnd type="triangle"/>
-          </a:ln>
-        </p:spPr>
-        <p:style>
-          <a:lnRef idx="1">
-            <a:schemeClr val="accent1"/>
-          </a:lnRef>
-          <a:fillRef idx="0">
-            <a:schemeClr val="accent1"/>
-          </a:fillRef>
-          <a:effectRef idx="0">
-            <a:schemeClr val="accent1"/>
-          </a:effectRef>
-          <a:fontRef idx="minor">
-            <a:schemeClr val="tx1"/>
-          </a:fontRef>
-        </p:style>
-      </p:cxnSp>
-      <p:sp>
-        <p:nvSpPr>
-          <p:cNvPr id="104" name="TextBox 103"/>
-          <p:cNvSpPr txBox="1"/>
-          <p:nvPr/>
-        </p:nvSpPr>
-        <p:spPr>
-          <a:xfrm>
-            <a:off x="6939051" y="1910390"/>
-            <a:ext cx="2507418" cy="646331"/>
-          </a:xfrm>
-          <a:prstGeom prst="rect">
-            <a:avLst/>
-          </a:prstGeom>
-          <a:noFill/>
-        </p:spPr>
-        <p:txBody>
-          <a:bodyPr wrap="none" rtlCol="0">
-            <a:spAutoFit/>
-          </a:bodyPr>
-          <a:lstStyle/>
-          <a:p>
-            <a:r>
-              <a:rPr lang="en-US" dirty="0"/>
-              <a:t>Real time sensor data</a:t>
-            </a:r>
-          </a:p>
-          <a:p>
-            <a:r>
-              <a:rPr lang="en-US" dirty="0"/>
-              <a:t>Real time questionnaires</a:t>
-            </a:r>
-          </a:p>
-        </p:txBody>
-      </p:sp>
+          </p:spPr>
+        </p:pic>
+      </p:grpSp>
     </p:spTree>
     <p:extLst>
       <p:ext uri="{BB962C8B-B14F-4D97-AF65-F5344CB8AC3E}">
-        <p14:creationId xmlns:p14="http://schemas.microsoft.com/office/powerpoint/2010/main" val="2528420053"/>
+        <p14:creationId xmlns:p14="http://schemas.microsoft.com/office/powerpoint/2010/main" val="2061646073"/>
       </p:ext>
     </p:extLst>
   </p:cSld>
@@ -4675,7 +4737,55 @@
 </Control>
 </file>
 
+<file path=customXml/item5.xml><?xml version="1.0" encoding="utf-8"?>
+<Control xmlns="http://schemas.microsoft.com/VisualStudio/2011/storyboarding/control">
+  <Id Name="System.Storyboarding.Icons.User" Revision="1" Stencil="System.Storyboarding.Icons" StencilVersion="0.1"/>
+</Control>
+</file>
+
+<file path=customXml/item6.xml><?xml version="1.0" encoding="utf-8"?>
+<Control xmlns="http://schemas.microsoft.com/VisualStudio/2011/storyboarding/control">
+  <Id Name="System.Storyboarding.Icons.User" Revision="1" Stencil="System.Storyboarding.Icons" StencilVersion="0.1"/>
+</Control>
+</file>
+
+<file path=customXml/item7.xml><?xml version="1.0" encoding="utf-8"?>
+<Control xmlns="http://schemas.microsoft.com/VisualStudio/2011/storyboarding/control">
+  <Id Name="System.Storyboarding.Icons.User" Revision="1" Stencil="System.Storyboarding.Icons" StencilVersion="0.1"/>
+</Control>
+</file>
+
+<file path=customXml/item8.xml><?xml version="1.0" encoding="utf-8"?>
+<Control xmlns="http://schemas.microsoft.com/VisualStudio/2011/storyboarding/control">
+  <Id Name="System.Storyboarding.Icons.User" Revision="1" Stencil="System.Storyboarding.Icons" StencilVersion="0.1"/>
+</Control>
+</file>
+
 <file path=customXml/itemProps1.xml><?xml version="1.0" encoding="utf-8"?>
+<ds:datastoreItem xmlns:ds="http://schemas.openxmlformats.org/officeDocument/2006/customXml" ds:itemID="{1F061032-FDE2-4AAF-9397-A9CD4375AAE6}">
+  <ds:schemaRefs>
+    <ds:schemaRef ds:uri="http://schemas.microsoft.com/VisualStudio/2011/storyboarding/control"/>
+  </ds:schemaRefs>
+</ds:datastoreItem>
+</file>
+
+<file path=customXml/itemProps2.xml><?xml version="1.0" encoding="utf-8"?>
+<ds:datastoreItem xmlns:ds="http://schemas.openxmlformats.org/officeDocument/2006/customXml" ds:itemID="{D2F1BA3C-906F-464E-81A7-984EEEA63857}">
+  <ds:schemaRefs>
+    <ds:schemaRef ds:uri="http://schemas.microsoft.com/VisualStudio/2011/storyboarding/control"/>
+  </ds:schemaRefs>
+</ds:datastoreItem>
+</file>
+
+<file path=customXml/itemProps3.xml><?xml version="1.0" encoding="utf-8"?>
+<ds:datastoreItem xmlns:ds="http://schemas.openxmlformats.org/officeDocument/2006/customXml" ds:itemID="{78EE54C1-5480-45BB-AD3E-0474A7E117EA}">
+  <ds:schemaRefs>
+    <ds:schemaRef ds:uri="http://schemas.microsoft.com/VisualStudio/2011/storyboarding/control"/>
+  </ds:schemaRefs>
+</ds:datastoreItem>
+</file>
+
+<file path=customXml/itemProps4.xml><?xml version="1.0" encoding="utf-8"?>
 <ds:datastoreItem xmlns:ds="http://schemas.openxmlformats.org/officeDocument/2006/customXml" ds:itemID="{C13F3875-43C2-497C-8943-65416C5EF68D}">
   <ds:schemaRefs>
     <ds:schemaRef ds:uri="http://schemas.microsoft.com/VisualStudio/2011/storyboarding/control"/>
@@ -4683,24 +4793,32 @@
 </ds:datastoreItem>
 </file>
 
-<file path=customXml/itemProps2.xml><?xml version="1.0" encoding="utf-8"?>
-<ds:datastoreItem xmlns:ds="http://schemas.openxmlformats.org/officeDocument/2006/customXml" ds:itemID="{78EE54C1-5480-45BB-AD3E-0474A7E117EA}">
+<file path=customXml/itemProps5.xml><?xml version="1.0" encoding="utf-8"?>
+<ds:datastoreItem xmlns:ds="http://schemas.openxmlformats.org/officeDocument/2006/customXml" ds:itemID="{5320F610-24E0-4BE8-BD48-0844CC17C132}">
   <ds:schemaRefs>
     <ds:schemaRef ds:uri="http://schemas.microsoft.com/VisualStudio/2011/storyboarding/control"/>
   </ds:schemaRefs>
 </ds:datastoreItem>
 </file>
 
-<file path=customXml/itemProps3.xml><?xml version="1.0" encoding="utf-8"?>
-<ds:datastoreItem xmlns:ds="http://schemas.openxmlformats.org/officeDocument/2006/customXml" ds:itemID="{D2F1BA3C-906F-464E-81A7-984EEEA63857}">
+<file path=customXml/itemProps6.xml><?xml version="1.0" encoding="utf-8"?>
+<ds:datastoreItem xmlns:ds="http://schemas.openxmlformats.org/officeDocument/2006/customXml" ds:itemID="{98FE8B6A-5661-4CFD-B660-01EE569D0A1C}">
   <ds:schemaRefs>
     <ds:schemaRef ds:uri="http://schemas.microsoft.com/VisualStudio/2011/storyboarding/control"/>
   </ds:schemaRefs>
 </ds:datastoreItem>
 </file>
 
-<file path=customXml/itemProps4.xml><?xml version="1.0" encoding="utf-8"?>
-<ds:datastoreItem xmlns:ds="http://schemas.openxmlformats.org/officeDocument/2006/customXml" ds:itemID="{1F061032-FDE2-4AAF-9397-A9CD4375AAE6}">
+<file path=customXml/itemProps7.xml><?xml version="1.0" encoding="utf-8"?>
+<ds:datastoreItem xmlns:ds="http://schemas.openxmlformats.org/officeDocument/2006/customXml" ds:itemID="{9FBDA9D4-9A9D-41A4-9A31-5FF343182502}">
+  <ds:schemaRefs>
+    <ds:schemaRef ds:uri="http://schemas.microsoft.com/VisualStudio/2011/storyboarding/control"/>
+  </ds:schemaRefs>
+</ds:datastoreItem>
+</file>
+
+<file path=customXml/itemProps8.xml><?xml version="1.0" encoding="utf-8"?>
+<ds:datastoreItem xmlns:ds="http://schemas.openxmlformats.org/officeDocument/2006/customXml" ds:itemID="{0EB0839D-5ABE-458E-A74E-5C62B122DBBD}">
   <ds:schemaRefs>
     <ds:schemaRef ds:uri="http://schemas.microsoft.com/VisualStudio/2011/storyboarding/control"/>
   </ds:schemaRefs>

--- a/Documentation/GuideVisitBandBot_SmartOffice.pptx
+++ b/Documentation/GuideVisitBandBot_SmartOffice.pptx
@@ -2,10 +2,13 @@
 <file path=ppt/presentation.xml><?xml version="1.0" encoding="utf-8"?>
 <p:presentation xmlns:a="http://schemas.openxmlformats.org/drawingml/2006/main" xmlns:r="http://schemas.openxmlformats.org/officeDocument/2006/relationships" xmlns:p="http://schemas.openxmlformats.org/presentationml/2006/main" saveSubsetFonts="1">
   <p:sldMasterIdLst>
-    <p:sldMasterId id="2147483648" r:id="rId9"/>
+    <p:sldMasterId id="2147483648" r:id="rId6"/>
   </p:sldMasterIdLst>
   <p:sldIdLst>
-    <p:sldId id="257" r:id="rId10"/>
+    <p:sldId id="256" r:id="rId7"/>
+    <p:sldId id="258" r:id="rId8"/>
+    <p:sldId id="259" r:id="rId9"/>
+    <p:sldId id="260" r:id="rId10"/>
   </p:sldIdLst>
   <p:sldSz cx="12192000" cy="6858000"/>
   <p:notesSz cx="6858000" cy="9144000"/>
@@ -4408,7 +4411,1641 @@
     </p:spTree>
     <p:extLst>
       <p:ext uri="{BB962C8B-B14F-4D97-AF65-F5344CB8AC3E}">
-        <p14:creationId xmlns:p14="http://schemas.microsoft.com/office/powerpoint/2010/main" val="2061646073"/>
+        <p14:creationId xmlns:p14="http://schemas.microsoft.com/office/powerpoint/2010/main" val="2528420053"/>
+      </p:ext>
+    </p:extLst>
+  </p:cSld>
+  <p:clrMapOvr>
+    <a:masterClrMapping/>
+  </p:clrMapOvr>
+</p:sld>
+</file>
+
+<file path=ppt/slides/slide2.xml><?xml version="1.0" encoding="utf-8"?>
+<p:sld xmlns:a="http://schemas.openxmlformats.org/drawingml/2006/main" xmlns:r="http://schemas.openxmlformats.org/officeDocument/2006/relationships" xmlns:p="http://schemas.openxmlformats.org/presentationml/2006/main">
+  <p:cSld>
+    <p:spTree>
+      <p:nvGrpSpPr>
+        <p:cNvPr id="1" name=""/>
+        <p:cNvGrpSpPr/>
+        <p:nvPr/>
+      </p:nvGrpSpPr>
+      <p:grpSpPr>
+        <a:xfrm>
+          <a:off x="0" y="0"/>
+          <a:ext cx="0" cy="0"/>
+          <a:chOff x="0" y="0"/>
+          <a:chExt cx="0" cy="0"/>
+        </a:xfrm>
+      </p:grpSpPr>
+      <p:sp>
+        <p:nvSpPr>
+          <p:cNvPr id="2" name="Title 1"/>
+          <p:cNvSpPr>
+            <a:spLocks noGrp="1"/>
+          </p:cNvSpPr>
+          <p:nvPr>
+            <p:ph type="title"/>
+          </p:nvPr>
+        </p:nvSpPr>
+        <p:spPr/>
+        <p:txBody>
+          <a:bodyPr/>
+          <a:lstStyle/>
+          <a:p>
+            <a:r>
+              <a:rPr lang="cs-CZ" dirty="0" err="1"/>
+              <a:t>SmartOffice</a:t>
+            </a:r>
+            <a:r>
+              <a:rPr lang="cs-CZ" dirty="0"/>
+              <a:t> Bot logo</a:t>
+            </a:r>
+          </a:p>
+        </p:txBody>
+      </p:sp>
+      <p:pic>
+        <p:nvPicPr>
+          <p:cNvPr id="4" name="Picture 3"/>
+          <p:cNvPicPr>
+            <a:picLocks noChangeAspect="1"/>
+          </p:cNvPicPr>
+          <p:nvPr/>
+        </p:nvPicPr>
+        <p:blipFill>
+          <a:blip r:embed="rId3"/>
+          <a:stretch>
+            <a:fillRect/>
+          </a:stretch>
+        </p:blipFill>
+        <p:spPr>
+          <a:xfrm rot="5400000">
+            <a:off x="1749697" y="1843088"/>
+            <a:ext cx="5195562" cy="3823149"/>
+          </a:xfrm>
+          <a:prstGeom prst="rect">
+            <a:avLst/>
+          </a:prstGeom>
+        </p:spPr>
+      </p:pic>
+      <p:grpSp>
+        <p:nvGrpSpPr>
+          <p:cNvPr id="9" name="Group 8"/>
+          <p:cNvGrpSpPr>
+            <a:grpSpLocks noChangeAspect="1"/>
+          </p:cNvGrpSpPr>
+          <p:nvPr>
+            <p:custDataLst>
+              <p:custData r:id="rId1"/>
+            </p:custDataLst>
+          </p:nvPr>
+        </p:nvGrpSpPr>
+        <p:grpSpPr>
+          <a:xfrm>
+            <a:off x="3279482" y="2904148"/>
+            <a:ext cx="1890395" cy="1875086"/>
+            <a:chOff x="5829140" y="1118736"/>
+            <a:chExt cx="1596729" cy="1583798"/>
+          </a:xfrm>
+        </p:grpSpPr>
+        <p:sp>
+          <p:nvSpPr>
+            <p:cNvPr id="10" name="Freeform 483"/>
+            <p:cNvSpPr/>
+            <p:nvPr/>
+          </p:nvSpPr>
+          <p:spPr>
+            <a:xfrm rot="18171439">
+              <a:off x="6781526" y="1888395"/>
+              <a:ext cx="525451" cy="526199"/>
+            </a:xfrm>
+            <a:custGeom>
+              <a:avLst/>
+              <a:gdLst>
+                <a:gd name="connsiteX0" fmla="*/ 257919 w 428057"/>
+                <a:gd name="connsiteY0" fmla="*/ 39169 h 467520"/>
+                <a:gd name="connsiteX1" fmla="*/ 165676 w 428057"/>
+                <a:gd name="connsiteY1" fmla="*/ 19116 h 467520"/>
+                <a:gd name="connsiteX2" fmla="*/ 5255 w 428057"/>
+                <a:gd name="connsiteY2" fmla="*/ 263758 h 467520"/>
+                <a:gd name="connsiteX3" fmla="*/ 378234 w 428057"/>
+                <a:gd name="connsiteY3" fmla="*/ 464284 h 467520"/>
+                <a:gd name="connsiteX4" fmla="*/ 398287 w 428057"/>
+                <a:gd name="connsiteY4" fmla="*/ 376053 h 467520"/>
+                <a:gd name="connsiteX5" fmla="*/ 137603 w 428057"/>
+                <a:gd name="connsiteY5" fmla="*/ 223653 h 467520"/>
+                <a:gd name="connsiteX6" fmla="*/ 257919 w 428057"/>
+                <a:gd name="connsiteY6" fmla="*/ 39169 h 467520"/>
+              </a:gdLst>
+              <a:ahLst/>
+              <a:cxnLst>
+                <a:cxn ang="0">
+                  <a:pos x="connsiteX0" y="connsiteY0"/>
+                </a:cxn>
+                <a:cxn ang="0">
+                  <a:pos x="connsiteX1" y="connsiteY1"/>
+                </a:cxn>
+                <a:cxn ang="0">
+                  <a:pos x="connsiteX2" y="connsiteY2"/>
+                </a:cxn>
+                <a:cxn ang="0">
+                  <a:pos x="connsiteX3" y="connsiteY3"/>
+                </a:cxn>
+                <a:cxn ang="0">
+                  <a:pos x="connsiteX4" y="connsiteY4"/>
+                </a:cxn>
+                <a:cxn ang="0">
+                  <a:pos x="connsiteX5" y="connsiteY5"/>
+                </a:cxn>
+                <a:cxn ang="0">
+                  <a:pos x="connsiteX6" y="connsiteY6"/>
+                </a:cxn>
+              </a:cxnLst>
+              <a:rect l="l" t="t" r="r" b="b"/>
+              <a:pathLst>
+                <a:path w="428057" h="467520">
+                  <a:moveTo>
+                    <a:pt x="257919" y="39169"/>
+                  </a:moveTo>
+                  <a:cubicBezTo>
+                    <a:pt x="262598" y="5079"/>
+                    <a:pt x="207787" y="-18316"/>
+                    <a:pt x="165676" y="19116"/>
+                  </a:cubicBezTo>
+                  <a:cubicBezTo>
+                    <a:pt x="123565" y="56548"/>
+                    <a:pt x="-30171" y="189563"/>
+                    <a:pt x="5255" y="263758"/>
+                  </a:cubicBezTo>
+                  <a:cubicBezTo>
+                    <a:pt x="40681" y="337953"/>
+                    <a:pt x="312729" y="445568"/>
+                    <a:pt x="378234" y="464284"/>
+                  </a:cubicBezTo>
+                  <a:cubicBezTo>
+                    <a:pt x="443739" y="483000"/>
+                    <a:pt x="438392" y="416158"/>
+                    <a:pt x="398287" y="376053"/>
+                  </a:cubicBezTo>
+                  <a:cubicBezTo>
+                    <a:pt x="358182" y="335948"/>
+                    <a:pt x="159661" y="273116"/>
+                    <a:pt x="137603" y="223653"/>
+                  </a:cubicBezTo>
+                  <a:cubicBezTo>
+                    <a:pt x="115545" y="174190"/>
+                    <a:pt x="253240" y="73259"/>
+                    <a:pt x="257919" y="39169"/>
+                  </a:cubicBezTo>
+                  <a:close/>
+                </a:path>
+              </a:pathLst>
+            </a:custGeom>
+            <a:ln/>
+          </p:spPr>
+          <p:style>
+            <a:lnRef idx="2">
+              <a:srgbClr val="000000"/>
+            </a:lnRef>
+            <a:fillRef idx="1">
+              <a:srgbClr val="FFFFFF"/>
+            </a:fillRef>
+            <a:effectRef idx="0">
+              <a:srgbClr val="000000"/>
+            </a:effectRef>
+            <a:fontRef idx="minor">
+              <a:srgbClr val="000000"/>
+            </a:fontRef>
+          </p:style>
+          <p:txBody>
+            <a:bodyPr rtlCol="0" anchor="ctr"/>
+            <a:lstStyle/>
+            <a:p>
+              <a:pPr algn="ctr"/>
+              <a:endParaRPr lang="en-US"/>
+            </a:p>
+          </p:txBody>
+        </p:sp>
+        <p:sp>
+          <p:nvSpPr>
+            <p:cNvPr id="11" name="Freeform 484"/>
+            <p:cNvSpPr/>
+            <p:nvPr/>
+          </p:nvSpPr>
+          <p:spPr>
+            <a:xfrm rot="20653390">
+              <a:off x="6397642" y="1828229"/>
+              <a:ext cx="548590" cy="874305"/>
+            </a:xfrm>
+            <a:custGeom>
+              <a:avLst/>
+              <a:gdLst>
+                <a:gd name="connsiteX0" fmla="*/ 7618 w 786386"/>
+                <a:gd name="connsiteY0" fmla="*/ 390345 h 548280"/>
+                <a:gd name="connsiteX1" fmla="*/ 172049 w 786386"/>
+                <a:gd name="connsiteY1" fmla="*/ 53461 h 548280"/>
+                <a:gd name="connsiteX2" fmla="*/ 372576 w 786386"/>
+                <a:gd name="connsiteY2" fmla="*/ 21377 h 548280"/>
+                <a:gd name="connsiteX3" fmla="*/ 657323 w 786386"/>
+                <a:gd name="connsiteY3" fmla="*/ 41430 h 548280"/>
+                <a:gd name="connsiteX4" fmla="*/ 753576 w 786386"/>
+                <a:gd name="connsiteY4" fmla="*/ 490608 h 548280"/>
+                <a:gd name="connsiteX5" fmla="*/ 103870 w 786386"/>
+                <a:gd name="connsiteY5" fmla="*/ 530714 h 548280"/>
+                <a:gd name="connsiteX6" fmla="*/ 7618 w 786386"/>
+                <a:gd name="connsiteY6" fmla="*/ 390345 h 548280"/>
+                <a:gd name="connsiteX0" fmla="*/ 2692 w 781460"/>
+                <a:gd name="connsiteY0" fmla="*/ 390345 h 538548"/>
+                <a:gd name="connsiteX1" fmla="*/ 167123 w 781460"/>
+                <a:gd name="connsiteY1" fmla="*/ 53461 h 538548"/>
+                <a:gd name="connsiteX2" fmla="*/ 367650 w 781460"/>
+                <a:gd name="connsiteY2" fmla="*/ 21377 h 538548"/>
+                <a:gd name="connsiteX3" fmla="*/ 652397 w 781460"/>
+                <a:gd name="connsiteY3" fmla="*/ 41430 h 538548"/>
+                <a:gd name="connsiteX4" fmla="*/ 748650 w 781460"/>
+                <a:gd name="connsiteY4" fmla="*/ 490608 h 538548"/>
+                <a:gd name="connsiteX5" fmla="*/ 119989 w 781460"/>
+                <a:gd name="connsiteY5" fmla="*/ 510846 h 538548"/>
+                <a:gd name="connsiteX6" fmla="*/ 2692 w 781460"/>
+                <a:gd name="connsiteY6" fmla="*/ 390345 h 538548"/>
+                <a:gd name="connsiteX0" fmla="*/ 2974 w 793572"/>
+                <a:gd name="connsiteY0" fmla="*/ 392620 h 562807"/>
+                <a:gd name="connsiteX1" fmla="*/ 167405 w 793572"/>
+                <a:gd name="connsiteY1" fmla="*/ 55736 h 562807"/>
+                <a:gd name="connsiteX2" fmla="*/ 367932 w 793572"/>
+                <a:gd name="connsiteY2" fmla="*/ 23652 h 562807"/>
+                <a:gd name="connsiteX3" fmla="*/ 652679 w 793572"/>
+                <a:gd name="connsiteY3" fmla="*/ 43705 h 562807"/>
+                <a:gd name="connsiteX4" fmla="*/ 762518 w 793572"/>
+                <a:gd name="connsiteY4" fmla="*/ 524611 h 562807"/>
+                <a:gd name="connsiteX5" fmla="*/ 120271 w 793572"/>
+                <a:gd name="connsiteY5" fmla="*/ 513121 h 562807"/>
+                <a:gd name="connsiteX6" fmla="*/ 2974 w 793572"/>
+                <a:gd name="connsiteY6" fmla="*/ 392620 h 562807"/>
+              </a:gdLst>
+              <a:ahLst/>
+              <a:cxnLst>
+                <a:cxn ang="0">
+                  <a:pos x="connsiteX0" y="connsiteY0"/>
+                </a:cxn>
+                <a:cxn ang="0">
+                  <a:pos x="connsiteX1" y="connsiteY1"/>
+                </a:cxn>
+                <a:cxn ang="0">
+                  <a:pos x="connsiteX2" y="connsiteY2"/>
+                </a:cxn>
+                <a:cxn ang="0">
+                  <a:pos x="connsiteX3" y="connsiteY3"/>
+                </a:cxn>
+                <a:cxn ang="0">
+                  <a:pos x="connsiteX4" y="connsiteY4"/>
+                </a:cxn>
+                <a:cxn ang="0">
+                  <a:pos x="connsiteX5" y="connsiteY5"/>
+                </a:cxn>
+                <a:cxn ang="0">
+                  <a:pos x="connsiteX6" y="connsiteY6"/>
+                </a:cxn>
+              </a:cxnLst>
+              <a:rect l="l" t="t" r="r" b="b"/>
+              <a:pathLst>
+                <a:path w="793572" h="562807">
+                  <a:moveTo>
+                    <a:pt x="2974" y="392620"/>
+                  </a:moveTo>
+                  <a:cubicBezTo>
+                    <a:pt x="10830" y="316389"/>
+                    <a:pt x="106579" y="117231"/>
+                    <a:pt x="167405" y="55736"/>
+                  </a:cubicBezTo>
+                  <a:cubicBezTo>
+                    <a:pt x="228231" y="-5759"/>
+                    <a:pt x="287053" y="25657"/>
+                    <a:pt x="367932" y="23652"/>
+                  </a:cubicBezTo>
+                  <a:cubicBezTo>
+                    <a:pt x="448811" y="21647"/>
+                    <a:pt x="586915" y="-39788"/>
+                    <a:pt x="652679" y="43705"/>
+                  </a:cubicBezTo>
+                  <a:cubicBezTo>
+                    <a:pt x="718443" y="127198"/>
+                    <a:pt x="854760" y="443064"/>
+                    <a:pt x="762518" y="524611"/>
+                  </a:cubicBezTo>
+                  <a:cubicBezTo>
+                    <a:pt x="670276" y="606158"/>
+                    <a:pt x="246862" y="535120"/>
+                    <a:pt x="120271" y="513121"/>
+                  </a:cubicBezTo>
+                  <a:cubicBezTo>
+                    <a:pt x="-6320" y="491123"/>
+                    <a:pt x="-4882" y="468851"/>
+                    <a:pt x="2974" y="392620"/>
+                  </a:cubicBezTo>
+                  <a:close/>
+                </a:path>
+              </a:pathLst>
+            </a:custGeom>
+            <a:ln/>
+          </p:spPr>
+          <p:style>
+            <a:lnRef idx="2">
+              <a:srgbClr val="000000"/>
+            </a:lnRef>
+            <a:fillRef idx="1">
+              <a:srgbClr val="FFFFFF"/>
+            </a:fillRef>
+            <a:effectRef idx="0">
+              <a:srgbClr val="000000"/>
+            </a:effectRef>
+            <a:fontRef idx="minor">
+              <a:srgbClr val="000000"/>
+            </a:fontRef>
+          </p:style>
+          <p:txBody>
+            <a:bodyPr rtlCol="0" anchor="ctr"/>
+            <a:lstStyle/>
+            <a:p>
+              <a:pPr algn="ctr"/>
+              <a:endParaRPr lang="en-US"/>
+            </a:p>
+          </p:txBody>
+        </p:sp>
+        <p:sp>
+          <p:nvSpPr>
+            <p:cNvPr id="12" name="Freeform 485"/>
+            <p:cNvSpPr/>
+            <p:nvPr/>
+          </p:nvSpPr>
+          <p:spPr>
+            <a:xfrm rot="7177662" flipH="1">
+              <a:off x="5869699" y="1463010"/>
+              <a:ext cx="595256" cy="676373"/>
+            </a:xfrm>
+            <a:custGeom>
+              <a:avLst/>
+              <a:gdLst>
+                <a:gd name="connsiteX0" fmla="*/ 257919 w 428057"/>
+                <a:gd name="connsiteY0" fmla="*/ 39169 h 467520"/>
+                <a:gd name="connsiteX1" fmla="*/ 165676 w 428057"/>
+                <a:gd name="connsiteY1" fmla="*/ 19116 h 467520"/>
+                <a:gd name="connsiteX2" fmla="*/ 5255 w 428057"/>
+                <a:gd name="connsiteY2" fmla="*/ 263758 h 467520"/>
+                <a:gd name="connsiteX3" fmla="*/ 378234 w 428057"/>
+                <a:gd name="connsiteY3" fmla="*/ 464284 h 467520"/>
+                <a:gd name="connsiteX4" fmla="*/ 398287 w 428057"/>
+                <a:gd name="connsiteY4" fmla="*/ 376053 h 467520"/>
+                <a:gd name="connsiteX5" fmla="*/ 137603 w 428057"/>
+                <a:gd name="connsiteY5" fmla="*/ 223653 h 467520"/>
+                <a:gd name="connsiteX6" fmla="*/ 257919 w 428057"/>
+                <a:gd name="connsiteY6" fmla="*/ 39169 h 467520"/>
+              </a:gdLst>
+              <a:ahLst/>
+              <a:cxnLst>
+                <a:cxn ang="0">
+                  <a:pos x="connsiteX0" y="connsiteY0"/>
+                </a:cxn>
+                <a:cxn ang="0">
+                  <a:pos x="connsiteX1" y="connsiteY1"/>
+                </a:cxn>
+                <a:cxn ang="0">
+                  <a:pos x="connsiteX2" y="connsiteY2"/>
+                </a:cxn>
+                <a:cxn ang="0">
+                  <a:pos x="connsiteX3" y="connsiteY3"/>
+                </a:cxn>
+                <a:cxn ang="0">
+                  <a:pos x="connsiteX4" y="connsiteY4"/>
+                </a:cxn>
+                <a:cxn ang="0">
+                  <a:pos x="connsiteX5" y="connsiteY5"/>
+                </a:cxn>
+                <a:cxn ang="0">
+                  <a:pos x="connsiteX6" y="connsiteY6"/>
+                </a:cxn>
+              </a:cxnLst>
+              <a:rect l="l" t="t" r="r" b="b"/>
+              <a:pathLst>
+                <a:path w="428057" h="467520">
+                  <a:moveTo>
+                    <a:pt x="257919" y="39169"/>
+                  </a:moveTo>
+                  <a:cubicBezTo>
+                    <a:pt x="262598" y="5079"/>
+                    <a:pt x="207787" y="-18316"/>
+                    <a:pt x="165676" y="19116"/>
+                  </a:cubicBezTo>
+                  <a:cubicBezTo>
+                    <a:pt x="123565" y="56548"/>
+                    <a:pt x="-30171" y="189563"/>
+                    <a:pt x="5255" y="263758"/>
+                  </a:cubicBezTo>
+                  <a:cubicBezTo>
+                    <a:pt x="40681" y="337953"/>
+                    <a:pt x="312729" y="445568"/>
+                    <a:pt x="378234" y="464284"/>
+                  </a:cubicBezTo>
+                  <a:cubicBezTo>
+                    <a:pt x="443739" y="483000"/>
+                    <a:pt x="438392" y="416158"/>
+                    <a:pt x="398287" y="376053"/>
+                  </a:cubicBezTo>
+                  <a:cubicBezTo>
+                    <a:pt x="358182" y="335948"/>
+                    <a:pt x="159661" y="273116"/>
+                    <a:pt x="137603" y="223653"/>
+                  </a:cubicBezTo>
+                  <a:cubicBezTo>
+                    <a:pt x="115545" y="174190"/>
+                    <a:pt x="253240" y="73259"/>
+                    <a:pt x="257919" y="39169"/>
+                  </a:cubicBezTo>
+                  <a:close/>
+                </a:path>
+              </a:pathLst>
+            </a:custGeom>
+            <a:ln/>
+          </p:spPr>
+          <p:style>
+            <a:lnRef idx="2">
+              <a:srgbClr val="000000"/>
+            </a:lnRef>
+            <a:fillRef idx="1">
+              <a:srgbClr val="FFFFFF"/>
+            </a:fillRef>
+            <a:effectRef idx="0">
+              <a:srgbClr val="000000"/>
+            </a:effectRef>
+            <a:fontRef idx="minor">
+              <a:srgbClr val="000000"/>
+            </a:fontRef>
+          </p:style>
+          <p:txBody>
+            <a:bodyPr rtlCol="0" anchor="ctr"/>
+            <a:lstStyle/>
+            <a:p>
+              <a:pPr algn="ctr"/>
+              <a:endParaRPr lang="en-US"/>
+            </a:p>
+          </p:txBody>
+        </p:sp>
+        <p:grpSp>
+          <p:nvGrpSpPr>
+            <p:cNvPr id="13" name="Group 486"/>
+            <p:cNvGrpSpPr/>
+            <p:nvPr/>
+          </p:nvGrpSpPr>
+          <p:grpSpPr>
+            <a:xfrm>
+              <a:off x="6435832" y="1118736"/>
+              <a:ext cx="691291" cy="829010"/>
+              <a:chOff x="6643400" y="1118736"/>
+              <a:chExt cx="691291" cy="829010"/>
+            </a:xfrm>
+          </p:grpSpPr>
+          <p:sp>
+            <p:nvSpPr>
+              <p:cNvPr id="18" name="Oval 17"/>
+              <p:cNvSpPr/>
+              <p:nvPr/>
+            </p:nvSpPr>
+            <p:spPr>
+              <a:xfrm>
+                <a:off x="6643400" y="1118736"/>
+                <a:ext cx="670832" cy="829010"/>
+              </a:xfrm>
+              <a:prstGeom prst="ellipse">
+                <a:avLst/>
+              </a:prstGeom>
+              <a:ln>
+                <a:solidFill>
+                  <a:schemeClr val="tx1">
+                    <a:lumMod val="95000"/>
+                    <a:lumOff val="5000"/>
+                  </a:schemeClr>
+                </a:solidFill>
+              </a:ln>
+            </p:spPr>
+            <p:style>
+              <a:lnRef idx="2">
+                <a:srgbClr val="000000"/>
+              </a:lnRef>
+              <a:fillRef idx="1">
+                <a:srgbClr val="FFFFFF"/>
+              </a:fillRef>
+              <a:effectRef idx="0">
+                <a:srgbClr val="000000"/>
+              </a:effectRef>
+              <a:fontRef idx="minor">
+                <a:srgbClr val="000000"/>
+              </a:fontRef>
+            </p:style>
+            <p:txBody>
+              <a:bodyPr rtlCol="0" anchor="ctr"/>
+              <a:lstStyle/>
+              <a:p>
+                <a:pPr algn="ctr"/>
+                <a:endParaRPr lang="en-US"/>
+              </a:p>
+            </p:txBody>
+          </p:sp>
+          <p:sp>
+            <p:nvSpPr>
+              <p:cNvPr id="19" name="Freeform 11"/>
+              <p:cNvSpPr/>
+              <p:nvPr/>
+            </p:nvSpPr>
+            <p:spPr>
+              <a:xfrm rot="11700000">
+                <a:off x="6876312" y="1828842"/>
+                <a:ext cx="221955" cy="63161"/>
+              </a:xfrm>
+              <a:custGeom>
+                <a:avLst/>
+                <a:gdLst>
+                  <a:gd name="connsiteX0" fmla="*/ 1805 w 173807"/>
+                  <a:gd name="connsiteY0" fmla="*/ 87202 h 109697"/>
+                  <a:gd name="connsiteX1" fmla="*/ 132434 w 173807"/>
+                  <a:gd name="connsiteY1" fmla="*/ 116 h 109697"/>
+                  <a:gd name="connsiteX2" fmla="*/ 170534 w 173807"/>
+                  <a:gd name="connsiteY2" fmla="*/ 108974 h 109697"/>
+                  <a:gd name="connsiteX3" fmla="*/ 61677 w 173807"/>
+                  <a:gd name="connsiteY3" fmla="*/ 49102 h 109697"/>
+                  <a:gd name="connsiteX4" fmla="*/ 1805 w 173807"/>
+                  <a:gd name="connsiteY4" fmla="*/ 87202 h 109697"/>
+                </a:gdLst>
+                <a:ahLst/>
+                <a:cxnLst>
+                  <a:cxn ang="0">
+                    <a:pos x="connsiteX0" y="connsiteY0"/>
+                  </a:cxn>
+                  <a:cxn ang="0">
+                    <a:pos x="connsiteX1" y="connsiteY1"/>
+                  </a:cxn>
+                  <a:cxn ang="0">
+                    <a:pos x="connsiteX2" y="connsiteY2"/>
+                  </a:cxn>
+                  <a:cxn ang="0">
+                    <a:pos x="connsiteX3" y="connsiteY3"/>
+                  </a:cxn>
+                  <a:cxn ang="0">
+                    <a:pos x="connsiteX4" y="connsiteY4"/>
+                  </a:cxn>
+                </a:cxnLst>
+                <a:rect l="l" t="t" r="r" b="b"/>
+                <a:pathLst>
+                  <a:path w="173807" h="109697">
+                    <a:moveTo>
+                      <a:pt x="1805" y="87202"/>
+                    </a:moveTo>
+                    <a:cubicBezTo>
+                      <a:pt x="13598" y="79038"/>
+                      <a:pt x="104312" y="-3513"/>
+                      <a:pt x="132434" y="116"/>
+                    </a:cubicBezTo>
+                    <a:cubicBezTo>
+                      <a:pt x="160556" y="3745"/>
+                      <a:pt x="182327" y="100810"/>
+                      <a:pt x="170534" y="108974"/>
+                    </a:cubicBezTo>
+                    <a:cubicBezTo>
+                      <a:pt x="158741" y="117138"/>
+                      <a:pt x="84356" y="53638"/>
+                      <a:pt x="61677" y="49102"/>
+                    </a:cubicBezTo>
+                    <a:cubicBezTo>
+                      <a:pt x="38998" y="44566"/>
+                      <a:pt x="-9988" y="95366"/>
+                      <a:pt x="1805" y="87202"/>
+                    </a:cubicBezTo>
+                    <a:close/>
+                  </a:path>
+                </a:pathLst>
+              </a:custGeom>
+              <a:ln/>
+            </p:spPr>
+            <p:style>
+              <a:lnRef idx="2">
+                <a:srgbClr val="000000"/>
+              </a:lnRef>
+              <a:fillRef idx="1">
+                <a:srgbClr val="FFFFFF"/>
+              </a:fillRef>
+              <a:effectRef idx="0">
+                <a:srgbClr val="000000"/>
+              </a:effectRef>
+              <a:fontRef idx="minor">
+                <a:srgbClr val="000000"/>
+              </a:fontRef>
+            </p:style>
+            <p:txBody>
+              <a:bodyPr rtlCol="0" anchor="ctr"/>
+              <a:lstStyle/>
+              <a:p>
+                <a:pPr algn="ctr"/>
+                <a:endParaRPr lang="en-US">
+                  <a:solidFill>
+                    <a:srgbClr val="000000"/>
+                  </a:solidFill>
+                </a:endParaRPr>
+              </a:p>
+            </p:txBody>
+          </p:sp>
+          <p:sp>
+            <p:nvSpPr>
+              <p:cNvPr id="20" name="Oval 19"/>
+              <p:cNvSpPr/>
+              <p:nvPr/>
+            </p:nvSpPr>
+            <p:spPr>
+              <a:xfrm flipV="1">
+                <a:off x="7160046" y="1609339"/>
+                <a:ext cx="66965" cy="51614"/>
+              </a:xfrm>
+              <a:prstGeom prst="ellipse">
+                <a:avLst/>
+              </a:prstGeom>
+              <a:solidFill>
+                <a:schemeClr val="bg1"/>
+              </a:solidFill>
+              <a:ln>
+                <a:solidFill>
+                  <a:schemeClr val="tx1">
+                    <a:lumMod val="95000"/>
+                    <a:lumOff val="5000"/>
+                  </a:schemeClr>
+                </a:solidFill>
+              </a:ln>
+            </p:spPr>
+            <p:style>
+              <a:lnRef idx="2">
+                <a:srgbClr val="4F81BD">
+                  <a:shade val="50000"/>
+                </a:srgbClr>
+              </a:lnRef>
+              <a:fillRef idx="1">
+                <a:srgbClr val="4F81BD"/>
+              </a:fillRef>
+              <a:effectRef idx="0">
+                <a:srgbClr val="4F81BD"/>
+              </a:effectRef>
+              <a:fontRef idx="minor">
+                <a:srgbClr val="FFFFFF"/>
+              </a:fontRef>
+            </p:style>
+            <p:txBody>
+              <a:bodyPr rtlCol="0" anchor="ctr"/>
+              <a:lstStyle/>
+              <a:p>
+                <a:pPr algn="ctr"/>
+                <a:endParaRPr lang="en-US"/>
+              </a:p>
+            </p:txBody>
+          </p:sp>
+          <p:sp>
+            <p:nvSpPr>
+              <p:cNvPr id="21" name="Oval 20"/>
+              <p:cNvSpPr/>
+              <p:nvPr/>
+            </p:nvSpPr>
+            <p:spPr>
+              <a:xfrm flipV="1">
+                <a:off x="7000414" y="1593501"/>
+                <a:ext cx="77165" cy="56775"/>
+              </a:xfrm>
+              <a:prstGeom prst="ellipse">
+                <a:avLst/>
+              </a:prstGeom>
+              <a:solidFill>
+                <a:schemeClr val="bg1"/>
+              </a:solidFill>
+              <a:ln>
+                <a:solidFill>
+                  <a:schemeClr val="tx1">
+                    <a:lumMod val="95000"/>
+                    <a:lumOff val="5000"/>
+                  </a:schemeClr>
+                </a:solidFill>
+              </a:ln>
+            </p:spPr>
+            <p:style>
+              <a:lnRef idx="2">
+                <a:srgbClr val="4F81BD">
+                  <a:shade val="50000"/>
+                </a:srgbClr>
+              </a:lnRef>
+              <a:fillRef idx="1">
+                <a:srgbClr val="4F81BD"/>
+              </a:fillRef>
+              <a:effectRef idx="0">
+                <a:srgbClr val="4F81BD"/>
+              </a:effectRef>
+              <a:fontRef idx="minor">
+                <a:srgbClr val="FFFFFF"/>
+              </a:fontRef>
+            </p:style>
+            <p:txBody>
+              <a:bodyPr rtlCol="0" anchor="ctr"/>
+              <a:lstStyle/>
+              <a:p>
+                <a:pPr algn="ctr"/>
+                <a:endParaRPr lang="en-US"/>
+              </a:p>
+            </p:txBody>
+          </p:sp>
+          <p:sp>
+            <p:nvSpPr>
+              <p:cNvPr id="22" name="Oval 21"/>
+              <p:cNvSpPr/>
+              <p:nvPr/>
+            </p:nvSpPr>
+            <p:spPr>
+              <a:xfrm rot="20591440">
+                <a:off x="6912576" y="1537084"/>
+                <a:ext cx="175677" cy="147531"/>
+              </a:xfrm>
+              <a:prstGeom prst="ellipse">
+                <a:avLst/>
+              </a:prstGeom>
+              <a:noFill/>
+              <a:ln w="12700">
+                <a:solidFill>
+                  <a:schemeClr val="tx1">
+                    <a:lumMod val="95000"/>
+                    <a:lumOff val="5000"/>
+                  </a:schemeClr>
+                </a:solidFill>
+              </a:ln>
+            </p:spPr>
+            <p:style>
+              <a:lnRef idx="2">
+                <a:srgbClr val="4F81BD">
+                  <a:shade val="50000"/>
+                </a:srgbClr>
+              </a:lnRef>
+              <a:fillRef idx="1">
+                <a:srgbClr val="4F81BD"/>
+              </a:fillRef>
+              <a:effectRef idx="0">
+                <a:srgbClr val="4F81BD"/>
+              </a:effectRef>
+              <a:fontRef idx="minor">
+                <a:srgbClr val="FFFFFF"/>
+              </a:fontRef>
+            </p:style>
+            <p:txBody>
+              <a:bodyPr rtlCol="0" anchor="ctr"/>
+              <a:lstStyle/>
+              <a:p>
+                <a:pPr algn="ctr"/>
+                <a:endParaRPr lang="en-US"/>
+              </a:p>
+            </p:txBody>
+          </p:sp>
+          <p:sp>
+            <p:nvSpPr>
+              <p:cNvPr id="23" name="Oval 22"/>
+              <p:cNvSpPr/>
+              <p:nvPr/>
+            </p:nvSpPr>
+            <p:spPr>
+              <a:xfrm rot="1942495">
+                <a:off x="7126727" y="1525909"/>
+                <a:ext cx="156417" cy="168754"/>
+              </a:xfrm>
+              <a:prstGeom prst="ellipse">
+                <a:avLst/>
+              </a:prstGeom>
+              <a:noFill/>
+              <a:ln w="12700">
+                <a:solidFill>
+                  <a:schemeClr val="tx1">
+                    <a:lumMod val="95000"/>
+                    <a:lumOff val="5000"/>
+                  </a:schemeClr>
+                </a:solidFill>
+              </a:ln>
+            </p:spPr>
+            <p:style>
+              <a:lnRef idx="2">
+                <a:srgbClr val="4F81BD">
+                  <a:shade val="50000"/>
+                </a:srgbClr>
+              </a:lnRef>
+              <a:fillRef idx="1">
+                <a:srgbClr val="4F81BD"/>
+              </a:fillRef>
+              <a:effectRef idx="0">
+                <a:srgbClr val="4F81BD"/>
+              </a:effectRef>
+              <a:fontRef idx="minor">
+                <a:srgbClr val="FFFFFF"/>
+              </a:fontRef>
+            </p:style>
+            <p:txBody>
+              <a:bodyPr rtlCol="0" anchor="ctr"/>
+              <a:lstStyle/>
+              <a:p>
+                <a:pPr algn="ctr"/>
+                <a:endParaRPr lang="en-US"/>
+              </a:p>
+            </p:txBody>
+          </p:sp>
+          <p:sp>
+            <p:nvSpPr>
+              <p:cNvPr id="24" name="Arc 23"/>
+              <p:cNvSpPr/>
+              <p:nvPr/>
+            </p:nvSpPr>
+            <p:spPr>
+              <a:xfrm>
+                <a:off x="6821531" y="1305584"/>
+                <a:ext cx="317891" cy="191563"/>
+              </a:xfrm>
+              <a:prstGeom prst="arc">
+                <a:avLst>
+                  <a:gd name="adj1" fmla="val 13507533"/>
+                  <a:gd name="adj2" fmla="val 20342173"/>
+                </a:avLst>
+              </a:prstGeom>
+              <a:ln w="12700">
+                <a:solidFill>
+                  <a:schemeClr val="tx1">
+                    <a:lumMod val="95000"/>
+                    <a:lumOff val="5000"/>
+                  </a:schemeClr>
+                </a:solidFill>
+              </a:ln>
+            </p:spPr>
+            <p:style>
+              <a:lnRef idx="1">
+                <a:srgbClr val="4F81BD"/>
+              </a:lnRef>
+              <a:fillRef idx="0">
+                <a:srgbClr val="4F81BD"/>
+              </a:fillRef>
+              <a:effectRef idx="0">
+                <a:srgbClr val="4F81BD"/>
+              </a:effectRef>
+              <a:fontRef idx="minor">
+                <a:schemeClr val="tx1"/>
+              </a:fontRef>
+            </p:style>
+            <p:txBody>
+              <a:bodyPr rtlCol="0" anchor="ctr"/>
+              <a:lstStyle/>
+              <a:p>
+                <a:pPr algn="ctr"/>
+                <a:endParaRPr lang="en-US"/>
+              </a:p>
+            </p:txBody>
+          </p:sp>
+          <p:sp>
+            <p:nvSpPr>
+              <p:cNvPr id="25" name="Arc 24"/>
+              <p:cNvSpPr/>
+              <p:nvPr/>
+            </p:nvSpPr>
+            <p:spPr>
+              <a:xfrm rot="21172900">
+                <a:off x="7139237" y="1317120"/>
+                <a:ext cx="195454" cy="148649"/>
+              </a:xfrm>
+              <a:prstGeom prst="arc">
+                <a:avLst>
+                  <a:gd name="adj1" fmla="val 13469714"/>
+                  <a:gd name="adj2" fmla="val 0"/>
+                </a:avLst>
+              </a:prstGeom>
+              <a:ln w="12700">
+                <a:solidFill>
+                  <a:schemeClr val="tx1">
+                    <a:lumMod val="95000"/>
+                    <a:lumOff val="5000"/>
+                  </a:schemeClr>
+                </a:solidFill>
+              </a:ln>
+            </p:spPr>
+            <p:style>
+              <a:lnRef idx="1">
+                <a:srgbClr val="4F81BD"/>
+              </a:lnRef>
+              <a:fillRef idx="0">
+                <a:srgbClr val="4F81BD"/>
+              </a:fillRef>
+              <a:effectRef idx="0">
+                <a:srgbClr val="4F81BD"/>
+              </a:effectRef>
+              <a:fontRef idx="minor">
+                <a:schemeClr val="tx1"/>
+              </a:fontRef>
+            </p:style>
+            <p:txBody>
+              <a:bodyPr rtlCol="0" anchor="ctr"/>
+              <a:lstStyle/>
+              <a:p>
+                <a:pPr algn="ctr"/>
+                <a:endParaRPr lang="en-US"/>
+              </a:p>
+            </p:txBody>
+          </p:sp>
+        </p:grpSp>
+        <p:grpSp>
+          <p:nvGrpSpPr>
+            <p:cNvPr id="14" name="Group 564"/>
+            <p:cNvGrpSpPr/>
+            <p:nvPr/>
+          </p:nvGrpSpPr>
+          <p:grpSpPr>
+            <a:xfrm>
+              <a:off x="7075967" y="1722696"/>
+              <a:ext cx="349902" cy="450099"/>
+              <a:chOff x="2895601" y="490505"/>
+              <a:chExt cx="4343400" cy="5587169"/>
+            </a:xfrm>
+          </p:grpSpPr>
+          <p:sp>
+            <p:nvSpPr>
+              <p:cNvPr id="15" name="Flowchart: Data 12"/>
+              <p:cNvSpPr/>
+              <p:nvPr/>
+            </p:nvSpPr>
+            <p:spPr>
+              <a:xfrm>
+                <a:off x="2895601" y="863056"/>
+                <a:ext cx="4343400" cy="4487432"/>
+              </a:xfrm>
+              <a:custGeom>
+                <a:avLst/>
+                <a:gdLst>
+                  <a:gd name="connsiteX0" fmla="*/ 0 w 10000"/>
+                  <a:gd name="connsiteY0" fmla="*/ 10000 h 10000"/>
+                  <a:gd name="connsiteX1" fmla="*/ 2000 w 10000"/>
+                  <a:gd name="connsiteY1" fmla="*/ 0 h 10000"/>
+                  <a:gd name="connsiteX2" fmla="*/ 10000 w 10000"/>
+                  <a:gd name="connsiteY2" fmla="*/ 0 h 10000"/>
+                  <a:gd name="connsiteX3" fmla="*/ 8000 w 10000"/>
+                  <a:gd name="connsiteY3" fmla="*/ 10000 h 10000"/>
+                  <a:gd name="connsiteX4" fmla="*/ 0 w 10000"/>
+                  <a:gd name="connsiteY4" fmla="*/ 10000 h 10000"/>
+                  <a:gd name="connsiteX0" fmla="*/ 0 w 10000"/>
+                  <a:gd name="connsiteY0" fmla="*/ 10157 h 10157"/>
+                  <a:gd name="connsiteX1" fmla="*/ 2841 w 10000"/>
+                  <a:gd name="connsiteY1" fmla="*/ 0 h 10157"/>
+                  <a:gd name="connsiteX2" fmla="*/ 10000 w 10000"/>
+                  <a:gd name="connsiteY2" fmla="*/ 157 h 10157"/>
+                  <a:gd name="connsiteX3" fmla="*/ 8000 w 10000"/>
+                  <a:gd name="connsiteY3" fmla="*/ 10157 h 10157"/>
+                  <a:gd name="connsiteX4" fmla="*/ 0 w 10000"/>
+                  <a:gd name="connsiteY4" fmla="*/ 10157 h 10157"/>
+                  <a:gd name="connsiteX0" fmla="*/ 0 w 11681"/>
+                  <a:gd name="connsiteY0" fmla="*/ 10157 h 10157"/>
+                  <a:gd name="connsiteX1" fmla="*/ 2841 w 11681"/>
+                  <a:gd name="connsiteY1" fmla="*/ 0 h 10157"/>
+                  <a:gd name="connsiteX2" fmla="*/ 11681 w 11681"/>
+                  <a:gd name="connsiteY2" fmla="*/ 0 h 10157"/>
+                  <a:gd name="connsiteX3" fmla="*/ 8000 w 11681"/>
+                  <a:gd name="connsiteY3" fmla="*/ 10157 h 10157"/>
+                  <a:gd name="connsiteX4" fmla="*/ 0 w 11681"/>
+                  <a:gd name="connsiteY4" fmla="*/ 10157 h 10157"/>
+                  <a:gd name="connsiteX0" fmla="*/ 0 w 11681"/>
+                  <a:gd name="connsiteY0" fmla="*/ 10157 h 10157"/>
+                  <a:gd name="connsiteX1" fmla="*/ 4942 w 11681"/>
+                  <a:gd name="connsiteY1" fmla="*/ 0 h 10157"/>
+                  <a:gd name="connsiteX2" fmla="*/ 11681 w 11681"/>
+                  <a:gd name="connsiteY2" fmla="*/ 0 h 10157"/>
+                  <a:gd name="connsiteX3" fmla="*/ 8000 w 11681"/>
+                  <a:gd name="connsiteY3" fmla="*/ 10157 h 10157"/>
+                  <a:gd name="connsiteX4" fmla="*/ 0 w 11681"/>
+                  <a:gd name="connsiteY4" fmla="*/ 10157 h 10157"/>
+                  <a:gd name="connsiteX0" fmla="*/ 0 w 13572"/>
+                  <a:gd name="connsiteY0" fmla="*/ 10157 h 10157"/>
+                  <a:gd name="connsiteX1" fmla="*/ 4942 w 13572"/>
+                  <a:gd name="connsiteY1" fmla="*/ 0 h 10157"/>
+                  <a:gd name="connsiteX2" fmla="*/ 13572 w 13572"/>
+                  <a:gd name="connsiteY2" fmla="*/ 0 h 10157"/>
+                  <a:gd name="connsiteX3" fmla="*/ 8000 w 13572"/>
+                  <a:gd name="connsiteY3" fmla="*/ 10157 h 10157"/>
+                  <a:gd name="connsiteX4" fmla="*/ 0 w 13572"/>
+                  <a:gd name="connsiteY4" fmla="*/ 10157 h 10157"/>
+                  <a:gd name="connsiteX0" fmla="*/ 0 w 12521"/>
+                  <a:gd name="connsiteY0" fmla="*/ 10314 h 10314"/>
+                  <a:gd name="connsiteX1" fmla="*/ 4942 w 12521"/>
+                  <a:gd name="connsiteY1" fmla="*/ 157 h 10314"/>
+                  <a:gd name="connsiteX2" fmla="*/ 12521 w 12521"/>
+                  <a:gd name="connsiteY2" fmla="*/ 0 h 10314"/>
+                  <a:gd name="connsiteX3" fmla="*/ 8000 w 12521"/>
+                  <a:gd name="connsiteY3" fmla="*/ 10314 h 10314"/>
+                  <a:gd name="connsiteX4" fmla="*/ 0 w 12521"/>
+                  <a:gd name="connsiteY4" fmla="*/ 10314 h 10314"/>
+                  <a:gd name="connsiteX0" fmla="*/ 0 w 13151"/>
+                  <a:gd name="connsiteY0" fmla="*/ 10157 h 10157"/>
+                  <a:gd name="connsiteX1" fmla="*/ 4942 w 13151"/>
+                  <a:gd name="connsiteY1" fmla="*/ 0 h 10157"/>
+                  <a:gd name="connsiteX2" fmla="*/ 13151 w 13151"/>
+                  <a:gd name="connsiteY2" fmla="*/ 157 h 10157"/>
+                  <a:gd name="connsiteX3" fmla="*/ 8000 w 13151"/>
+                  <a:gd name="connsiteY3" fmla="*/ 10157 h 10157"/>
+                  <a:gd name="connsiteX4" fmla="*/ 0 w 13151"/>
+                  <a:gd name="connsiteY4" fmla="*/ 10157 h 10157"/>
+                  <a:gd name="connsiteX0" fmla="*/ 0 w 12310"/>
+                  <a:gd name="connsiteY0" fmla="*/ 10157 h 10157"/>
+                  <a:gd name="connsiteX1" fmla="*/ 4942 w 12310"/>
+                  <a:gd name="connsiteY1" fmla="*/ 0 h 10157"/>
+                  <a:gd name="connsiteX2" fmla="*/ 12310 w 12310"/>
+                  <a:gd name="connsiteY2" fmla="*/ 314 h 10157"/>
+                  <a:gd name="connsiteX3" fmla="*/ 8000 w 12310"/>
+                  <a:gd name="connsiteY3" fmla="*/ 10157 h 10157"/>
+                  <a:gd name="connsiteX4" fmla="*/ 0 w 12310"/>
+                  <a:gd name="connsiteY4" fmla="*/ 10157 h 10157"/>
+                  <a:gd name="connsiteX0" fmla="*/ 0 w 12940"/>
+                  <a:gd name="connsiteY0" fmla="*/ 10157 h 10157"/>
+                  <a:gd name="connsiteX1" fmla="*/ 4942 w 12940"/>
+                  <a:gd name="connsiteY1" fmla="*/ 0 h 10157"/>
+                  <a:gd name="connsiteX2" fmla="*/ 12940 w 12940"/>
+                  <a:gd name="connsiteY2" fmla="*/ 314 h 10157"/>
+                  <a:gd name="connsiteX3" fmla="*/ 8000 w 12940"/>
+                  <a:gd name="connsiteY3" fmla="*/ 10157 h 10157"/>
+                  <a:gd name="connsiteX4" fmla="*/ 0 w 12940"/>
+                  <a:gd name="connsiteY4" fmla="*/ 10157 h 10157"/>
+                  <a:gd name="connsiteX0" fmla="*/ 0 w 13152"/>
+                  <a:gd name="connsiteY0" fmla="*/ 10213 h 10213"/>
+                  <a:gd name="connsiteX1" fmla="*/ 4942 w 13152"/>
+                  <a:gd name="connsiteY1" fmla="*/ 56 h 10213"/>
+                  <a:gd name="connsiteX2" fmla="*/ 13152 w 13152"/>
+                  <a:gd name="connsiteY2" fmla="*/ 0 h 10213"/>
+                  <a:gd name="connsiteX3" fmla="*/ 8000 w 13152"/>
+                  <a:gd name="connsiteY3" fmla="*/ 10213 h 10213"/>
+                  <a:gd name="connsiteX4" fmla="*/ 0 w 13152"/>
+                  <a:gd name="connsiteY4" fmla="*/ 10213 h 10213"/>
+                  <a:gd name="connsiteX0" fmla="*/ 0 w 13176"/>
+                  <a:gd name="connsiteY0" fmla="*/ 10157 h 10157"/>
+                  <a:gd name="connsiteX1" fmla="*/ 4942 w 13176"/>
+                  <a:gd name="connsiteY1" fmla="*/ 0 h 10157"/>
+                  <a:gd name="connsiteX2" fmla="*/ 13176 w 13176"/>
+                  <a:gd name="connsiteY2" fmla="*/ 14 h 10157"/>
+                  <a:gd name="connsiteX3" fmla="*/ 8000 w 13176"/>
+                  <a:gd name="connsiteY3" fmla="*/ 10157 h 10157"/>
+                  <a:gd name="connsiteX4" fmla="*/ 0 w 13176"/>
+                  <a:gd name="connsiteY4" fmla="*/ 10157 h 10157"/>
+                </a:gdLst>
+                <a:ahLst/>
+                <a:cxnLst>
+                  <a:cxn ang="0">
+                    <a:pos x="connsiteX0" y="connsiteY0"/>
+                  </a:cxn>
+                  <a:cxn ang="0">
+                    <a:pos x="connsiteX1" y="connsiteY1"/>
+                  </a:cxn>
+                  <a:cxn ang="0">
+                    <a:pos x="connsiteX2" y="connsiteY2"/>
+                  </a:cxn>
+                  <a:cxn ang="0">
+                    <a:pos x="connsiteX3" y="connsiteY3"/>
+                  </a:cxn>
+                  <a:cxn ang="0">
+                    <a:pos x="connsiteX4" y="connsiteY4"/>
+                  </a:cxn>
+                </a:cxnLst>
+                <a:rect l="l" t="t" r="r" b="b"/>
+                <a:pathLst>
+                  <a:path w="13176" h="10157">
+                    <a:moveTo>
+                      <a:pt x="0" y="10157"/>
+                    </a:moveTo>
+                    <a:lnTo>
+                      <a:pt x="4942" y="0"/>
+                    </a:lnTo>
+                    <a:lnTo>
+                      <a:pt x="13176" y="14"/>
+                    </a:lnTo>
+                    <a:lnTo>
+                      <a:pt x="8000" y="10157"/>
+                    </a:lnTo>
+                    <a:lnTo>
+                      <a:pt x="0" y="10157"/>
+                    </a:lnTo>
+                    <a:close/>
+                  </a:path>
+                </a:pathLst>
+              </a:custGeom>
+              <a:ln/>
+            </p:spPr>
+            <p:style>
+              <a:lnRef idx="2">
+                <a:srgbClr val="000000"/>
+              </a:lnRef>
+              <a:fillRef idx="1">
+                <a:srgbClr val="FFFFFF"/>
+              </a:fillRef>
+              <a:effectRef idx="0">
+                <a:srgbClr val="000000"/>
+              </a:effectRef>
+              <a:fontRef idx="minor">
+                <a:srgbClr val="000000"/>
+              </a:fontRef>
+            </p:style>
+            <p:txBody>
+              <a:bodyPr rtlCol="0" anchor="ctr"/>
+              <a:lstStyle/>
+              <a:p>
+                <a:pPr algn="ctr"/>
+                <a:endParaRPr lang="en-US" dirty="0">
+                  <a:solidFill>
+                    <a:srgbClr val="000000"/>
+                  </a:solidFill>
+                </a:endParaRPr>
+              </a:p>
+            </p:txBody>
+          </p:sp>
+          <p:sp>
+            <p:nvSpPr>
+              <p:cNvPr id="16" name="Freeform 8"/>
+              <p:cNvSpPr/>
+              <p:nvPr/>
+            </p:nvSpPr>
+            <p:spPr>
+              <a:xfrm rot="4053129">
+                <a:off x="5184773" y="-36322"/>
+                <a:ext cx="1294061" cy="2347716"/>
+              </a:xfrm>
+              <a:custGeom>
+                <a:avLst/>
+                <a:gdLst>
+                  <a:gd name="connsiteX0" fmla="*/ 106586 w 131404"/>
+                  <a:gd name="connsiteY0" fmla="*/ 0 h 275720"/>
+                  <a:gd name="connsiteX1" fmla="*/ 129025 w 131404"/>
+                  <a:gd name="connsiteY1" fmla="*/ 56098 h 275720"/>
+                  <a:gd name="connsiteX2" fmla="*/ 56098 w 131404"/>
+                  <a:gd name="connsiteY2" fmla="*/ 246832 h 275720"/>
+                  <a:gd name="connsiteX3" fmla="*/ 0 w 131404"/>
+                  <a:gd name="connsiteY3" fmla="*/ 274881 h 275720"/>
+                  <a:gd name="connsiteX0" fmla="*/ 106586 w 133956"/>
+                  <a:gd name="connsiteY0" fmla="*/ 0 h 276063"/>
+                  <a:gd name="connsiteX1" fmla="*/ 131829 w 133956"/>
+                  <a:gd name="connsiteY1" fmla="*/ 46708 h 276063"/>
+                  <a:gd name="connsiteX2" fmla="*/ 56098 w 133956"/>
+                  <a:gd name="connsiteY2" fmla="*/ 246832 h 276063"/>
+                  <a:gd name="connsiteX3" fmla="*/ 0 w 133956"/>
+                  <a:gd name="connsiteY3" fmla="*/ 274881 h 276063"/>
+                  <a:gd name="connsiteX0" fmla="*/ 106586 w 134652"/>
+                  <a:gd name="connsiteY0" fmla="*/ 0 h 276063"/>
+                  <a:gd name="connsiteX1" fmla="*/ 131829 w 134652"/>
+                  <a:gd name="connsiteY1" fmla="*/ 46708 h 276063"/>
+                  <a:gd name="connsiteX2" fmla="*/ 56098 w 134652"/>
+                  <a:gd name="connsiteY2" fmla="*/ 246832 h 276063"/>
+                  <a:gd name="connsiteX3" fmla="*/ 0 w 134652"/>
+                  <a:gd name="connsiteY3" fmla="*/ 274881 h 276063"/>
+                  <a:gd name="connsiteX0" fmla="*/ 106586 w 134652"/>
+                  <a:gd name="connsiteY0" fmla="*/ 0 h 275877"/>
+                  <a:gd name="connsiteX1" fmla="*/ 131829 w 134652"/>
+                  <a:gd name="connsiteY1" fmla="*/ 46708 h 275877"/>
+                  <a:gd name="connsiteX2" fmla="*/ 56098 w 134652"/>
+                  <a:gd name="connsiteY2" fmla="*/ 246832 h 275877"/>
+                  <a:gd name="connsiteX3" fmla="*/ 0 w 134652"/>
+                  <a:gd name="connsiteY3" fmla="*/ 274881 h 275877"/>
+                </a:gdLst>
+                <a:ahLst/>
+                <a:cxnLst>
+                  <a:cxn ang="0">
+                    <a:pos x="connsiteX0" y="connsiteY0"/>
+                  </a:cxn>
+                  <a:cxn ang="0">
+                    <a:pos x="connsiteX1" y="connsiteY1"/>
+                  </a:cxn>
+                  <a:cxn ang="0">
+                    <a:pos x="connsiteX2" y="connsiteY2"/>
+                  </a:cxn>
+                  <a:cxn ang="0">
+                    <a:pos x="connsiteX3" y="connsiteY3"/>
+                  </a:cxn>
+                </a:cxnLst>
+                <a:rect l="l" t="t" r="r" b="b"/>
+                <a:pathLst>
+                  <a:path w="134652" h="275877">
+                    <a:moveTo>
+                      <a:pt x="106586" y="0"/>
+                    </a:moveTo>
+                    <a:cubicBezTo>
+                      <a:pt x="122013" y="7479"/>
+                      <a:pt x="142144" y="10735"/>
+                      <a:pt x="131829" y="46708"/>
+                    </a:cubicBezTo>
+                    <a:cubicBezTo>
+                      <a:pt x="121514" y="82681"/>
+                      <a:pt x="75243" y="209624"/>
+                      <a:pt x="56098" y="246832"/>
+                    </a:cubicBezTo>
+                    <a:cubicBezTo>
+                      <a:pt x="36953" y="284040"/>
+                      <a:pt x="0" y="274881"/>
+                      <a:pt x="0" y="274881"/>
+                    </a:cubicBezTo>
+                  </a:path>
+                </a:pathLst>
+              </a:custGeom>
+              <a:ln>
+                <a:solidFill>
+                  <a:schemeClr val="tx1"/>
+                </a:solidFill>
+              </a:ln>
+            </p:spPr>
+            <p:style>
+              <a:lnRef idx="1">
+                <a:srgbClr val="4F81BD"/>
+              </a:lnRef>
+              <a:fillRef idx="0">
+                <a:srgbClr val="4F81BD"/>
+              </a:fillRef>
+              <a:effectRef idx="0">
+                <a:srgbClr val="4F81BD"/>
+              </a:effectRef>
+              <a:fontRef idx="minor">
+                <a:schemeClr val="tx1"/>
+              </a:fontRef>
+            </p:style>
+            <p:txBody>
+              <a:bodyPr rtlCol="0" anchor="ctr"/>
+              <a:lstStyle/>
+              <a:p>
+                <a:pPr algn="ctr"/>
+                <a:endParaRPr lang="en-US"/>
+              </a:p>
+            </p:txBody>
+          </p:sp>
+          <p:sp>
+            <p:nvSpPr>
+              <p:cNvPr id="17" name="Freeform 9"/>
+              <p:cNvSpPr/>
+              <p:nvPr/>
+            </p:nvSpPr>
+            <p:spPr>
+              <a:xfrm rot="4053129">
+                <a:off x="3637827" y="4224274"/>
+                <a:ext cx="1258748" cy="2448051"/>
+              </a:xfrm>
+              <a:custGeom>
+                <a:avLst/>
+                <a:gdLst>
+                  <a:gd name="connsiteX0" fmla="*/ 106586 w 131404"/>
+                  <a:gd name="connsiteY0" fmla="*/ 0 h 275720"/>
+                  <a:gd name="connsiteX1" fmla="*/ 129025 w 131404"/>
+                  <a:gd name="connsiteY1" fmla="*/ 56098 h 275720"/>
+                  <a:gd name="connsiteX2" fmla="*/ 56098 w 131404"/>
+                  <a:gd name="connsiteY2" fmla="*/ 246832 h 275720"/>
+                  <a:gd name="connsiteX3" fmla="*/ 0 w 131404"/>
+                  <a:gd name="connsiteY3" fmla="*/ 274881 h 275720"/>
+                  <a:gd name="connsiteX0" fmla="*/ 106586 w 133956"/>
+                  <a:gd name="connsiteY0" fmla="*/ 0 h 276063"/>
+                  <a:gd name="connsiteX1" fmla="*/ 131829 w 133956"/>
+                  <a:gd name="connsiteY1" fmla="*/ 46708 h 276063"/>
+                  <a:gd name="connsiteX2" fmla="*/ 56098 w 133956"/>
+                  <a:gd name="connsiteY2" fmla="*/ 246832 h 276063"/>
+                  <a:gd name="connsiteX3" fmla="*/ 0 w 133956"/>
+                  <a:gd name="connsiteY3" fmla="*/ 274881 h 276063"/>
+                  <a:gd name="connsiteX0" fmla="*/ 106586 w 134652"/>
+                  <a:gd name="connsiteY0" fmla="*/ 0 h 276063"/>
+                  <a:gd name="connsiteX1" fmla="*/ 131829 w 134652"/>
+                  <a:gd name="connsiteY1" fmla="*/ 46708 h 276063"/>
+                  <a:gd name="connsiteX2" fmla="*/ 56098 w 134652"/>
+                  <a:gd name="connsiteY2" fmla="*/ 246832 h 276063"/>
+                  <a:gd name="connsiteX3" fmla="*/ 0 w 134652"/>
+                  <a:gd name="connsiteY3" fmla="*/ 274881 h 276063"/>
+                  <a:gd name="connsiteX0" fmla="*/ 106586 w 134652"/>
+                  <a:gd name="connsiteY0" fmla="*/ 0 h 275877"/>
+                  <a:gd name="connsiteX1" fmla="*/ 131829 w 134652"/>
+                  <a:gd name="connsiteY1" fmla="*/ 46708 h 275877"/>
+                  <a:gd name="connsiteX2" fmla="*/ 56098 w 134652"/>
+                  <a:gd name="connsiteY2" fmla="*/ 246832 h 275877"/>
+                  <a:gd name="connsiteX3" fmla="*/ 0 w 134652"/>
+                  <a:gd name="connsiteY3" fmla="*/ 274881 h 275877"/>
+                  <a:gd name="connsiteX0" fmla="*/ 104757 w 133713"/>
+                  <a:gd name="connsiteY0" fmla="*/ 0 h 288142"/>
+                  <a:gd name="connsiteX1" fmla="*/ 131829 w 133713"/>
+                  <a:gd name="connsiteY1" fmla="*/ 58973 h 288142"/>
+                  <a:gd name="connsiteX2" fmla="*/ 56098 w 133713"/>
+                  <a:gd name="connsiteY2" fmla="*/ 259097 h 288142"/>
+                  <a:gd name="connsiteX3" fmla="*/ 0 w 133713"/>
+                  <a:gd name="connsiteY3" fmla="*/ 287146 h 288142"/>
+                  <a:gd name="connsiteX0" fmla="*/ 104757 w 133649"/>
+                  <a:gd name="connsiteY0" fmla="*/ 0 h 288142"/>
+                  <a:gd name="connsiteX1" fmla="*/ 131829 w 133649"/>
+                  <a:gd name="connsiteY1" fmla="*/ 58973 h 288142"/>
+                  <a:gd name="connsiteX2" fmla="*/ 56098 w 133649"/>
+                  <a:gd name="connsiteY2" fmla="*/ 259097 h 288142"/>
+                  <a:gd name="connsiteX3" fmla="*/ 0 w 133649"/>
+                  <a:gd name="connsiteY3" fmla="*/ 287146 h 288142"/>
+                  <a:gd name="connsiteX0" fmla="*/ 104757 w 130312"/>
+                  <a:gd name="connsiteY0" fmla="*/ 0 h 287856"/>
+                  <a:gd name="connsiteX1" fmla="*/ 128227 w 130312"/>
+                  <a:gd name="connsiteY1" fmla="*/ 72271 h 287856"/>
+                  <a:gd name="connsiteX2" fmla="*/ 56098 w 130312"/>
+                  <a:gd name="connsiteY2" fmla="*/ 259097 h 287856"/>
+                  <a:gd name="connsiteX3" fmla="*/ 0 w 130312"/>
+                  <a:gd name="connsiteY3" fmla="*/ 287146 h 287856"/>
+                  <a:gd name="connsiteX0" fmla="*/ 104757 w 130269"/>
+                  <a:gd name="connsiteY0" fmla="*/ 0 h 287856"/>
+                  <a:gd name="connsiteX1" fmla="*/ 128227 w 130269"/>
+                  <a:gd name="connsiteY1" fmla="*/ 72271 h 287856"/>
+                  <a:gd name="connsiteX2" fmla="*/ 56098 w 130269"/>
+                  <a:gd name="connsiteY2" fmla="*/ 259097 h 287856"/>
+                  <a:gd name="connsiteX3" fmla="*/ 0 w 130269"/>
+                  <a:gd name="connsiteY3" fmla="*/ 287146 h 287856"/>
+                  <a:gd name="connsiteX0" fmla="*/ 104757 w 130950"/>
+                  <a:gd name="connsiteY0" fmla="*/ 0 h 288163"/>
+                  <a:gd name="connsiteX1" fmla="*/ 128967 w 130950"/>
+                  <a:gd name="connsiteY1" fmla="*/ 63344 h 288163"/>
+                  <a:gd name="connsiteX2" fmla="*/ 56098 w 130950"/>
+                  <a:gd name="connsiteY2" fmla="*/ 259097 h 288163"/>
+                  <a:gd name="connsiteX3" fmla="*/ 0 w 130950"/>
+                  <a:gd name="connsiteY3" fmla="*/ 287146 h 288163"/>
+                  <a:gd name="connsiteX0" fmla="*/ 104757 w 131979"/>
+                  <a:gd name="connsiteY0" fmla="*/ 0 h 288163"/>
+                  <a:gd name="connsiteX1" fmla="*/ 128967 w 131979"/>
+                  <a:gd name="connsiteY1" fmla="*/ 63344 h 288163"/>
+                  <a:gd name="connsiteX2" fmla="*/ 56098 w 131979"/>
+                  <a:gd name="connsiteY2" fmla="*/ 259097 h 288163"/>
+                  <a:gd name="connsiteX3" fmla="*/ 0 w 131979"/>
+                  <a:gd name="connsiteY3" fmla="*/ 287146 h 288163"/>
+                </a:gdLst>
+                <a:ahLst/>
+                <a:cxnLst>
+                  <a:cxn ang="0">
+                    <a:pos x="connsiteX0" y="connsiteY0"/>
+                  </a:cxn>
+                  <a:cxn ang="0">
+                    <a:pos x="connsiteX1" y="connsiteY1"/>
+                  </a:cxn>
+                  <a:cxn ang="0">
+                    <a:pos x="connsiteX2" y="connsiteY2"/>
+                  </a:cxn>
+                  <a:cxn ang="0">
+                    <a:pos x="connsiteX3" y="connsiteY3"/>
+                  </a:cxn>
+                </a:cxnLst>
+                <a:rect l="l" t="t" r="r" b="b"/>
+                <a:pathLst>
+                  <a:path w="131979" h="288163">
+                    <a:moveTo>
+                      <a:pt x="104757" y="0"/>
+                    </a:moveTo>
+                    <a:cubicBezTo>
+                      <a:pt x="119163" y="11995"/>
+                      <a:pt x="139762" y="33538"/>
+                      <a:pt x="128967" y="63344"/>
+                    </a:cubicBezTo>
+                    <a:cubicBezTo>
+                      <a:pt x="118172" y="93150"/>
+                      <a:pt x="77593" y="221797"/>
+                      <a:pt x="56098" y="259097"/>
+                    </a:cubicBezTo>
+                    <a:cubicBezTo>
+                      <a:pt x="34604" y="296397"/>
+                      <a:pt x="0" y="287146"/>
+                      <a:pt x="0" y="287146"/>
+                    </a:cubicBezTo>
+                  </a:path>
+                </a:pathLst>
+              </a:custGeom>
+              <a:solidFill>
+                <a:schemeClr val="bg1"/>
+              </a:solidFill>
+              <a:ln w="28575">
+                <a:solidFill>
+                  <a:schemeClr val="tx1"/>
+                </a:solidFill>
+              </a:ln>
+            </p:spPr>
+            <p:style>
+              <a:lnRef idx="1">
+                <a:srgbClr val="4F81BD"/>
+              </a:lnRef>
+              <a:fillRef idx="0">
+                <a:srgbClr val="4F81BD"/>
+              </a:fillRef>
+              <a:effectRef idx="0">
+                <a:srgbClr val="4F81BD"/>
+              </a:effectRef>
+              <a:fontRef idx="minor">
+                <a:schemeClr val="tx1"/>
+              </a:fontRef>
+            </p:style>
+            <p:txBody>
+              <a:bodyPr rtlCol="0" anchor="ctr"/>
+              <a:lstStyle/>
+              <a:p>
+                <a:pPr algn="ctr"/>
+                <a:endParaRPr lang="en-US"/>
+              </a:p>
+            </p:txBody>
+          </p:sp>
+        </p:grpSp>
+      </p:grpSp>
+      <p:pic>
+        <p:nvPicPr>
+          <p:cNvPr id="26" name="Picture 25"/>
+          <p:cNvPicPr>
+            <a:picLocks noChangeAspect="1"/>
+          </p:cNvPicPr>
+          <p:nvPr/>
+        </p:nvPicPr>
+        <p:blipFill>
+          <a:blip r:embed="rId4"/>
+          <a:stretch>
+            <a:fillRect/>
+          </a:stretch>
+        </p:blipFill>
+        <p:spPr>
+          <a:xfrm>
+            <a:off x="7387823" y="2113680"/>
+            <a:ext cx="2847975" cy="2705100"/>
+          </a:xfrm>
+          <a:prstGeom prst="rect">
+            <a:avLst/>
+          </a:prstGeom>
+        </p:spPr>
+      </p:pic>
+    </p:spTree>
+    <p:extLst>
+      <p:ext uri="{BB962C8B-B14F-4D97-AF65-F5344CB8AC3E}">
+        <p14:creationId xmlns:p14="http://schemas.microsoft.com/office/powerpoint/2010/main" val="3927727136"/>
+      </p:ext>
+    </p:extLst>
+  </p:cSld>
+  <p:clrMapOvr>
+    <a:masterClrMapping/>
+  </p:clrMapOvr>
+</p:sld>
+</file>
+
+<file path=ppt/slides/slide3.xml><?xml version="1.0" encoding="utf-8"?>
+<p:sld xmlns:a="http://schemas.openxmlformats.org/drawingml/2006/main" xmlns:r="http://schemas.openxmlformats.org/officeDocument/2006/relationships" xmlns:p="http://schemas.openxmlformats.org/presentationml/2006/main">
+  <p:cSld>
+    <p:spTree>
+      <p:nvGrpSpPr>
+        <p:cNvPr id="1" name=""/>
+        <p:cNvGrpSpPr/>
+        <p:nvPr/>
+      </p:nvGrpSpPr>
+      <p:grpSpPr>
+        <a:xfrm>
+          <a:off x="0" y="0"/>
+          <a:ext cx="0" cy="0"/>
+          <a:chOff x="0" y="0"/>
+          <a:chExt cx="0" cy="0"/>
+        </a:xfrm>
+      </p:grpSpPr>
+      <p:pic>
+        <p:nvPicPr>
+          <p:cNvPr id="4" name="Picture 3"/>
+          <p:cNvPicPr>
+            <a:picLocks noChangeAspect="1"/>
+          </p:cNvPicPr>
+          <p:nvPr/>
+        </p:nvPicPr>
+        <p:blipFill>
+          <a:blip r:embed="rId2"/>
+          <a:stretch>
+            <a:fillRect/>
+          </a:stretch>
+        </p:blipFill>
+        <p:spPr>
+          <a:xfrm>
+            <a:off x="1681715" y="762202"/>
+            <a:ext cx="8558184" cy="5317585"/>
+          </a:xfrm>
+          <a:prstGeom prst="rect">
+            <a:avLst/>
+          </a:prstGeom>
+          <a:solidFill>
+            <a:srgbClr val="FFFFFF">
+              <a:shade val="85000"/>
+            </a:srgbClr>
+          </a:solidFill>
+          <a:ln w="88900" cap="sq">
+            <a:solidFill>
+              <a:srgbClr val="FFFFFF"/>
+            </a:solidFill>
+            <a:miter lim="800000"/>
+          </a:ln>
+          <a:effectLst>
+            <a:outerShdw blurRad="55000" dist="18000" dir="5400000" algn="tl" rotWithShape="0">
+              <a:srgbClr val="000000">
+                <a:alpha val="40000"/>
+              </a:srgbClr>
+            </a:outerShdw>
+          </a:effectLst>
+          <a:scene3d>
+            <a:camera prst="orthographicFront"/>
+            <a:lightRig rig="twoPt" dir="t">
+              <a:rot lat="0" lon="0" rev="7200000"/>
+            </a:lightRig>
+          </a:scene3d>
+          <a:sp3d>
+            <a:bevelT w="25400" h="19050"/>
+            <a:contourClr>
+              <a:srgbClr val="FFFFFF"/>
+            </a:contourClr>
+          </a:sp3d>
+        </p:spPr>
+      </p:pic>
+    </p:spTree>
+    <p:extLst>
+      <p:ext uri="{BB962C8B-B14F-4D97-AF65-F5344CB8AC3E}">
+        <p14:creationId xmlns:p14="http://schemas.microsoft.com/office/powerpoint/2010/main" val="1183135930"/>
+      </p:ext>
+    </p:extLst>
+  </p:cSld>
+  <p:clrMapOvr>
+    <a:masterClrMapping/>
+  </p:clrMapOvr>
+</p:sld>
+</file>
+
+<file path=ppt/slides/slide4.xml><?xml version="1.0" encoding="utf-8"?>
+<p:sld xmlns:a="http://schemas.openxmlformats.org/drawingml/2006/main" xmlns:r="http://schemas.openxmlformats.org/officeDocument/2006/relationships" xmlns:p="http://schemas.openxmlformats.org/presentationml/2006/main">
+  <p:cSld>
+    <p:spTree>
+      <p:nvGrpSpPr>
+        <p:cNvPr id="1" name=""/>
+        <p:cNvGrpSpPr/>
+        <p:nvPr/>
+      </p:nvGrpSpPr>
+      <p:grpSpPr>
+        <a:xfrm>
+          <a:off x="0" y="0"/>
+          <a:ext cx="0" cy="0"/>
+          <a:chOff x="0" y="0"/>
+          <a:chExt cx="0" cy="0"/>
+        </a:xfrm>
+      </p:grpSpPr>
+      <p:sp>
+        <p:nvSpPr>
+          <p:cNvPr id="2" name="Title 1"/>
+          <p:cNvSpPr>
+            <a:spLocks noGrp="1"/>
+          </p:cNvSpPr>
+          <p:nvPr>
+            <p:ph type="title"/>
+          </p:nvPr>
+        </p:nvSpPr>
+        <p:spPr/>
+        <p:txBody>
+          <a:bodyPr/>
+          <a:lstStyle/>
+          <a:p>
+            <a:endParaRPr lang="cs-CZ"/>
+          </a:p>
+        </p:txBody>
+      </p:sp>
+      <p:sp>
+        <p:nvSpPr>
+          <p:cNvPr id="3" name="Content Placeholder 2"/>
+          <p:cNvSpPr>
+            <a:spLocks noGrp="1"/>
+          </p:cNvSpPr>
+          <p:nvPr>
+            <p:ph idx="1"/>
+          </p:nvPr>
+        </p:nvSpPr>
+        <p:spPr/>
+        <p:txBody>
+          <a:bodyPr/>
+          <a:lstStyle/>
+          <a:p>
+            <a:endParaRPr lang="cs-CZ"/>
+          </a:p>
+        </p:txBody>
+      </p:sp>
+      <p:pic>
+        <p:nvPicPr>
+          <p:cNvPr id="4" name="Picture 3"/>
+          <p:cNvPicPr>
+            <a:picLocks noChangeAspect="1"/>
+          </p:cNvPicPr>
+          <p:nvPr/>
+        </p:nvPicPr>
+        <p:blipFill>
+          <a:blip r:embed="rId2"/>
+          <a:stretch>
+            <a:fillRect/>
+          </a:stretch>
+        </p:blipFill>
+        <p:spPr>
+          <a:xfrm>
+            <a:off x="2522647" y="2475367"/>
+            <a:ext cx="2042262" cy="1371419"/>
+          </a:xfrm>
+          <a:prstGeom prst="rect">
+            <a:avLst/>
+          </a:prstGeom>
+        </p:spPr>
+      </p:pic>
+    </p:spTree>
+    <p:extLst>
+      <p:ext uri="{BB962C8B-B14F-4D97-AF65-F5344CB8AC3E}">
+        <p14:creationId xmlns:p14="http://schemas.microsoft.com/office/powerpoint/2010/main" val="1045275264"/>
       </p:ext>
     </p:extLst>
   </p:cSld>
@@ -4739,29 +6376,27 @@
 
 <file path=customXml/item5.xml><?xml version="1.0" encoding="utf-8"?>
 <Control xmlns="http://schemas.microsoft.com/VisualStudio/2011/storyboarding/control">
-  <Id Name="System.Storyboarding.Icons.User" Revision="1" Stencil="System.Storyboarding.Icons" StencilVersion="0.1"/>
-</Control>
-</file>
-
-<file path=customXml/item6.xml><?xml version="1.0" encoding="utf-8"?>
-<Control xmlns="http://schemas.microsoft.com/VisualStudio/2011/storyboarding/control">
-  <Id Name="System.Storyboarding.Icons.User" Revision="1" Stencil="System.Storyboarding.Icons" StencilVersion="0.1"/>
-</Control>
-</file>
-
-<file path=customXml/item7.xml><?xml version="1.0" encoding="utf-8"?>
-<Control xmlns="http://schemas.microsoft.com/VisualStudio/2011/storyboarding/control">
-  <Id Name="System.Storyboarding.Icons.User" Revision="1" Stencil="System.Storyboarding.Icons" StencilVersion="0.1"/>
-</Control>
-</file>
-
-<file path=customXml/item8.xml><?xml version="1.0" encoding="utf-8"?>
-<Control xmlns="http://schemas.microsoft.com/VisualStudio/2011/storyboarding/control">
-  <Id Name="System.Storyboarding.Icons.User" Revision="1" Stencil="System.Storyboarding.Icons" StencilVersion="0.1"/>
+  <Id Name="StorytellingMaxOnPhoneAndTV.SurprisedMobile" Revision="1" Stencil="StorytellingMaxOnPhoneAndTV" StencilVersion="1.0"/>
 </Control>
 </file>
 
 <file path=customXml/itemProps1.xml><?xml version="1.0" encoding="utf-8"?>
+<ds:datastoreItem xmlns:ds="http://schemas.openxmlformats.org/officeDocument/2006/customXml" ds:itemID="{78EE54C1-5480-45BB-AD3E-0474A7E117EA}">
+  <ds:schemaRefs>
+    <ds:schemaRef ds:uri="http://schemas.microsoft.com/VisualStudio/2011/storyboarding/control"/>
+  </ds:schemaRefs>
+</ds:datastoreItem>
+</file>
+
+<file path=customXml/itemProps2.xml><?xml version="1.0" encoding="utf-8"?>
+<ds:datastoreItem xmlns:ds="http://schemas.openxmlformats.org/officeDocument/2006/customXml" ds:itemID="{C13F3875-43C2-497C-8943-65416C5EF68D}">
+  <ds:schemaRefs>
+    <ds:schemaRef ds:uri="http://schemas.microsoft.com/VisualStudio/2011/storyboarding/control"/>
+  </ds:schemaRefs>
+</ds:datastoreItem>
+</file>
+
+<file path=customXml/itemProps3.xml><?xml version="1.0" encoding="utf-8"?>
 <ds:datastoreItem xmlns:ds="http://schemas.openxmlformats.org/officeDocument/2006/customXml" ds:itemID="{1F061032-FDE2-4AAF-9397-A9CD4375AAE6}">
   <ds:schemaRefs>
     <ds:schemaRef ds:uri="http://schemas.microsoft.com/VisualStudio/2011/storyboarding/control"/>
@@ -4769,7 +6404,7 @@
 </ds:datastoreItem>
 </file>
 
-<file path=customXml/itemProps2.xml><?xml version="1.0" encoding="utf-8"?>
+<file path=customXml/itemProps4.xml><?xml version="1.0" encoding="utf-8"?>
 <ds:datastoreItem xmlns:ds="http://schemas.openxmlformats.org/officeDocument/2006/customXml" ds:itemID="{D2F1BA3C-906F-464E-81A7-984EEEA63857}">
   <ds:schemaRefs>
     <ds:schemaRef ds:uri="http://schemas.microsoft.com/VisualStudio/2011/storyboarding/control"/>
@@ -4777,48 +6412,8 @@
 </ds:datastoreItem>
 </file>
 
-<file path=customXml/itemProps3.xml><?xml version="1.0" encoding="utf-8"?>
-<ds:datastoreItem xmlns:ds="http://schemas.openxmlformats.org/officeDocument/2006/customXml" ds:itemID="{78EE54C1-5480-45BB-AD3E-0474A7E117EA}">
-  <ds:schemaRefs>
-    <ds:schemaRef ds:uri="http://schemas.microsoft.com/VisualStudio/2011/storyboarding/control"/>
-  </ds:schemaRefs>
-</ds:datastoreItem>
-</file>
-
-<file path=customXml/itemProps4.xml><?xml version="1.0" encoding="utf-8"?>
-<ds:datastoreItem xmlns:ds="http://schemas.openxmlformats.org/officeDocument/2006/customXml" ds:itemID="{C13F3875-43C2-497C-8943-65416C5EF68D}">
-  <ds:schemaRefs>
-    <ds:schemaRef ds:uri="http://schemas.microsoft.com/VisualStudio/2011/storyboarding/control"/>
-  </ds:schemaRefs>
-</ds:datastoreItem>
-</file>
-
 <file path=customXml/itemProps5.xml><?xml version="1.0" encoding="utf-8"?>
-<ds:datastoreItem xmlns:ds="http://schemas.openxmlformats.org/officeDocument/2006/customXml" ds:itemID="{5320F610-24E0-4BE8-BD48-0844CC17C132}">
-  <ds:schemaRefs>
-    <ds:schemaRef ds:uri="http://schemas.microsoft.com/VisualStudio/2011/storyboarding/control"/>
-  </ds:schemaRefs>
-</ds:datastoreItem>
-</file>
-
-<file path=customXml/itemProps6.xml><?xml version="1.0" encoding="utf-8"?>
-<ds:datastoreItem xmlns:ds="http://schemas.openxmlformats.org/officeDocument/2006/customXml" ds:itemID="{98FE8B6A-5661-4CFD-B660-01EE569D0A1C}">
-  <ds:schemaRefs>
-    <ds:schemaRef ds:uri="http://schemas.microsoft.com/VisualStudio/2011/storyboarding/control"/>
-  </ds:schemaRefs>
-</ds:datastoreItem>
-</file>
-
-<file path=customXml/itemProps7.xml><?xml version="1.0" encoding="utf-8"?>
-<ds:datastoreItem xmlns:ds="http://schemas.openxmlformats.org/officeDocument/2006/customXml" ds:itemID="{9FBDA9D4-9A9D-41A4-9A31-5FF343182502}">
-  <ds:schemaRefs>
-    <ds:schemaRef ds:uri="http://schemas.microsoft.com/VisualStudio/2011/storyboarding/control"/>
-  </ds:schemaRefs>
-</ds:datastoreItem>
-</file>
-
-<file path=customXml/itemProps8.xml><?xml version="1.0" encoding="utf-8"?>
-<ds:datastoreItem xmlns:ds="http://schemas.openxmlformats.org/officeDocument/2006/customXml" ds:itemID="{0EB0839D-5ABE-458E-A74E-5C62B122DBBD}">
+<ds:datastoreItem xmlns:ds="http://schemas.openxmlformats.org/officeDocument/2006/customXml" ds:itemID="{B3AC44BB-988B-4B43-8E51-A76DDAF2B42C}">
   <ds:schemaRefs>
     <ds:schemaRef ds:uri="http://schemas.microsoft.com/VisualStudio/2011/storyboarding/control"/>
   </ds:schemaRefs>

--- a/Documentation/GuideVisitBandBot_SmartOffice.pptx
+++ b/Documentation/GuideVisitBandBot_SmartOffice.pptx
@@ -2,13 +2,14 @@
 <file path=ppt/presentation.xml><?xml version="1.0" encoding="utf-8"?>
 <p:presentation xmlns:a="http://schemas.openxmlformats.org/drawingml/2006/main" xmlns:r="http://schemas.openxmlformats.org/officeDocument/2006/relationships" xmlns:p="http://schemas.openxmlformats.org/presentationml/2006/main" saveSubsetFonts="1">
   <p:sldMasterIdLst>
-    <p:sldMasterId id="2147483648" r:id="rId6"/>
+    <p:sldMasterId id="2147483648" r:id="rId10"/>
   </p:sldMasterIdLst>
   <p:sldIdLst>
-    <p:sldId id="256" r:id="rId7"/>
-    <p:sldId id="258" r:id="rId8"/>
-    <p:sldId id="259" r:id="rId9"/>
-    <p:sldId id="260" r:id="rId10"/>
+    <p:sldId id="256" r:id="rId11"/>
+    <p:sldId id="258" r:id="rId12"/>
+    <p:sldId id="259" r:id="rId13"/>
+    <p:sldId id="260" r:id="rId14"/>
+    <p:sldId id="261" r:id="rId15"/>
   </p:sldIdLst>
   <p:sldSz cx="12192000" cy="6858000"/>
   <p:notesSz cx="6858000" cy="9144000"/>
@@ -5980,44 +5981,6 @@
           <a:chExt cx="0" cy="0"/>
         </a:xfrm>
       </p:grpSpPr>
-      <p:sp>
-        <p:nvSpPr>
-          <p:cNvPr id="2" name="Title 1"/>
-          <p:cNvSpPr>
-            <a:spLocks noGrp="1"/>
-          </p:cNvSpPr>
-          <p:nvPr>
-            <p:ph type="title"/>
-          </p:nvPr>
-        </p:nvSpPr>
-        <p:spPr/>
-        <p:txBody>
-          <a:bodyPr/>
-          <a:lstStyle/>
-          <a:p>
-            <a:endParaRPr lang="cs-CZ"/>
-          </a:p>
-        </p:txBody>
-      </p:sp>
-      <p:sp>
-        <p:nvSpPr>
-          <p:cNvPr id="3" name="Content Placeholder 2"/>
-          <p:cNvSpPr>
-            <a:spLocks noGrp="1"/>
-          </p:cNvSpPr>
-          <p:nvPr>
-            <p:ph idx="1"/>
-          </p:nvPr>
-        </p:nvSpPr>
-        <p:spPr/>
-        <p:txBody>
-          <a:bodyPr/>
-          <a:lstStyle/>
-          <a:p>
-            <a:endParaRPr lang="cs-CZ"/>
-          </a:p>
-        </p:txBody>
-      </p:sp>
       <p:pic>
         <p:nvPicPr>
           <p:cNvPr id="4" name="Picture 3"/>
@@ -6034,8 +5997,56 @@
         </p:blipFill>
         <p:spPr>
           <a:xfrm>
-            <a:off x="2522647" y="2475367"/>
-            <a:ext cx="2042262" cy="1371419"/>
+            <a:off x="3413680" y="440376"/>
+            <a:ext cx="3106596" cy="2086140"/>
+          </a:xfrm>
+          <a:prstGeom prst="rect">
+            <a:avLst/>
+          </a:prstGeom>
+        </p:spPr>
+      </p:pic>
+      <p:pic>
+        <p:nvPicPr>
+          <p:cNvPr id="5" name="Picture 4"/>
+          <p:cNvPicPr>
+            <a:picLocks noChangeAspect="1"/>
+          </p:cNvPicPr>
+          <p:nvPr/>
+        </p:nvPicPr>
+        <p:blipFill>
+          <a:blip r:embed="rId3"/>
+          <a:stretch>
+            <a:fillRect/>
+          </a:stretch>
+        </p:blipFill>
+        <p:spPr>
+          <a:xfrm>
+            <a:off x="397095" y="440376"/>
+            <a:ext cx="2675103" cy="2086140"/>
+          </a:xfrm>
+          <a:prstGeom prst="rect">
+            <a:avLst/>
+          </a:prstGeom>
+        </p:spPr>
+      </p:pic>
+      <p:pic>
+        <p:nvPicPr>
+          <p:cNvPr id="6" name="Picture 5"/>
+          <p:cNvPicPr>
+            <a:picLocks noChangeAspect="1"/>
+          </p:cNvPicPr>
+          <p:nvPr/>
+        </p:nvPicPr>
+        <p:blipFill>
+          <a:blip r:embed="rId4"/>
+          <a:stretch>
+            <a:fillRect/>
+          </a:stretch>
+        </p:blipFill>
+        <p:spPr>
+          <a:xfrm>
+            <a:off x="7350180" y="2230929"/>
+            <a:ext cx="3675172" cy="2940981"/>
           </a:xfrm>
           <a:prstGeom prst="rect">
             <a:avLst/>
@@ -6046,6 +6057,1356 @@
     <p:extLst>
       <p:ext uri="{BB962C8B-B14F-4D97-AF65-F5344CB8AC3E}">
         <p14:creationId xmlns:p14="http://schemas.microsoft.com/office/powerpoint/2010/main" val="1045275264"/>
+      </p:ext>
+    </p:extLst>
+  </p:cSld>
+  <p:clrMapOvr>
+    <a:masterClrMapping/>
+  </p:clrMapOvr>
+</p:sld>
+</file>
+
+<file path=ppt/slides/slide5.xml><?xml version="1.0" encoding="utf-8"?>
+<p:sld xmlns:a="http://schemas.openxmlformats.org/drawingml/2006/main" xmlns:r="http://schemas.openxmlformats.org/officeDocument/2006/relationships" xmlns:p="http://schemas.openxmlformats.org/presentationml/2006/main">
+  <p:cSld>
+    <p:spTree>
+      <p:nvGrpSpPr>
+        <p:cNvPr id="1" name=""/>
+        <p:cNvGrpSpPr/>
+        <p:nvPr/>
+      </p:nvGrpSpPr>
+      <p:grpSpPr>
+        <a:xfrm>
+          <a:off x="0" y="0"/>
+          <a:ext cx="0" cy="0"/>
+          <a:chOff x="0" y="0"/>
+          <a:chExt cx="0" cy="0"/>
+        </a:xfrm>
+      </p:grpSpPr>
+      <p:sp>
+        <p:nvSpPr>
+          <p:cNvPr id="2" name="Title 1"/>
+          <p:cNvSpPr>
+            <a:spLocks noGrp="1"/>
+          </p:cNvSpPr>
+          <p:nvPr>
+            <p:ph type="title"/>
+          </p:nvPr>
+        </p:nvSpPr>
+        <p:spPr/>
+        <p:txBody>
+          <a:bodyPr/>
+          <a:lstStyle/>
+          <a:p>
+            <a:endParaRPr lang="cs-CZ"/>
+          </a:p>
+        </p:txBody>
+      </p:sp>
+      <p:pic>
+        <p:nvPicPr>
+          <p:cNvPr id="44" name="Picture 43"/>
+          <p:cNvPicPr preferRelativeResize="0">
+            <a:picLocks/>
+          </p:cNvPicPr>
+          <p:nvPr>
+            <p:custDataLst>
+              <p:custData r:id="rId1"/>
+            </p:custDataLst>
+          </p:nvPr>
+        </p:nvPicPr>
+        <p:blipFill rotWithShape="1">
+          <a:blip r:embed="rId6">
+            <a:extLst>
+              <a:ext uri="{28A0092B-C50C-407E-A947-70E740481C1C}">
+                <a14:useLocalDpi xmlns:a14="http://schemas.microsoft.com/office/drawing/2010/main" val="0"/>
+              </a:ext>
+            </a:extLst>
+          </a:blip>
+          <a:srcRect l="21974" t="22836" r="22405" b="22836"/>
+          <a:stretch/>
+        </p:blipFill>
+        <p:spPr>
+          <a:xfrm>
+            <a:off x="7712472" y="2956719"/>
+            <a:ext cx="307181" cy="300038"/>
+          </a:xfrm>
+          <a:prstGeom prst="rect">
+            <a:avLst/>
+          </a:prstGeom>
+        </p:spPr>
+      </p:pic>
+      <p:grpSp>
+        <p:nvGrpSpPr>
+          <p:cNvPr id="46" name="Group 45"/>
+          <p:cNvGrpSpPr/>
+          <p:nvPr/>
+        </p:nvGrpSpPr>
+        <p:grpSpPr>
+          <a:xfrm>
+            <a:off x="3302178" y="2662369"/>
+            <a:ext cx="485617" cy="459308"/>
+            <a:chOff x="3302179" y="2662369"/>
+            <a:chExt cx="421380" cy="510233"/>
+          </a:xfrm>
+        </p:grpSpPr>
+        <p:grpSp>
+          <p:nvGrpSpPr>
+            <p:cNvPr id="4" name="characterbox"/>
+            <p:cNvGrpSpPr>
+              <a:grpSpLocks noChangeAspect="1"/>
+            </p:cNvGrpSpPr>
+            <p:nvPr>
+              <p:custDataLst>
+                <p:custData r:id="rId2"/>
+              </p:custDataLst>
+            </p:nvPr>
+          </p:nvGrpSpPr>
+          <p:grpSpPr>
+            <a:xfrm>
+              <a:off x="3302179" y="2662369"/>
+              <a:ext cx="273360" cy="510233"/>
+              <a:chOff x="508578" y="1023766"/>
+              <a:chExt cx="880369" cy="1643234"/>
+            </a:xfrm>
+          </p:grpSpPr>
+          <p:sp>
+            <p:nvSpPr>
+              <p:cNvPr id="5" name="Freeform 166"/>
+              <p:cNvSpPr/>
+              <p:nvPr/>
+            </p:nvSpPr>
+            <p:spPr>
+              <a:xfrm>
+                <a:off x="878671" y="1881541"/>
+                <a:ext cx="470489" cy="480659"/>
+              </a:xfrm>
+              <a:custGeom>
+                <a:avLst/>
+                <a:gdLst>
+                  <a:gd name="connsiteX0" fmla="*/ 98063 w 279616"/>
+                  <a:gd name="connsiteY0" fmla="*/ 15035 h 345649"/>
+                  <a:gd name="connsiteX1" fmla="*/ 98063 w 279616"/>
+                  <a:gd name="connsiteY1" fmla="*/ 223583 h 345649"/>
+                  <a:gd name="connsiteX2" fmla="*/ 274527 w 279616"/>
+                  <a:gd name="connsiteY2" fmla="*/ 211551 h 345649"/>
+                  <a:gd name="connsiteX3" fmla="*/ 214369 w 279616"/>
+                  <a:gd name="connsiteY3" fmla="*/ 315825 h 345649"/>
+                  <a:gd name="connsiteX4" fmla="*/ 33895 w 279616"/>
+                  <a:gd name="connsiteY4" fmla="*/ 323846 h 345649"/>
+                  <a:gd name="connsiteX5" fmla="*/ 5821 w 279616"/>
+                  <a:gd name="connsiteY5" fmla="*/ 51130 h 345649"/>
+                  <a:gd name="connsiteX6" fmla="*/ 98063 w 279616"/>
+                  <a:gd name="connsiteY6" fmla="*/ 15035 h 345649"/>
+                </a:gdLst>
+                <a:ahLst/>
+                <a:cxnLst>
+                  <a:cxn ang="0">
+                    <a:pos x="connsiteX0" y="connsiteY0"/>
+                  </a:cxn>
+                  <a:cxn ang="0">
+                    <a:pos x="connsiteX1" y="connsiteY1"/>
+                  </a:cxn>
+                  <a:cxn ang="0">
+                    <a:pos x="connsiteX2" y="connsiteY2"/>
+                  </a:cxn>
+                  <a:cxn ang="0">
+                    <a:pos x="connsiteX3" y="connsiteY3"/>
+                  </a:cxn>
+                  <a:cxn ang="0">
+                    <a:pos x="connsiteX4" y="connsiteY4"/>
+                  </a:cxn>
+                  <a:cxn ang="0">
+                    <a:pos x="connsiteX5" y="connsiteY5"/>
+                  </a:cxn>
+                  <a:cxn ang="0">
+                    <a:pos x="connsiteX6" y="connsiteY6"/>
+                  </a:cxn>
+                </a:cxnLst>
+                <a:rect l="l" t="t" r="r" b="b"/>
+                <a:pathLst>
+                  <a:path w="279616" h="345649">
+                    <a:moveTo>
+                      <a:pt x="98063" y="15035"/>
+                    </a:moveTo>
+                    <a:cubicBezTo>
+                      <a:pt x="113437" y="43777"/>
+                      <a:pt x="68652" y="190830"/>
+                      <a:pt x="98063" y="223583"/>
+                    </a:cubicBezTo>
+                    <a:cubicBezTo>
+                      <a:pt x="127474" y="256336"/>
+                      <a:pt x="255143" y="196177"/>
+                      <a:pt x="274527" y="211551"/>
+                    </a:cubicBezTo>
+                    <a:cubicBezTo>
+                      <a:pt x="293911" y="226925"/>
+                      <a:pt x="254474" y="297109"/>
+                      <a:pt x="214369" y="315825"/>
+                    </a:cubicBezTo>
+                    <a:cubicBezTo>
+                      <a:pt x="174264" y="334541"/>
+                      <a:pt x="68653" y="367962"/>
+                      <a:pt x="33895" y="323846"/>
+                    </a:cubicBezTo>
+                    <a:cubicBezTo>
+                      <a:pt x="-863" y="279730"/>
+                      <a:pt x="-6211" y="103267"/>
+                      <a:pt x="5821" y="51130"/>
+                    </a:cubicBezTo>
+                    <a:cubicBezTo>
+                      <a:pt x="17853" y="-1007"/>
+                      <a:pt x="82689" y="-13707"/>
+                      <a:pt x="98063" y="15035"/>
+                    </a:cubicBezTo>
+                    <a:close/>
+                  </a:path>
+                </a:pathLst>
+              </a:custGeom>
+              <a:ln/>
+            </p:spPr>
+            <p:style>
+              <a:lnRef idx="2">
+                <a:srgbClr val="000000"/>
+              </a:lnRef>
+              <a:fillRef idx="1">
+                <a:srgbClr val="FFFFFF"/>
+              </a:fillRef>
+              <a:effectRef idx="0">
+                <a:srgbClr val="000000"/>
+              </a:effectRef>
+              <a:fontRef idx="minor">
+                <a:srgbClr val="000000"/>
+              </a:fontRef>
+            </p:style>
+            <p:txBody>
+              <a:bodyPr rtlCol="0" anchor="ctr"/>
+              <a:lstStyle/>
+              <a:p>
+                <a:pPr algn="ctr"/>
+                <a:endParaRPr lang="en-US"/>
+              </a:p>
+            </p:txBody>
+          </p:sp>
+          <p:sp>
+            <p:nvSpPr>
+              <p:cNvPr id="6" name="Freeform 171"/>
+              <p:cNvSpPr/>
+              <p:nvPr/>
+            </p:nvSpPr>
+            <p:spPr>
+              <a:xfrm>
+                <a:off x="508578" y="1815263"/>
+                <a:ext cx="543622" cy="851737"/>
+              </a:xfrm>
+              <a:custGeom>
+                <a:avLst/>
+                <a:gdLst>
+                  <a:gd name="connsiteX0" fmla="*/ 7618 w 786386"/>
+                  <a:gd name="connsiteY0" fmla="*/ 390345 h 548280"/>
+                  <a:gd name="connsiteX1" fmla="*/ 172049 w 786386"/>
+                  <a:gd name="connsiteY1" fmla="*/ 53461 h 548280"/>
+                  <a:gd name="connsiteX2" fmla="*/ 372576 w 786386"/>
+                  <a:gd name="connsiteY2" fmla="*/ 21377 h 548280"/>
+                  <a:gd name="connsiteX3" fmla="*/ 657323 w 786386"/>
+                  <a:gd name="connsiteY3" fmla="*/ 41430 h 548280"/>
+                  <a:gd name="connsiteX4" fmla="*/ 753576 w 786386"/>
+                  <a:gd name="connsiteY4" fmla="*/ 490608 h 548280"/>
+                  <a:gd name="connsiteX5" fmla="*/ 103870 w 786386"/>
+                  <a:gd name="connsiteY5" fmla="*/ 530714 h 548280"/>
+                  <a:gd name="connsiteX6" fmla="*/ 7618 w 786386"/>
+                  <a:gd name="connsiteY6" fmla="*/ 390345 h 548280"/>
+                </a:gdLst>
+                <a:ahLst/>
+                <a:cxnLst>
+                  <a:cxn ang="0">
+                    <a:pos x="connsiteX0" y="connsiteY0"/>
+                  </a:cxn>
+                  <a:cxn ang="0">
+                    <a:pos x="connsiteX1" y="connsiteY1"/>
+                  </a:cxn>
+                  <a:cxn ang="0">
+                    <a:pos x="connsiteX2" y="connsiteY2"/>
+                  </a:cxn>
+                  <a:cxn ang="0">
+                    <a:pos x="connsiteX3" y="connsiteY3"/>
+                  </a:cxn>
+                  <a:cxn ang="0">
+                    <a:pos x="connsiteX4" y="connsiteY4"/>
+                  </a:cxn>
+                  <a:cxn ang="0">
+                    <a:pos x="connsiteX5" y="connsiteY5"/>
+                  </a:cxn>
+                  <a:cxn ang="0">
+                    <a:pos x="connsiteX6" y="connsiteY6"/>
+                  </a:cxn>
+                </a:cxnLst>
+                <a:rect l="l" t="t" r="r" b="b"/>
+                <a:pathLst>
+                  <a:path w="786386" h="548280">
+                    <a:moveTo>
+                      <a:pt x="7618" y="390345"/>
+                    </a:moveTo>
+                    <a:cubicBezTo>
+                      <a:pt x="18981" y="310803"/>
+                      <a:pt x="111223" y="114956"/>
+                      <a:pt x="172049" y="53461"/>
+                    </a:cubicBezTo>
+                    <a:cubicBezTo>
+                      <a:pt x="232875" y="-8034"/>
+                      <a:pt x="291697" y="23382"/>
+                      <a:pt x="372576" y="21377"/>
+                    </a:cubicBezTo>
+                    <a:cubicBezTo>
+                      <a:pt x="453455" y="19372"/>
+                      <a:pt x="593823" y="-36775"/>
+                      <a:pt x="657323" y="41430"/>
+                    </a:cubicBezTo>
+                    <a:cubicBezTo>
+                      <a:pt x="720823" y="119635"/>
+                      <a:pt x="845818" y="409061"/>
+                      <a:pt x="753576" y="490608"/>
+                    </a:cubicBezTo>
+                    <a:cubicBezTo>
+                      <a:pt x="661334" y="572155"/>
+                      <a:pt x="227528" y="548761"/>
+                      <a:pt x="103870" y="530714"/>
+                    </a:cubicBezTo>
+                    <a:cubicBezTo>
+                      <a:pt x="-19788" y="512667"/>
+                      <a:pt x="-3745" y="469887"/>
+                      <a:pt x="7618" y="390345"/>
+                    </a:cubicBezTo>
+                    <a:close/>
+                  </a:path>
+                </a:pathLst>
+              </a:custGeom>
+              <a:ln/>
+            </p:spPr>
+            <p:style>
+              <a:lnRef idx="2">
+                <a:srgbClr val="000000"/>
+              </a:lnRef>
+              <a:fillRef idx="1">
+                <a:srgbClr val="FFFFFF"/>
+              </a:fillRef>
+              <a:effectRef idx="0">
+                <a:srgbClr val="000000"/>
+              </a:effectRef>
+              <a:fontRef idx="minor">
+                <a:srgbClr val="000000"/>
+              </a:fontRef>
+            </p:style>
+            <p:txBody>
+              <a:bodyPr rtlCol="0" anchor="ctr"/>
+              <a:lstStyle/>
+              <a:p>
+                <a:pPr algn="ctr"/>
+                <a:endParaRPr lang="en-US"/>
+              </a:p>
+            </p:txBody>
+          </p:sp>
+          <p:grpSp>
+            <p:nvGrpSpPr>
+              <p:cNvPr id="7" name="Group 172"/>
+              <p:cNvGrpSpPr/>
+              <p:nvPr/>
+            </p:nvGrpSpPr>
+            <p:grpSpPr>
+              <a:xfrm rot="2464249">
+                <a:off x="1163426" y="1968088"/>
+                <a:ext cx="225521" cy="409558"/>
+                <a:chOff x="2557440" y="1727588"/>
+                <a:chExt cx="225521" cy="409558"/>
+              </a:xfrm>
+              <a:solidFill>
+                <a:schemeClr val="bg1"/>
+              </a:solidFill>
+            </p:grpSpPr>
+            <p:sp>
+              <p:nvSpPr>
+                <p:cNvPr id="19" name="Rectangle 18"/>
+                <p:cNvSpPr/>
+                <p:nvPr/>
+              </p:nvSpPr>
+              <p:spPr>
+                <a:xfrm rot="857530">
+                  <a:off x="2571034" y="1727588"/>
+                  <a:ext cx="211927" cy="409558"/>
+                </a:xfrm>
+                <a:prstGeom prst="rect">
+                  <a:avLst/>
+                </a:prstGeom>
+                <a:grpFill/>
+                <a:ln w="19050">
+                  <a:solidFill>
+                    <a:schemeClr val="tx1">
+                      <a:lumMod val="95000"/>
+                      <a:lumOff val="5000"/>
+                    </a:schemeClr>
+                  </a:solidFill>
+                </a:ln>
+              </p:spPr>
+              <p:style>
+                <a:lnRef idx="2">
+                  <a:srgbClr val="4F81BD">
+                    <a:shade val="50000"/>
+                  </a:srgbClr>
+                </a:lnRef>
+                <a:fillRef idx="1">
+                  <a:srgbClr val="4F81BD"/>
+                </a:fillRef>
+                <a:effectRef idx="0">
+                  <a:srgbClr val="4F81BD"/>
+                </a:effectRef>
+                <a:fontRef idx="minor">
+                  <a:srgbClr val="FFFFFF"/>
+                </a:fontRef>
+              </p:style>
+              <p:txBody>
+                <a:bodyPr rtlCol="0" anchor="ctr"/>
+                <a:lstStyle/>
+                <a:p>
+                  <a:pPr algn="ctr"/>
+                  <a:endParaRPr lang="en-US"/>
+                </a:p>
+              </p:txBody>
+            </p:sp>
+            <p:sp>
+              <p:nvSpPr>
+                <p:cNvPr id="20" name="Rectangle 19"/>
+                <p:cNvSpPr/>
+                <p:nvPr/>
+              </p:nvSpPr>
+              <p:spPr>
+                <a:xfrm rot="857530">
+                  <a:off x="2606142" y="1765715"/>
+                  <a:ext cx="149373" cy="288668"/>
+                </a:xfrm>
+                <a:prstGeom prst="rect">
+                  <a:avLst/>
+                </a:prstGeom>
+                <a:grpFill/>
+                <a:ln w="12700">
+                  <a:solidFill>
+                    <a:schemeClr val="tx1">
+                      <a:lumMod val="95000"/>
+                      <a:lumOff val="5000"/>
+                    </a:schemeClr>
+                  </a:solidFill>
+                </a:ln>
+              </p:spPr>
+              <p:style>
+                <a:lnRef idx="2">
+                  <a:srgbClr val="4F81BD">
+                    <a:shade val="50000"/>
+                  </a:srgbClr>
+                </a:lnRef>
+                <a:fillRef idx="1">
+                  <a:srgbClr val="4F81BD"/>
+                </a:fillRef>
+                <a:effectRef idx="0">
+                  <a:srgbClr val="4F81BD"/>
+                </a:effectRef>
+                <a:fontRef idx="minor">
+                  <a:srgbClr val="FFFFFF"/>
+                </a:fontRef>
+              </p:style>
+              <p:txBody>
+                <a:bodyPr rtlCol="0" anchor="ctr"/>
+                <a:lstStyle/>
+                <a:p>
+                  <a:pPr algn="ctr"/>
+                  <a:endParaRPr lang="en-US"/>
+                </a:p>
+              </p:txBody>
+            </p:sp>
+            <p:sp>
+              <p:nvSpPr>
+                <p:cNvPr id="21" name="Oval 20"/>
+                <p:cNvSpPr/>
+                <p:nvPr/>
+              </p:nvSpPr>
+              <p:spPr>
+                <a:xfrm flipH="1">
+                  <a:off x="2557440" y="2046799"/>
+                  <a:ext cx="63577" cy="63577"/>
+                </a:xfrm>
+                <a:prstGeom prst="ellipse">
+                  <a:avLst/>
+                </a:prstGeom>
+                <a:grpFill/>
+                <a:ln w="9525">
+                  <a:solidFill>
+                    <a:schemeClr val="tx1">
+                      <a:lumMod val="95000"/>
+                      <a:lumOff val="5000"/>
+                    </a:schemeClr>
+                  </a:solidFill>
+                </a:ln>
+              </p:spPr>
+              <p:style>
+                <a:lnRef idx="2">
+                  <a:srgbClr val="4F81BD">
+                    <a:shade val="50000"/>
+                  </a:srgbClr>
+                </a:lnRef>
+                <a:fillRef idx="1">
+                  <a:srgbClr val="4F81BD"/>
+                </a:fillRef>
+                <a:effectRef idx="0">
+                  <a:srgbClr val="4F81BD"/>
+                </a:effectRef>
+                <a:fontRef idx="minor">
+                  <a:srgbClr val="FFFFFF"/>
+                </a:fontRef>
+              </p:style>
+              <p:txBody>
+                <a:bodyPr rtlCol="0" anchor="ctr"/>
+                <a:lstStyle/>
+                <a:p>
+                  <a:pPr algn="ctr"/>
+                  <a:endParaRPr lang="en-US"/>
+                </a:p>
+              </p:txBody>
+            </p:sp>
+            <p:sp>
+              <p:nvSpPr>
+                <p:cNvPr id="22" name="Oval 21"/>
+                <p:cNvSpPr/>
+                <p:nvPr/>
+              </p:nvSpPr>
+              <p:spPr>
+                <a:xfrm flipH="1">
+                  <a:off x="2642780" y="2069481"/>
+                  <a:ext cx="63577" cy="63577"/>
+                </a:xfrm>
+                <a:prstGeom prst="ellipse">
+                  <a:avLst/>
+                </a:prstGeom>
+                <a:grpFill/>
+                <a:ln w="9525">
+                  <a:solidFill>
+                    <a:schemeClr val="tx1">
+                      <a:lumMod val="95000"/>
+                      <a:lumOff val="5000"/>
+                    </a:schemeClr>
+                  </a:solidFill>
+                </a:ln>
+              </p:spPr>
+              <p:style>
+                <a:lnRef idx="2">
+                  <a:srgbClr val="4F81BD">
+                    <a:shade val="50000"/>
+                  </a:srgbClr>
+                </a:lnRef>
+                <a:fillRef idx="1">
+                  <a:srgbClr val="4F81BD"/>
+                </a:fillRef>
+                <a:effectRef idx="0">
+                  <a:srgbClr val="4F81BD"/>
+                </a:effectRef>
+                <a:fontRef idx="minor">
+                  <a:srgbClr val="FFFFFF"/>
+                </a:fontRef>
+              </p:style>
+              <p:txBody>
+                <a:bodyPr rtlCol="0" anchor="ctr"/>
+                <a:lstStyle/>
+                <a:p>
+                  <a:pPr algn="ctr"/>
+                  <a:endParaRPr lang="en-US"/>
+                </a:p>
+              </p:txBody>
+            </p:sp>
+          </p:grpSp>
+          <p:sp>
+            <p:nvSpPr>
+              <p:cNvPr id="8" name="Freeform 184"/>
+              <p:cNvSpPr/>
+              <p:nvPr/>
+            </p:nvSpPr>
+            <p:spPr>
+              <a:xfrm>
+                <a:off x="547010" y="1852775"/>
+                <a:ext cx="661118" cy="542011"/>
+              </a:xfrm>
+              <a:custGeom>
+                <a:avLst/>
+                <a:gdLst>
+                  <a:gd name="connsiteX0" fmla="*/ 142997 w 661118"/>
+                  <a:gd name="connsiteY0" fmla="*/ 54714 h 581432"/>
+                  <a:gd name="connsiteX1" fmla="*/ 8362 w 661118"/>
+                  <a:gd name="connsiteY1" fmla="*/ 49104 h 581432"/>
+                  <a:gd name="connsiteX2" fmla="*/ 81289 w 661118"/>
+                  <a:gd name="connsiteY2" fmla="*/ 503499 h 581432"/>
+                  <a:gd name="connsiteX3" fmla="*/ 619832 w 661118"/>
+                  <a:gd name="connsiteY3" fmla="*/ 576427 h 581432"/>
+                  <a:gd name="connsiteX4" fmla="*/ 574953 w 661118"/>
+                  <a:gd name="connsiteY4" fmla="*/ 447401 h 581432"/>
+                  <a:gd name="connsiteX5" fmla="*/ 182266 w 661118"/>
+                  <a:gd name="connsiteY5" fmla="*/ 424962 h 581432"/>
+                  <a:gd name="connsiteX6" fmla="*/ 142997 w 661118"/>
+                  <a:gd name="connsiteY6" fmla="*/ 54714 h 581432"/>
+                </a:gdLst>
+                <a:ahLst/>
+                <a:cxnLst>
+                  <a:cxn ang="0">
+                    <a:pos x="connsiteX0" y="connsiteY0"/>
+                  </a:cxn>
+                  <a:cxn ang="0">
+                    <a:pos x="connsiteX1" y="connsiteY1"/>
+                  </a:cxn>
+                  <a:cxn ang="0">
+                    <a:pos x="connsiteX2" y="connsiteY2"/>
+                  </a:cxn>
+                  <a:cxn ang="0">
+                    <a:pos x="connsiteX3" y="connsiteY3"/>
+                  </a:cxn>
+                  <a:cxn ang="0">
+                    <a:pos x="connsiteX4" y="connsiteY4"/>
+                  </a:cxn>
+                  <a:cxn ang="0">
+                    <a:pos x="connsiteX5" y="connsiteY5"/>
+                  </a:cxn>
+                  <a:cxn ang="0">
+                    <a:pos x="connsiteX6" y="connsiteY6"/>
+                  </a:cxn>
+                </a:cxnLst>
+                <a:rect l="l" t="t" r="r" b="b"/>
+                <a:pathLst>
+                  <a:path w="661118" h="581432">
+                    <a:moveTo>
+                      <a:pt x="142997" y="54714"/>
+                    </a:moveTo>
+                    <a:cubicBezTo>
+                      <a:pt x="114013" y="-7929"/>
+                      <a:pt x="18647" y="-25694"/>
+                      <a:pt x="8362" y="49104"/>
+                    </a:cubicBezTo>
+                    <a:cubicBezTo>
+                      <a:pt x="-1923" y="123902"/>
+                      <a:pt x="-20623" y="415612"/>
+                      <a:pt x="81289" y="503499"/>
+                    </a:cubicBezTo>
+                    <a:cubicBezTo>
+                      <a:pt x="183201" y="591386"/>
+                      <a:pt x="537555" y="585777"/>
+                      <a:pt x="619832" y="576427"/>
+                    </a:cubicBezTo>
+                    <a:cubicBezTo>
+                      <a:pt x="702109" y="567077"/>
+                      <a:pt x="647881" y="472645"/>
+                      <a:pt x="574953" y="447401"/>
+                    </a:cubicBezTo>
+                    <a:cubicBezTo>
+                      <a:pt x="502025" y="422157"/>
+                      <a:pt x="257064" y="490410"/>
+                      <a:pt x="182266" y="424962"/>
+                    </a:cubicBezTo>
+                    <a:cubicBezTo>
+                      <a:pt x="107468" y="359514"/>
+                      <a:pt x="171981" y="117357"/>
+                      <a:pt x="142997" y="54714"/>
+                    </a:cubicBezTo>
+                    <a:close/>
+                  </a:path>
+                </a:pathLst>
+              </a:custGeom>
+              <a:ln/>
+            </p:spPr>
+            <p:style>
+              <a:lnRef idx="2">
+                <a:srgbClr val="000000"/>
+              </a:lnRef>
+              <a:fillRef idx="1">
+                <a:srgbClr val="FFFFFF"/>
+              </a:fillRef>
+              <a:effectRef idx="0">
+                <a:srgbClr val="000000"/>
+              </a:effectRef>
+              <a:fontRef idx="minor">
+                <a:srgbClr val="000000"/>
+              </a:fontRef>
+            </p:style>
+            <p:txBody>
+              <a:bodyPr rtlCol="0" anchor="ctr"/>
+              <a:lstStyle/>
+              <a:p>
+                <a:pPr algn="ctr"/>
+                <a:endParaRPr lang="en-US">
+                  <a:solidFill>
+                    <a:srgbClr val="000000"/>
+                  </a:solidFill>
+                </a:endParaRPr>
+              </a:p>
+            </p:txBody>
+          </p:sp>
+          <p:grpSp>
+            <p:nvGrpSpPr>
+              <p:cNvPr id="9" name="Group 186"/>
+              <p:cNvGrpSpPr/>
+              <p:nvPr/>
+            </p:nvGrpSpPr>
+            <p:grpSpPr>
+              <a:xfrm>
+                <a:off x="532929" y="1023766"/>
+                <a:ext cx="670833" cy="829010"/>
+                <a:chOff x="671346" y="887184"/>
+                <a:chExt cx="670833" cy="829010"/>
+              </a:xfrm>
+            </p:grpSpPr>
+            <p:sp>
+              <p:nvSpPr>
+                <p:cNvPr id="10" name="Oval 9"/>
+                <p:cNvSpPr/>
+                <p:nvPr/>
+              </p:nvSpPr>
+              <p:spPr>
+                <a:xfrm>
+                  <a:off x="671346" y="887184"/>
+                  <a:ext cx="670833" cy="829010"/>
+                </a:xfrm>
+                <a:prstGeom prst="ellipse">
+                  <a:avLst/>
+                </a:prstGeom>
+                <a:ln>
+                  <a:solidFill>
+                    <a:schemeClr val="tx1">
+                      <a:lumMod val="95000"/>
+                      <a:lumOff val="5000"/>
+                    </a:schemeClr>
+                  </a:solidFill>
+                </a:ln>
+              </p:spPr>
+              <p:style>
+                <a:lnRef idx="2">
+                  <a:srgbClr val="000000"/>
+                </a:lnRef>
+                <a:fillRef idx="1">
+                  <a:srgbClr val="FFFFFF"/>
+                </a:fillRef>
+                <a:effectRef idx="0">
+                  <a:srgbClr val="000000"/>
+                </a:effectRef>
+                <a:fontRef idx="minor">
+                  <a:srgbClr val="000000"/>
+                </a:fontRef>
+              </p:style>
+              <p:txBody>
+                <a:bodyPr rtlCol="0" anchor="ctr"/>
+                <a:lstStyle/>
+                <a:p>
+                  <a:pPr algn="ctr"/>
+                  <a:endParaRPr lang="en-US"/>
+                </a:p>
+              </p:txBody>
+            </p:sp>
+            <p:sp>
+              <p:nvSpPr>
+                <p:cNvPr id="11" name="Arc 10"/>
+                <p:cNvSpPr/>
+                <p:nvPr/>
+              </p:nvSpPr>
+              <p:spPr>
+                <a:xfrm>
+                  <a:off x="861366" y="1190511"/>
+                  <a:ext cx="317891" cy="191563"/>
+                </a:xfrm>
+                <a:prstGeom prst="arc">
+                  <a:avLst>
+                    <a:gd name="adj1" fmla="val 14548920"/>
+                    <a:gd name="adj2" fmla="val 18921633"/>
+                  </a:avLst>
+                </a:prstGeom>
+                <a:ln w="12700">
+                  <a:solidFill>
+                    <a:schemeClr val="tx1">
+                      <a:lumMod val="95000"/>
+                      <a:lumOff val="5000"/>
+                    </a:schemeClr>
+                  </a:solidFill>
+                </a:ln>
+              </p:spPr>
+              <p:style>
+                <a:lnRef idx="1">
+                  <a:srgbClr val="4F81BD"/>
+                </a:lnRef>
+                <a:fillRef idx="0">
+                  <a:srgbClr val="4F81BD"/>
+                </a:fillRef>
+                <a:effectRef idx="0">
+                  <a:srgbClr val="4F81BD"/>
+                </a:effectRef>
+                <a:fontRef idx="minor">
+                  <a:schemeClr val="tx1"/>
+                </a:fontRef>
+              </p:style>
+              <p:txBody>
+                <a:bodyPr rtlCol="0" anchor="ctr"/>
+                <a:lstStyle/>
+                <a:p>
+                  <a:pPr algn="ctr"/>
+                  <a:endParaRPr lang="en-US"/>
+                </a:p>
+              </p:txBody>
+            </p:sp>
+            <p:sp>
+              <p:nvSpPr>
+                <p:cNvPr id="12" name="Oval 11"/>
+                <p:cNvSpPr/>
+                <p:nvPr/>
+              </p:nvSpPr>
+              <p:spPr>
+                <a:xfrm>
+                  <a:off x="1020313" y="1343669"/>
+                  <a:ext cx="70726" cy="82259"/>
+                </a:xfrm>
+                <a:prstGeom prst="ellipse">
+                  <a:avLst/>
+                </a:prstGeom>
+                <a:solidFill>
+                  <a:schemeClr val="bg1"/>
+                </a:solidFill>
+                <a:ln>
+                  <a:solidFill>
+                    <a:schemeClr val="tx1">
+                      <a:lumMod val="95000"/>
+                      <a:lumOff val="5000"/>
+                    </a:schemeClr>
+                  </a:solidFill>
+                </a:ln>
+              </p:spPr>
+              <p:style>
+                <a:lnRef idx="2">
+                  <a:srgbClr val="4F81BD">
+                    <a:shade val="50000"/>
+                  </a:srgbClr>
+                </a:lnRef>
+                <a:fillRef idx="1">
+                  <a:srgbClr val="4F81BD"/>
+                </a:fillRef>
+                <a:effectRef idx="0">
+                  <a:srgbClr val="4F81BD"/>
+                </a:effectRef>
+                <a:fontRef idx="minor">
+                  <a:srgbClr val="FFFFFF"/>
+                </a:fontRef>
+              </p:style>
+              <p:txBody>
+                <a:bodyPr rtlCol="0" anchor="ctr"/>
+                <a:lstStyle/>
+                <a:p>
+                  <a:pPr algn="ctr"/>
+                  <a:endParaRPr lang="en-US"/>
+                </a:p>
+              </p:txBody>
+            </p:sp>
+            <p:sp>
+              <p:nvSpPr>
+                <p:cNvPr id="13" name="Oval 12"/>
+                <p:cNvSpPr/>
+                <p:nvPr/>
+              </p:nvSpPr>
+              <p:spPr>
+                <a:xfrm>
+                  <a:off x="1172881" y="1381120"/>
+                  <a:ext cx="66924" cy="78733"/>
+                </a:xfrm>
+                <a:prstGeom prst="ellipse">
+                  <a:avLst/>
+                </a:prstGeom>
+                <a:solidFill>
+                  <a:schemeClr val="bg1"/>
+                </a:solidFill>
+                <a:ln>
+                  <a:solidFill>
+                    <a:schemeClr val="tx1">
+                      <a:lumMod val="95000"/>
+                      <a:lumOff val="5000"/>
+                    </a:schemeClr>
+                  </a:solidFill>
+                </a:ln>
+              </p:spPr>
+              <p:style>
+                <a:lnRef idx="2">
+                  <a:srgbClr val="4F81BD">
+                    <a:shade val="50000"/>
+                  </a:srgbClr>
+                </a:lnRef>
+                <a:fillRef idx="1">
+                  <a:srgbClr val="4F81BD"/>
+                </a:fillRef>
+                <a:effectRef idx="0">
+                  <a:srgbClr val="4F81BD"/>
+                </a:effectRef>
+                <a:fontRef idx="minor">
+                  <a:srgbClr val="FFFFFF"/>
+                </a:fontRef>
+              </p:style>
+              <p:txBody>
+                <a:bodyPr rtlCol="0" anchor="ctr"/>
+                <a:lstStyle/>
+                <a:p>
+                  <a:pPr algn="ctr"/>
+                  <a:endParaRPr lang="en-US"/>
+                </a:p>
+              </p:txBody>
+            </p:sp>
+            <p:sp>
+              <p:nvSpPr>
+                <p:cNvPr id="14" name="Oval 13"/>
+                <p:cNvSpPr/>
+                <p:nvPr/>
+              </p:nvSpPr>
+              <p:spPr>
+                <a:xfrm rot="2102359">
+                  <a:off x="945855" y="1292479"/>
+                  <a:ext cx="175677" cy="110842"/>
+                </a:xfrm>
+                <a:prstGeom prst="ellipse">
+                  <a:avLst/>
+                </a:prstGeom>
+                <a:noFill/>
+                <a:ln w="12700">
+                  <a:solidFill>
+                    <a:schemeClr val="tx1">
+                      <a:lumMod val="95000"/>
+                      <a:lumOff val="5000"/>
+                    </a:schemeClr>
+                  </a:solidFill>
+                </a:ln>
+              </p:spPr>
+              <p:style>
+                <a:lnRef idx="2">
+                  <a:srgbClr val="4F81BD">
+                    <a:shade val="50000"/>
+                  </a:srgbClr>
+                </a:lnRef>
+                <a:fillRef idx="1">
+                  <a:srgbClr val="4F81BD"/>
+                </a:fillRef>
+                <a:effectRef idx="0">
+                  <a:srgbClr val="4F81BD"/>
+                </a:effectRef>
+                <a:fontRef idx="minor">
+                  <a:srgbClr val="FFFFFF"/>
+                </a:fontRef>
+              </p:style>
+              <p:txBody>
+                <a:bodyPr rtlCol="0" anchor="ctr"/>
+                <a:lstStyle/>
+                <a:p>
+                  <a:pPr algn="ctr"/>
+                  <a:endParaRPr lang="en-US"/>
+                </a:p>
+              </p:txBody>
+            </p:sp>
+            <p:sp>
+              <p:nvSpPr>
+                <p:cNvPr id="15" name="Oval 14"/>
+                <p:cNvSpPr/>
+                <p:nvPr/>
+              </p:nvSpPr>
+              <p:spPr>
+                <a:xfrm rot="20039539">
+                  <a:off x="1151357" y="1336524"/>
+                  <a:ext cx="142177" cy="109096"/>
+                </a:xfrm>
+                <a:prstGeom prst="ellipse">
+                  <a:avLst/>
+                </a:prstGeom>
+                <a:noFill/>
+                <a:ln w="12700">
+                  <a:solidFill>
+                    <a:schemeClr val="tx1">
+                      <a:lumMod val="95000"/>
+                      <a:lumOff val="5000"/>
+                    </a:schemeClr>
+                  </a:solidFill>
+                </a:ln>
+              </p:spPr>
+              <p:style>
+                <a:lnRef idx="2">
+                  <a:srgbClr val="4F81BD">
+                    <a:shade val="50000"/>
+                  </a:srgbClr>
+                </a:lnRef>
+                <a:fillRef idx="1">
+                  <a:srgbClr val="4F81BD"/>
+                </a:fillRef>
+                <a:effectRef idx="0">
+                  <a:srgbClr val="4F81BD"/>
+                </a:effectRef>
+                <a:fontRef idx="minor">
+                  <a:srgbClr val="FFFFFF"/>
+                </a:fontRef>
+              </p:style>
+              <p:txBody>
+                <a:bodyPr rtlCol="0" anchor="ctr"/>
+                <a:lstStyle/>
+                <a:p>
+                  <a:pPr algn="ctr"/>
+                  <a:endParaRPr lang="en-US"/>
+                </a:p>
+              </p:txBody>
+            </p:sp>
+            <p:sp>
+              <p:nvSpPr>
+                <p:cNvPr id="16" name="Freeform 13"/>
+                <p:cNvSpPr/>
+                <p:nvPr/>
+              </p:nvSpPr>
+              <p:spPr>
+                <a:xfrm>
+                  <a:off x="949110" y="1503396"/>
+                  <a:ext cx="217714" cy="132265"/>
+                </a:xfrm>
+                <a:custGeom>
+                  <a:avLst/>
+                  <a:gdLst>
+                    <a:gd name="connsiteX0" fmla="*/ 0 w 217714"/>
+                    <a:gd name="connsiteY0" fmla="*/ 0 h 132265"/>
+                    <a:gd name="connsiteX1" fmla="*/ 81643 w 217714"/>
+                    <a:gd name="connsiteY1" fmla="*/ 130629 h 132265"/>
+                    <a:gd name="connsiteX2" fmla="*/ 217714 w 217714"/>
+                    <a:gd name="connsiteY2" fmla="*/ 76200 h 132265"/>
+                  </a:gdLst>
+                  <a:ahLst/>
+                  <a:cxnLst>
+                    <a:cxn ang="0">
+                      <a:pos x="connsiteX0" y="connsiteY0"/>
+                    </a:cxn>
+                    <a:cxn ang="0">
+                      <a:pos x="connsiteX1" y="connsiteY1"/>
+                    </a:cxn>
+                    <a:cxn ang="0">
+                      <a:pos x="connsiteX2" y="connsiteY2"/>
+                    </a:cxn>
+                  </a:cxnLst>
+                  <a:rect l="l" t="t" r="r" b="b"/>
+                  <a:pathLst>
+                    <a:path w="217714" h="132265">
+                      <a:moveTo>
+                        <a:pt x="0" y="0"/>
+                      </a:moveTo>
+                      <a:cubicBezTo>
+                        <a:pt x="22678" y="58964"/>
+                        <a:pt x="45357" y="117929"/>
+                        <a:pt x="81643" y="130629"/>
+                      </a:cubicBezTo>
+                      <a:cubicBezTo>
+                        <a:pt x="117929" y="143329"/>
+                        <a:pt x="192314" y="78014"/>
+                        <a:pt x="217714" y="76200"/>
+                      </a:cubicBezTo>
+                    </a:path>
+                  </a:pathLst>
+                </a:custGeom>
+                <a:ln/>
+              </p:spPr>
+              <p:style>
+                <a:lnRef idx="2">
+                  <a:srgbClr val="000000"/>
+                </a:lnRef>
+                <a:fillRef idx="1">
+                  <a:srgbClr val="FFFFFF"/>
+                </a:fillRef>
+                <a:effectRef idx="0">
+                  <a:srgbClr val="000000"/>
+                </a:effectRef>
+                <a:fontRef idx="minor">
+                  <a:srgbClr val="000000"/>
+                </a:fontRef>
+              </p:style>
+              <p:txBody>
+                <a:bodyPr rtlCol="0" anchor="ctr"/>
+                <a:lstStyle/>
+                <a:p>
+                  <a:pPr algn="ctr"/>
+                  <a:endParaRPr lang="en-US">
+                    <a:solidFill>
+                      <a:srgbClr val="000000"/>
+                    </a:solidFill>
+                  </a:endParaRPr>
+                </a:p>
+              </p:txBody>
+            </p:sp>
+            <p:sp>
+              <p:nvSpPr>
+                <p:cNvPr id="17" name="Arc 16"/>
+                <p:cNvSpPr/>
+                <p:nvPr/>
+              </p:nvSpPr>
+              <p:spPr>
+                <a:xfrm>
+                  <a:off x="1172267" y="1182794"/>
+                  <a:ext cx="114473" cy="95781"/>
+                </a:xfrm>
+                <a:prstGeom prst="arc">
+                  <a:avLst/>
+                </a:prstGeom>
+                <a:ln w="12700">
+                  <a:solidFill>
+                    <a:schemeClr val="tx1">
+                      <a:lumMod val="95000"/>
+                      <a:lumOff val="5000"/>
+                    </a:schemeClr>
+                  </a:solidFill>
+                </a:ln>
+              </p:spPr>
+              <p:style>
+                <a:lnRef idx="1">
+                  <a:srgbClr val="4F81BD"/>
+                </a:lnRef>
+                <a:fillRef idx="0">
+                  <a:srgbClr val="4F81BD"/>
+                </a:fillRef>
+                <a:effectRef idx="0">
+                  <a:srgbClr val="4F81BD"/>
+                </a:effectRef>
+                <a:fontRef idx="minor">
+                  <a:schemeClr val="tx1"/>
+                </a:fontRef>
+              </p:style>
+              <p:txBody>
+                <a:bodyPr rtlCol="0" anchor="ctr"/>
+                <a:lstStyle/>
+                <a:p>
+                  <a:pPr algn="ctr"/>
+                  <a:endParaRPr lang="en-US"/>
+                </a:p>
+              </p:txBody>
+            </p:sp>
+            <p:sp>
+              <p:nvSpPr>
+                <p:cNvPr id="18" name="Freeform 15"/>
+                <p:cNvSpPr/>
+                <p:nvPr/>
+              </p:nvSpPr>
+              <p:spPr>
+                <a:xfrm>
+                  <a:off x="965439" y="1536053"/>
+                  <a:ext cx="190500" cy="51178"/>
+                </a:xfrm>
+                <a:custGeom>
+                  <a:avLst/>
+                  <a:gdLst>
+                    <a:gd name="connsiteX0" fmla="*/ 0 w 190500"/>
+                    <a:gd name="connsiteY0" fmla="*/ 0 h 51177"/>
+                    <a:gd name="connsiteX1" fmla="*/ 108857 w 190500"/>
+                    <a:gd name="connsiteY1" fmla="*/ 48985 h 51177"/>
+                    <a:gd name="connsiteX2" fmla="*/ 190500 w 190500"/>
+                    <a:gd name="connsiteY2" fmla="*/ 38100 h 51177"/>
+                  </a:gdLst>
+                  <a:ahLst/>
+                  <a:cxnLst>
+                    <a:cxn ang="0">
+                      <a:pos x="connsiteX0" y="connsiteY0"/>
+                    </a:cxn>
+                    <a:cxn ang="0">
+                      <a:pos x="connsiteX1" y="connsiteY1"/>
+                    </a:cxn>
+                    <a:cxn ang="0">
+                      <a:pos x="connsiteX2" y="connsiteY2"/>
+                    </a:cxn>
+                  </a:cxnLst>
+                  <a:rect l="l" t="t" r="r" b="b"/>
+                  <a:pathLst>
+                    <a:path w="190500" h="51177">
+                      <a:moveTo>
+                        <a:pt x="0" y="0"/>
+                      </a:moveTo>
+                      <a:cubicBezTo>
+                        <a:pt x="38553" y="21317"/>
+                        <a:pt x="77107" y="42635"/>
+                        <a:pt x="108857" y="48985"/>
+                      </a:cubicBezTo>
+                      <a:cubicBezTo>
+                        <a:pt x="140607" y="55335"/>
+                        <a:pt x="165553" y="46717"/>
+                        <a:pt x="190500" y="38100"/>
+                      </a:cubicBezTo>
+                    </a:path>
+                  </a:pathLst>
+                </a:custGeom>
+                <a:ln w="12700">
+                  <a:solidFill>
+                    <a:schemeClr val="tx1">
+                      <a:lumMod val="95000"/>
+                      <a:lumOff val="5000"/>
+                    </a:schemeClr>
+                  </a:solidFill>
+                </a:ln>
+              </p:spPr>
+              <p:style>
+                <a:lnRef idx="1">
+                  <a:srgbClr val="4F81BD"/>
+                </a:lnRef>
+                <a:fillRef idx="0">
+                  <a:srgbClr val="4F81BD"/>
+                </a:fillRef>
+                <a:effectRef idx="0">
+                  <a:srgbClr val="4F81BD"/>
+                </a:effectRef>
+                <a:fontRef idx="minor">
+                  <a:schemeClr val="tx1"/>
+                </a:fontRef>
+              </p:style>
+              <p:txBody>
+                <a:bodyPr rtlCol="0" anchor="ctr"/>
+                <a:lstStyle/>
+                <a:p>
+                  <a:pPr algn="ctr"/>
+                  <a:endParaRPr lang="en-US"/>
+                </a:p>
+              </p:txBody>
+            </p:sp>
+          </p:grpSp>
+        </p:grpSp>
+        <p:sp>
+          <p:nvSpPr>
+            <p:cNvPr id="45" name="Freeform 91"/>
+            <p:cNvSpPr>
+              <a:spLocks/>
+            </p:cNvSpPr>
+            <p:nvPr>
+              <p:custDataLst>
+                <p:custData r:id="rId3"/>
+                <p:custData r:id="rId4"/>
+              </p:custDataLst>
+            </p:nvPr>
+          </p:nvSpPr>
+          <p:spPr bwMode="black">
+            <a:xfrm>
+              <a:off x="3382091" y="2890190"/>
+              <a:ext cx="341468" cy="220369"/>
+            </a:xfrm>
+            <a:custGeom>
+              <a:avLst/>
+              <a:gdLst>
+                <a:gd name="T0" fmla="*/ 69 w 87"/>
+                <a:gd name="T1" fmla="*/ 7 h 56"/>
+                <a:gd name="T2" fmla="*/ 43 w 87"/>
+                <a:gd name="T3" fmla="*/ 13 h 56"/>
+                <a:gd name="T4" fmla="*/ 17 w 87"/>
+                <a:gd name="T5" fmla="*/ 7 h 56"/>
+                <a:gd name="T6" fmla="*/ 43 w 87"/>
+                <a:gd name="T7" fmla="*/ 55 h 56"/>
+                <a:gd name="T8" fmla="*/ 43 w 87"/>
+                <a:gd name="T9" fmla="*/ 56 h 56"/>
+                <a:gd name="T10" fmla="*/ 43 w 87"/>
+                <a:gd name="T11" fmla="*/ 55 h 56"/>
+                <a:gd name="T12" fmla="*/ 43 w 87"/>
+                <a:gd name="T13" fmla="*/ 56 h 56"/>
+                <a:gd name="T14" fmla="*/ 43 w 87"/>
+                <a:gd name="T15" fmla="*/ 55 h 56"/>
+                <a:gd name="T16" fmla="*/ 69 w 87"/>
+                <a:gd name="T17" fmla="*/ 7 h 56"/>
+              </a:gdLst>
+              <a:ahLst/>
+              <a:cxnLst>
+                <a:cxn ang="0">
+                  <a:pos x="T0" y="T1"/>
+                </a:cxn>
+                <a:cxn ang="0">
+                  <a:pos x="T2" y="T3"/>
+                </a:cxn>
+                <a:cxn ang="0">
+                  <a:pos x="T4" y="T5"/>
+                </a:cxn>
+                <a:cxn ang="0">
+                  <a:pos x="T6" y="T7"/>
+                </a:cxn>
+                <a:cxn ang="0">
+                  <a:pos x="T8" y="T9"/>
+                </a:cxn>
+                <a:cxn ang="0">
+                  <a:pos x="T10" y="T11"/>
+                </a:cxn>
+                <a:cxn ang="0">
+                  <a:pos x="T12" y="T13"/>
+                </a:cxn>
+                <a:cxn ang="0">
+                  <a:pos x="T14" y="T15"/>
+                </a:cxn>
+                <a:cxn ang="0">
+                  <a:pos x="T16" y="T17"/>
+                </a:cxn>
+              </a:cxnLst>
+              <a:rect l="0" t="0" r="r" b="b"/>
+              <a:pathLst>
+                <a:path w="87" h="56">
+                  <a:moveTo>
+                    <a:pt x="69" y="7"/>
+                  </a:moveTo>
+                  <a:cubicBezTo>
+                    <a:pt x="63" y="0"/>
+                    <a:pt x="51" y="3"/>
+                    <a:pt x="43" y="13"/>
+                  </a:cubicBezTo>
+                  <a:cubicBezTo>
+                    <a:pt x="34" y="2"/>
+                    <a:pt x="23" y="0"/>
+                    <a:pt x="17" y="7"/>
+                  </a:cubicBezTo>
+                  <a:cubicBezTo>
+                    <a:pt x="0" y="25"/>
+                    <a:pt x="36" y="52"/>
+                    <a:pt x="43" y="55"/>
+                  </a:cubicBezTo>
+                  <a:cubicBezTo>
+                    <a:pt x="43" y="56"/>
+                    <a:pt x="43" y="56"/>
+                    <a:pt x="43" y="56"/>
+                  </a:cubicBezTo>
+                  <a:cubicBezTo>
+                    <a:pt x="43" y="55"/>
+                    <a:pt x="43" y="55"/>
+                    <a:pt x="43" y="55"/>
+                  </a:cubicBezTo>
+                  <a:cubicBezTo>
+                    <a:pt x="43" y="55"/>
+                    <a:pt x="43" y="55"/>
+                    <a:pt x="43" y="56"/>
+                  </a:cubicBezTo>
+                  <a:cubicBezTo>
+                    <a:pt x="43" y="55"/>
+                    <a:pt x="43" y="55"/>
+                    <a:pt x="43" y="55"/>
+                  </a:cubicBezTo>
+                  <a:cubicBezTo>
+                    <a:pt x="50" y="52"/>
+                    <a:pt x="87" y="25"/>
+                    <a:pt x="69" y="7"/>
+                  </a:cubicBezTo>
+                </a:path>
+              </a:pathLst>
+            </a:custGeom>
+            <a:solidFill>
+              <a:srgbClr val="000000"/>
+            </a:solidFill>
+            <a:ln>
+              <a:noFill/>
+            </a:ln>
+            <a:extLst/>
+          </p:spPr>
+          <p:txBody>
+            <a:bodyPr vert="horz" wrap="square" lIns="97576" tIns="48788" rIns="97576" bIns="48788" numCol="1" anchor="t" anchorCtr="0" compatLnSpc="1">
+              <a:prstTxWarp prst="textNoShape">
+                <a:avLst/>
+              </a:prstTxWarp>
+            </a:bodyPr>
+            <a:lstStyle/>
+            <a:p>
+              <a:endParaRPr lang="en-US"/>
+            </a:p>
+          </p:txBody>
+        </p:sp>
+      </p:grpSp>
+    </p:spTree>
+    <p:extLst>
+      <p:ext uri="{BB962C8B-B14F-4D97-AF65-F5344CB8AC3E}">
+        <p14:creationId xmlns:p14="http://schemas.microsoft.com/office/powerpoint/2010/main" val="410218978"/>
       </p:ext>
     </p:extLst>
   </p:cSld>
@@ -6380,6 +7741,30 @@
 </Control>
 </file>
 
+<file path=customXml/item6.xml><?xml version="1.0" encoding="utf-8"?>
+<Control xmlns="http://schemas.microsoft.com/VisualStudio/2011/storyboarding/control">
+  <Id Name="StorytellingMaxOnPhoneAndTV.HappyMobile" Revision="1" Stencil="StorytellingMaxOnPhoneAndTV" StencilVersion="1.0"/>
+</Control>
+</file>
+
+<file path=customXml/item7.xml><?xml version="1.0" encoding="utf-8"?>
+<Control xmlns="http://schemas.microsoft.com/VisualStudio/2011/storyboarding/control">
+  <Id Name="System.Storyboarding.WindowsAppIcons.Emoji" Revision="1" Stencil="System.Storyboarding.WindowsAppIcons" StencilVersion="0.1"/>
+</Control>
+</file>
+
+<file path=customXml/item8.xml><?xml version="1.0" encoding="utf-8"?>
+<Control xmlns="http://schemas.microsoft.com/VisualStudio/2011/storyboarding/control">
+  <Id Name="91f9215f-48a3-4bce-9856-a1c79d18b395" RevisionId="54383394-c8b8-40b0-9c4b-42c6089a8ac7" Stencil="172d6d98-e5c9-42e9-a209-79f7a94bbd38" StencilRevisionId="00000000-0000-0000-0000-000000000000" StencilVersion="0.0"/>
+</Control>
+</file>
+
+<file path=customXml/item9.xml><?xml version="1.0" encoding="utf-8"?>
+<Control xmlns="http://schemas.microsoft.com/VisualStudio/2011/storyboarding/control">
+  <Id Name="System.Storyboarding.WindowsAppIcons.Heart" Revision="1" Stencil="System.Storyboarding.WindowsAppIcons" StencilVersion="0.1"/>
+</Control>
+</file>
+
 <file path=customXml/itemProps1.xml><?xml version="1.0" encoding="utf-8"?>
 <ds:datastoreItem xmlns:ds="http://schemas.openxmlformats.org/officeDocument/2006/customXml" ds:itemID="{78EE54C1-5480-45BB-AD3E-0474A7E117EA}">
   <ds:schemaRefs>
@@ -6418,4 +7803,36 @@
     <ds:schemaRef ds:uri="http://schemas.microsoft.com/VisualStudio/2011/storyboarding/control"/>
   </ds:schemaRefs>
 </ds:datastoreItem>
+</file>
+
+<file path=customXml/itemProps6.xml><?xml version="1.0" encoding="utf-8"?>
+<ds:datastoreItem xmlns:ds="http://schemas.openxmlformats.org/officeDocument/2006/customXml" ds:itemID="{433D5D05-AC23-4AB2-A9F9-8AF2DC28822E}">
+  <ds:schemaRefs>
+    <ds:schemaRef ds:uri="http://schemas.microsoft.com/VisualStudio/2011/storyboarding/control"/>
+  </ds:schemaRefs>
+</ds:datastoreItem>
+</file>
+
+<file path=customXml/itemProps7.xml><?xml version="1.0" encoding="utf-8"?>
+<ds:datastoreItem xmlns:ds="http://schemas.openxmlformats.org/officeDocument/2006/customXml" ds:itemID="{A52694CA-94F1-4ABC-936C-EC1964F3ABD1}">
+  <ds:schemaRefs>
+    <ds:schemaRef ds:uri="http://schemas.microsoft.com/VisualStudio/2011/storyboarding/control"/>
+  </ds:schemaRefs>
+</ds:datastoreItem>
+</file>
+
+<file path=customXml/itemProps8.xml><?xml version="1.0" encoding="utf-8"?>
+<ds:datastoreItem xmlns:ds="http://schemas.openxmlformats.org/officeDocument/2006/customXml" ds:itemID="{AAE9B66C-C51E-45FF-A0AF-F87D4E76C603}">
+  <ds:schemaRefs>
+    <ds:schemaRef ds:uri="http://schemas.microsoft.com/VisualStudio/2011/storyboarding/control"/>
+  </ds:schemaRefs>
+</ds:datastoreItem>
+</file>
+
+<file path=customXml/itemProps9.xml><?xml version="1.0" encoding="utf-8"?>
+<ds:datastoreItem xmlns:ds="http://schemas.openxmlformats.org/officeDocument/2006/customXml" ds:itemID="{1F691FFB-A975-423C-9BDD-E7EBA2325D59}">
+  <ds:schemaRefs>
+    <ds:schemaRef ds:uri="http://schemas.microsoft.com/VisualStudio/2011/storyboarding/control"/>
+  </ds:schemaRefs>
+</ds:datastoreItem>
 </file>